--- a/lectures/4.2ModulesNTests/lecture.pptx
+++ b/lectures/4.2ModulesNTests/lecture.pptx
@@ -13,10 +13,10 @@
     <p:sldId id="310" r:id="rId4"/>
     <p:sldId id="311" r:id="rId5"/>
     <p:sldId id="312" r:id="rId6"/>
-    <p:sldId id="314" r:id="rId7"/>
-    <p:sldId id="313" r:id="rId8"/>
-    <p:sldId id="316" r:id="rId9"/>
-    <p:sldId id="315" r:id="rId10"/>
+    <p:sldId id="316" r:id="rId7"/>
+    <p:sldId id="315" r:id="rId8"/>
+    <p:sldId id="314" r:id="rId9"/>
+    <p:sldId id="313" r:id="rId10"/>
   </p:sldIdLst>
   <p:sldSz cx="12192000" cy="6858000"/>
   <p:notesSz cx="6858000" cy="9144000"/>
@@ -8546,6 +8546,2890 @@
           <a:p>
             <a:r>
               <a:rPr lang="en-GB" dirty="0"/>
+              <a:t>Black-box (unit) testing</a:t>
+            </a:r>
+          </a:p>
+        </p:txBody>
+      </p:sp>
+      <p:sp>
+        <p:nvSpPr>
+          <p:cNvPr id="3" name="Content Placeholder 2">
+            <a:extLst>
+              <a:ext uri="{FF2B5EF4-FFF2-40B4-BE49-F238E27FC236}">
+                <a16:creationId xmlns:a16="http://schemas.microsoft.com/office/drawing/2014/main" id="{D1F6DF01-C315-0549-8EEE-28D53EDD802A}"/>
+              </a:ext>
+            </a:extLst>
+          </p:cNvPr>
+          <p:cNvSpPr>
+            <a:spLocks noGrp="1"/>
+          </p:cNvSpPr>
+          <p:nvPr>
+            <p:ph idx="1"/>
+          </p:nvPr>
+        </p:nvSpPr>
+        <p:spPr>
+          <a:xfrm>
+            <a:off x="551203" y="1032694"/>
+            <a:ext cx="11640797" cy="975358"/>
+          </a:xfrm>
+        </p:spPr>
+        <p:txBody>
+          <a:bodyPr>
+            <a:normAutofit/>
+          </a:bodyPr>
+          <a:lstStyle/>
+          <a:p>
+            <a:pPr marL="514350" indent="-514350">
+              <a:buFont typeface="+mj-lt"/>
+              <a:buAutoNum type="arabicPeriod"/>
+            </a:pPr>
+            <a:r>
+              <a:rPr lang="en-GB" sz="2000" dirty="0" err="1"/>
+              <a:t>Beslut</a:t>
+            </a:r>
+            <a:r>
+              <a:rPr lang="en-GB" sz="2000" dirty="0"/>
+              <a:t> et interface</a:t>
+            </a:r>
+          </a:p>
+          <a:p>
+            <a:pPr marL="514350" indent="-514350">
+              <a:buFont typeface="+mj-lt"/>
+              <a:buAutoNum type="arabicPeriod"/>
+            </a:pPr>
+            <a:r>
+              <a:rPr lang="en-GB" sz="2000" dirty="0"/>
+              <a:t>Find </a:t>
+            </a:r>
+            <a:r>
+              <a:rPr lang="en-GB" sz="2000" dirty="0" err="1"/>
+              <a:t>grænsetilfælde</a:t>
+            </a:r>
+            <a:endParaRPr lang="en-GB" sz="2000" dirty="0"/>
+          </a:p>
+        </p:txBody>
+      </p:sp>
+      <p:sp>
+        <p:nvSpPr>
+          <p:cNvPr id="4" name="Rectangle 3">
+            <a:extLst>
+              <a:ext uri="{FF2B5EF4-FFF2-40B4-BE49-F238E27FC236}">
+                <a16:creationId xmlns:a16="http://schemas.microsoft.com/office/drawing/2014/main" id="{36284481-9526-FA45-BAC0-8857EA5072F9}"/>
+              </a:ext>
+            </a:extLst>
+          </p:cNvPr>
+          <p:cNvSpPr/>
+          <p:nvPr/>
+        </p:nvSpPr>
+        <p:spPr>
+          <a:xfrm>
+            <a:off x="220055" y="2812147"/>
+            <a:ext cx="4079872" cy="338554"/>
+          </a:xfrm>
+          <a:prstGeom prst="rect">
+            <a:avLst/>
+          </a:prstGeom>
+        </p:spPr>
+        <p:txBody>
+          <a:bodyPr wrap="square">
+            <a:spAutoFit/>
+          </a:bodyPr>
+          <a:lstStyle/>
+          <a:p>
+            <a:r>
+              <a:rPr lang="en-GB" sz="1600" dirty="0">
+                <a:latin typeface="DejaVu Sans Book" panose="020B0603030804020204" pitchFamily="34" charset="0"/>
+                <a:ea typeface="DejaVu Sans Book" panose="020B0603030804020204" pitchFamily="34" charset="0"/>
+                <a:cs typeface="DejaVu Sans Book" panose="020B0603030804020204" pitchFamily="34" charset="0"/>
+              </a:rPr>
+              <a:t>let dec2bin n = ?</a:t>
+            </a:r>
+          </a:p>
+        </p:txBody>
+      </p:sp>
+      <p:graphicFrame>
+        <p:nvGraphicFramePr>
+          <p:cNvPr id="8" name="Table 7">
+            <a:extLst>
+              <a:ext uri="{FF2B5EF4-FFF2-40B4-BE49-F238E27FC236}">
+                <a16:creationId xmlns:a16="http://schemas.microsoft.com/office/drawing/2014/main" id="{F335C72C-6F98-CD49-9F7D-8F5A474A1447}"/>
+              </a:ext>
+            </a:extLst>
+          </p:cNvPr>
+          <p:cNvGraphicFramePr>
+            <a:graphicFrameLocks noGrp="1"/>
+          </p:cNvGraphicFramePr>
+          <p:nvPr>
+            <p:extLst>
+              <p:ext uri="{D42A27DB-BD31-4B8C-83A1-F6EECF244321}">
+                <p14:modId xmlns:p14="http://schemas.microsoft.com/office/powerpoint/2010/main" val="863971748"/>
+              </p:ext>
+            </p:extLst>
+          </p:nvPr>
+        </p:nvGraphicFramePr>
+        <p:xfrm>
+          <a:off x="3490175" y="2812147"/>
+          <a:ext cx="8281116" cy="2987040"/>
+        </p:xfrm>
+        <a:graphic>
+          <a:graphicData uri="http://schemas.openxmlformats.org/drawingml/2006/table">
+            <a:tbl>
+              <a:tblPr firstRow="1" bandRow="1">
+                <a:tableStyleId>{5C22544A-7EE6-4342-B048-85BDC9FD1C3A}</a:tableStyleId>
+              </a:tblPr>
+              <a:tblGrid>
+                <a:gridCol w="2070279">
+                  <a:extLst>
+                    <a:ext uri="{9D8B030D-6E8A-4147-A177-3AD203B41FA5}">
+                      <a16:colId xmlns:a16="http://schemas.microsoft.com/office/drawing/2014/main" val="1532162595"/>
+                    </a:ext>
+                  </a:extLst>
+                </a:gridCol>
+                <a:gridCol w="2070279">
+                  <a:extLst>
+                    <a:ext uri="{9D8B030D-6E8A-4147-A177-3AD203B41FA5}">
+                      <a16:colId xmlns:a16="http://schemas.microsoft.com/office/drawing/2014/main" val="1403007596"/>
+                    </a:ext>
+                  </a:extLst>
+                </a:gridCol>
+                <a:gridCol w="2070279">
+                  <a:extLst>
+                    <a:ext uri="{9D8B030D-6E8A-4147-A177-3AD203B41FA5}">
+                      <a16:colId xmlns:a16="http://schemas.microsoft.com/office/drawing/2014/main" val="2720054862"/>
+                    </a:ext>
+                  </a:extLst>
+                </a:gridCol>
+                <a:gridCol w="2070279">
+                  <a:extLst>
+                    <a:ext uri="{9D8B030D-6E8A-4147-A177-3AD203B41FA5}">
+                      <a16:colId xmlns:a16="http://schemas.microsoft.com/office/drawing/2014/main" val="179345016"/>
+                    </a:ext>
+                  </a:extLst>
+                </a:gridCol>
+              </a:tblGrid>
+              <a:tr h="288878">
+                <a:tc>
+                  <a:txBody>
+                    <a:bodyPr/>
+                    <a:lstStyle/>
+                    <a:p>
+                      <a:r>
+                        <a:rPr lang="en-GB" sz="1400" dirty="0">
+                          <a:latin typeface="DejaVu Sans Book" panose="020B0603030804020204" pitchFamily="34" charset="0"/>
+                          <a:ea typeface="DejaVu Sans Book" panose="020B0603030804020204" pitchFamily="34" charset="0"/>
+                          <a:cs typeface="DejaVu Sans Book" panose="020B0603030804020204" pitchFamily="34" charset="0"/>
+                        </a:rPr>
+                        <a:t>Unit</a:t>
+                      </a:r>
+                    </a:p>
+                  </a:txBody>
+                  <a:tcPr/>
+                </a:tc>
+                <a:tc>
+                  <a:txBody>
+                    <a:bodyPr/>
+                    <a:lstStyle/>
+                    <a:p>
+                      <a:r>
+                        <a:rPr lang="en-GB" sz="1400" dirty="0">
+                          <a:latin typeface="DejaVu Sans Book" panose="020B0603030804020204" pitchFamily="34" charset="0"/>
+                          <a:ea typeface="DejaVu Sans Book" panose="020B0603030804020204" pitchFamily="34" charset="0"/>
+                          <a:cs typeface="DejaVu Sans Book" panose="020B0603030804020204" pitchFamily="34" charset="0"/>
+                        </a:rPr>
+                        <a:t>Case</a:t>
+                      </a:r>
+                    </a:p>
+                  </a:txBody>
+                  <a:tcPr/>
+                </a:tc>
+                <a:tc>
+                  <a:txBody>
+                    <a:bodyPr/>
+                    <a:lstStyle/>
+                    <a:p>
+                      <a:r>
+                        <a:rPr lang="en-GB" sz="1400" dirty="0">
+                          <a:latin typeface="DejaVu Sans Book" panose="020B0603030804020204" pitchFamily="34" charset="0"/>
+                          <a:ea typeface="DejaVu Sans Book" panose="020B0603030804020204" pitchFamily="34" charset="0"/>
+                          <a:cs typeface="DejaVu Sans Book" panose="020B0603030804020204" pitchFamily="34" charset="0"/>
+                        </a:rPr>
+                        <a:t>Expected output</a:t>
+                      </a:r>
+                    </a:p>
+                  </a:txBody>
+                  <a:tcPr/>
+                </a:tc>
+                <a:tc>
+                  <a:txBody>
+                    <a:bodyPr/>
+                    <a:lstStyle/>
+                    <a:p>
+                      <a:r>
+                        <a:rPr lang="en-GB" sz="1400" dirty="0">
+                          <a:latin typeface="DejaVu Sans Book" panose="020B0603030804020204" pitchFamily="34" charset="0"/>
+                          <a:ea typeface="DejaVu Sans Book" panose="020B0603030804020204" pitchFamily="34" charset="0"/>
+                          <a:cs typeface="DejaVu Sans Book" panose="020B0603030804020204" pitchFamily="34" charset="0"/>
+                        </a:rPr>
+                        <a:t>Comment</a:t>
+                      </a:r>
+                    </a:p>
+                  </a:txBody>
+                  <a:tcPr/>
+                </a:tc>
+                <a:extLst>
+                  <a:ext uri="{0D108BD9-81ED-4DB2-BD59-A6C34878D82A}">
+                    <a16:rowId xmlns:a16="http://schemas.microsoft.com/office/drawing/2014/main" val="2286388441"/>
+                  </a:ext>
+                </a:extLst>
+              </a:tr>
+              <a:tr h="288878">
+                <a:tc>
+                  <a:txBody>
+                    <a:bodyPr/>
+                    <a:lstStyle/>
+                    <a:p>
+                      <a:r>
+                        <a:rPr lang="en-GB" sz="1400" dirty="0">
+                          <a:latin typeface="DejaVu Sans Book" panose="020B0603030804020204" pitchFamily="34" charset="0"/>
+                          <a:ea typeface="DejaVu Sans Book" panose="020B0603030804020204" pitchFamily="34" charset="0"/>
+                          <a:cs typeface="DejaVu Sans Book" panose="020B0603030804020204" pitchFamily="34" charset="0"/>
+                        </a:rPr>
+                        <a:t>dec2bin n</a:t>
+                      </a:r>
+                    </a:p>
+                  </a:txBody>
+                  <a:tcPr/>
+                </a:tc>
+                <a:tc>
+                  <a:txBody>
+                    <a:bodyPr/>
+                    <a:lstStyle/>
+                    <a:p>
+                      <a:pPr marL="0" marR="0" lvl="0" indent="0" algn="l" defTabSz="914400" rtl="0" eaLnBrk="1" fontAlgn="auto" latinLnBrk="0" hangingPunct="1">
+                        <a:lnSpc>
+                          <a:spcPct val="100000"/>
+                        </a:lnSpc>
+                        <a:spcBef>
+                          <a:spcPts val="0"/>
+                        </a:spcBef>
+                        <a:spcAft>
+                          <a:spcPts val="0"/>
+                        </a:spcAft>
+                        <a:buClrTx/>
+                        <a:buSzTx/>
+                        <a:buFontTx/>
+                        <a:buNone/>
+                        <a:tabLst/>
+                        <a:defRPr/>
+                      </a:pPr>
+                      <a:r>
+                        <a:rPr lang="en-GB" sz="1400" dirty="0">
+                          <a:latin typeface="DejaVu Sans Book" panose="020B0603030804020204" pitchFamily="34" charset="0"/>
+                          <a:ea typeface="DejaVu Sans Book" panose="020B0603030804020204" pitchFamily="34" charset="0"/>
+                          <a:cs typeface="DejaVu Sans Book" panose="020B0603030804020204" pitchFamily="34" charset="0"/>
+                        </a:rPr>
+                        <a:t>n &lt; 0</a:t>
+                      </a:r>
+                    </a:p>
+                  </a:txBody>
+                  <a:tcPr/>
+                </a:tc>
+                <a:tc>
+                  <a:txBody>
+                    <a:bodyPr/>
+                    <a:lstStyle/>
+                    <a:p>
+                      <a:pPr marL="0" marR="0" lvl="0" indent="0" algn="l" defTabSz="914400" rtl="0" eaLnBrk="1" fontAlgn="auto" latinLnBrk="0" hangingPunct="1">
+                        <a:lnSpc>
+                          <a:spcPct val="100000"/>
+                        </a:lnSpc>
+                        <a:spcBef>
+                          <a:spcPts val="0"/>
+                        </a:spcBef>
+                        <a:spcAft>
+                          <a:spcPts val="0"/>
+                        </a:spcAft>
+                        <a:buClrTx/>
+                        <a:buSzTx/>
+                        <a:buFontTx/>
+                        <a:buNone/>
+                        <a:tabLst/>
+                        <a:defRPr/>
+                      </a:pPr>
+                      <a:r>
+                        <a:rPr lang="en-GB" sz="1400" dirty="0">
+                          <a:latin typeface="DejaVu Sans Book" panose="020B0603030804020204" pitchFamily="34" charset="0"/>
+                          <a:ea typeface="DejaVu Sans Book" panose="020B0603030804020204" pitchFamily="34" charset="0"/>
+                          <a:cs typeface="DejaVu Sans Book" panose="020B0603030804020204" pitchFamily="34" charset="0"/>
+                        </a:rPr>
+                        <a:t>"Illegal value"</a:t>
+                      </a:r>
+                    </a:p>
+                  </a:txBody>
+                  <a:tcPr/>
+                </a:tc>
+                <a:tc>
+                  <a:txBody>
+                    <a:bodyPr/>
+                    <a:lstStyle/>
+                    <a:p>
+                      <a:r>
+                        <a:rPr lang="en-GB" sz="1400" dirty="0">
+                          <a:latin typeface="DejaVu Sans Book" panose="020B0603030804020204" pitchFamily="34" charset="0"/>
+                          <a:ea typeface="DejaVu Sans Book" panose="020B0603030804020204" pitchFamily="34" charset="0"/>
+                          <a:cs typeface="DejaVu Sans Book" panose="020B0603030804020204" pitchFamily="34" charset="0"/>
+                        </a:rPr>
+                        <a:t>negative </a:t>
+                      </a:r>
+                      <a:r>
+                        <a:rPr lang="en-GB" sz="1400" dirty="0" err="1">
+                          <a:latin typeface="DejaVu Sans Book" panose="020B0603030804020204" pitchFamily="34" charset="0"/>
+                          <a:ea typeface="DejaVu Sans Book" panose="020B0603030804020204" pitchFamily="34" charset="0"/>
+                          <a:cs typeface="DejaVu Sans Book" panose="020B0603030804020204" pitchFamily="34" charset="0"/>
+                        </a:rPr>
+                        <a:t>tal</a:t>
+                      </a:r>
+                      <a:endParaRPr lang="en-GB" sz="1400" dirty="0">
+                        <a:latin typeface="DejaVu Sans Book" panose="020B0603030804020204" pitchFamily="34" charset="0"/>
+                        <a:ea typeface="DejaVu Sans Book" panose="020B0603030804020204" pitchFamily="34" charset="0"/>
+                        <a:cs typeface="DejaVu Sans Book" panose="020B0603030804020204" pitchFamily="34" charset="0"/>
+                      </a:endParaRPr>
+                    </a:p>
+                  </a:txBody>
+                  <a:tcPr/>
+                </a:tc>
+                <a:extLst>
+                  <a:ext uri="{0D108BD9-81ED-4DB2-BD59-A6C34878D82A}">
+                    <a16:rowId xmlns:a16="http://schemas.microsoft.com/office/drawing/2014/main" val="1367185139"/>
+                  </a:ext>
+                </a:extLst>
+              </a:tr>
+              <a:tr h="269659">
+                <a:tc>
+                  <a:txBody>
+                    <a:bodyPr/>
+                    <a:lstStyle/>
+                    <a:p>
+                      <a:endParaRPr lang="en-GB" sz="1400" dirty="0">
+                        <a:latin typeface="DejaVu Sans Book" panose="020B0603030804020204" pitchFamily="34" charset="0"/>
+                        <a:ea typeface="DejaVu Sans Book" panose="020B0603030804020204" pitchFamily="34" charset="0"/>
+                        <a:cs typeface="DejaVu Sans Book" panose="020B0603030804020204" pitchFamily="34" charset="0"/>
+                      </a:endParaRPr>
+                    </a:p>
+                  </a:txBody>
+                  <a:tcPr/>
+                </a:tc>
+                <a:tc>
+                  <a:txBody>
+                    <a:bodyPr/>
+                    <a:lstStyle/>
+                    <a:p>
+                      <a:r>
+                        <a:rPr lang="en-GB" sz="1400" dirty="0">
+                          <a:latin typeface="DejaVu Sans Book" panose="020B0603030804020204" pitchFamily="34" charset="0"/>
+                          <a:ea typeface="DejaVu Sans Book" panose="020B0603030804020204" pitchFamily="34" charset="0"/>
+                          <a:cs typeface="DejaVu Sans Book" panose="020B0603030804020204" pitchFamily="34" charset="0"/>
+                        </a:rPr>
+                        <a:t>n = 0</a:t>
+                      </a:r>
+                    </a:p>
+                  </a:txBody>
+                  <a:tcPr/>
+                </a:tc>
+                <a:tc>
+                  <a:txBody>
+                    <a:bodyPr/>
+                    <a:lstStyle/>
+                    <a:p>
+                      <a:pPr marL="0" marR="0" lvl="0" indent="0" algn="l" defTabSz="914400" rtl="0" eaLnBrk="1" fontAlgn="auto" latinLnBrk="0" hangingPunct="1">
+                        <a:lnSpc>
+                          <a:spcPct val="100000"/>
+                        </a:lnSpc>
+                        <a:spcBef>
+                          <a:spcPts val="0"/>
+                        </a:spcBef>
+                        <a:spcAft>
+                          <a:spcPts val="0"/>
+                        </a:spcAft>
+                        <a:buClrTx/>
+                        <a:buSzTx/>
+                        <a:buFontTx/>
+                        <a:buNone/>
+                        <a:tabLst/>
+                        <a:defRPr/>
+                      </a:pPr>
+                      <a:r>
+                        <a:rPr lang="en-GB" sz="1400" dirty="0">
+                          <a:latin typeface="DejaVu Sans Book" panose="020B0603030804020204" pitchFamily="34" charset="0"/>
+                          <a:ea typeface="DejaVu Sans Book" panose="020B0603030804020204" pitchFamily="34" charset="0"/>
+                          <a:cs typeface="DejaVu Sans Book" panose="020B0603030804020204" pitchFamily="34" charset="0"/>
+                        </a:rPr>
+                        <a:t>"0b0"</a:t>
+                      </a:r>
+                    </a:p>
+                  </a:txBody>
+                  <a:tcPr/>
+                </a:tc>
+                <a:tc>
+                  <a:txBody>
+                    <a:bodyPr/>
+                    <a:lstStyle/>
+                    <a:p>
+                      <a:r>
+                        <a:rPr lang="en-GB" sz="1400" dirty="0" err="1">
+                          <a:latin typeface="DejaVu Sans Book" panose="020B0603030804020204" pitchFamily="34" charset="0"/>
+                          <a:ea typeface="DejaVu Sans Book" panose="020B0603030804020204" pitchFamily="34" charset="0"/>
+                          <a:cs typeface="DejaVu Sans Book" panose="020B0603030804020204" pitchFamily="34" charset="0"/>
+                        </a:rPr>
+                        <a:t>grænsetilfælde</a:t>
+                      </a:r>
+                      <a:endParaRPr lang="en-GB" sz="1400" dirty="0">
+                        <a:latin typeface="DejaVu Sans Book" panose="020B0603030804020204" pitchFamily="34" charset="0"/>
+                        <a:ea typeface="DejaVu Sans Book" panose="020B0603030804020204" pitchFamily="34" charset="0"/>
+                        <a:cs typeface="DejaVu Sans Book" panose="020B0603030804020204" pitchFamily="34" charset="0"/>
+                      </a:endParaRPr>
+                    </a:p>
+                  </a:txBody>
+                  <a:tcPr/>
+                </a:tc>
+                <a:extLst>
+                  <a:ext uri="{0D108BD9-81ED-4DB2-BD59-A6C34878D82A}">
+                    <a16:rowId xmlns:a16="http://schemas.microsoft.com/office/drawing/2014/main" val="833342341"/>
+                  </a:ext>
+                </a:extLst>
+              </a:tr>
+              <a:tr h="269659">
+                <a:tc>
+                  <a:txBody>
+                    <a:bodyPr/>
+                    <a:lstStyle/>
+                    <a:p>
+                      <a:endParaRPr lang="en-GB" sz="1400" dirty="0">
+                        <a:latin typeface="DejaVu Sans Book" panose="020B0603030804020204" pitchFamily="34" charset="0"/>
+                        <a:ea typeface="DejaVu Sans Book" panose="020B0603030804020204" pitchFamily="34" charset="0"/>
+                        <a:cs typeface="DejaVu Sans Book" panose="020B0603030804020204" pitchFamily="34" charset="0"/>
+                      </a:endParaRPr>
+                    </a:p>
+                  </a:txBody>
+                  <a:tcPr/>
+                </a:tc>
+                <a:tc>
+                  <a:txBody>
+                    <a:bodyPr/>
+                    <a:lstStyle/>
+                    <a:p>
+                      <a:r>
+                        <a:rPr lang="en-GB" sz="1400" dirty="0">
+                          <a:latin typeface="DejaVu Sans Book" panose="020B0603030804020204" pitchFamily="34" charset="0"/>
+                          <a:ea typeface="DejaVu Sans Book" panose="020B0603030804020204" pitchFamily="34" charset="0"/>
+                          <a:cs typeface="DejaVu Sans Book" panose="020B0603030804020204" pitchFamily="34" charset="0"/>
+                        </a:rPr>
+                        <a:t>n = 1</a:t>
+                      </a:r>
+                    </a:p>
+                  </a:txBody>
+                  <a:tcPr/>
+                </a:tc>
+                <a:tc>
+                  <a:txBody>
+                    <a:bodyPr/>
+                    <a:lstStyle/>
+                    <a:p>
+                      <a:pPr marL="0" marR="0" lvl="0" indent="0" algn="l" defTabSz="914400" rtl="0" eaLnBrk="1" fontAlgn="auto" latinLnBrk="0" hangingPunct="1">
+                        <a:lnSpc>
+                          <a:spcPct val="100000"/>
+                        </a:lnSpc>
+                        <a:spcBef>
+                          <a:spcPts val="0"/>
+                        </a:spcBef>
+                        <a:spcAft>
+                          <a:spcPts val="0"/>
+                        </a:spcAft>
+                        <a:buClrTx/>
+                        <a:buSzTx/>
+                        <a:buFontTx/>
+                        <a:buNone/>
+                        <a:tabLst/>
+                        <a:defRPr/>
+                      </a:pPr>
+                      <a:r>
+                        <a:rPr lang="en-GB" sz="1400" dirty="0">
+                          <a:latin typeface="DejaVu Sans Book" panose="020B0603030804020204" pitchFamily="34" charset="0"/>
+                          <a:ea typeface="DejaVu Sans Book" panose="020B0603030804020204" pitchFamily="34" charset="0"/>
+                          <a:cs typeface="DejaVu Sans Book" panose="020B0603030804020204" pitchFamily="34" charset="0"/>
+                        </a:rPr>
+                        <a:t>"0b1"</a:t>
+                      </a:r>
+                    </a:p>
+                  </a:txBody>
+                  <a:tcPr/>
+                </a:tc>
+                <a:tc>
+                  <a:txBody>
+                    <a:bodyPr/>
+                    <a:lstStyle/>
+                    <a:p>
+                      <a:pPr marL="0" marR="0" lvl="0" indent="0" algn="l" defTabSz="914400" rtl="0" eaLnBrk="1" fontAlgn="auto" latinLnBrk="0" hangingPunct="1">
+                        <a:lnSpc>
+                          <a:spcPct val="100000"/>
+                        </a:lnSpc>
+                        <a:spcBef>
+                          <a:spcPts val="0"/>
+                        </a:spcBef>
+                        <a:spcAft>
+                          <a:spcPts val="0"/>
+                        </a:spcAft>
+                        <a:buClrTx/>
+                        <a:buSzTx/>
+                        <a:buFontTx/>
+                        <a:buNone/>
+                        <a:tabLst/>
+                        <a:defRPr/>
+                      </a:pPr>
+                      <a:r>
+                        <a:rPr lang="en-GB" sz="1400" dirty="0">
+                          <a:latin typeface="DejaVu Sans Book" panose="020B0603030804020204" pitchFamily="34" charset="0"/>
+                          <a:ea typeface="DejaVu Sans Book" panose="020B0603030804020204" pitchFamily="34" charset="0"/>
+                          <a:cs typeface="DejaVu Sans Book" panose="020B0603030804020204" pitchFamily="34" charset="0"/>
+                        </a:rPr>
+                        <a:t>1 bit</a:t>
+                      </a:r>
+                    </a:p>
+                  </a:txBody>
+                  <a:tcPr/>
+                </a:tc>
+                <a:extLst>
+                  <a:ext uri="{0D108BD9-81ED-4DB2-BD59-A6C34878D82A}">
+                    <a16:rowId xmlns:a16="http://schemas.microsoft.com/office/drawing/2014/main" val="410681418"/>
+                  </a:ext>
+                </a:extLst>
+              </a:tr>
+              <a:tr h="169928">
+                <a:tc>
+                  <a:txBody>
+                    <a:bodyPr/>
+                    <a:lstStyle/>
+                    <a:p>
+                      <a:endParaRPr lang="en-GB" sz="1400" dirty="0">
+                        <a:latin typeface="DejaVu Sans Book" panose="020B0603030804020204" pitchFamily="34" charset="0"/>
+                        <a:ea typeface="DejaVu Sans Book" panose="020B0603030804020204" pitchFamily="34" charset="0"/>
+                        <a:cs typeface="DejaVu Sans Book" panose="020B0603030804020204" pitchFamily="34" charset="0"/>
+                      </a:endParaRPr>
+                    </a:p>
+                  </a:txBody>
+                  <a:tcPr/>
+                </a:tc>
+                <a:tc>
+                  <a:txBody>
+                    <a:bodyPr/>
+                    <a:lstStyle/>
+                    <a:p>
+                      <a:r>
+                        <a:rPr lang="en-GB" sz="1400" dirty="0">
+                          <a:latin typeface="DejaVu Sans Book" panose="020B0603030804020204" pitchFamily="34" charset="0"/>
+                          <a:ea typeface="DejaVu Sans Book" panose="020B0603030804020204" pitchFamily="34" charset="0"/>
+                          <a:cs typeface="DejaVu Sans Book" panose="020B0603030804020204" pitchFamily="34" charset="0"/>
+                        </a:rPr>
+                        <a:t>n = 2</a:t>
+                      </a:r>
+                    </a:p>
+                  </a:txBody>
+                  <a:tcPr/>
+                </a:tc>
+                <a:tc>
+                  <a:txBody>
+                    <a:bodyPr/>
+                    <a:lstStyle/>
+                    <a:p>
+                      <a:pPr marL="0" marR="0" lvl="0" indent="0" algn="l" defTabSz="914400" rtl="0" eaLnBrk="1" fontAlgn="auto" latinLnBrk="0" hangingPunct="1">
+                        <a:lnSpc>
+                          <a:spcPct val="100000"/>
+                        </a:lnSpc>
+                        <a:spcBef>
+                          <a:spcPts val="0"/>
+                        </a:spcBef>
+                        <a:spcAft>
+                          <a:spcPts val="0"/>
+                        </a:spcAft>
+                        <a:buClrTx/>
+                        <a:buSzTx/>
+                        <a:buFontTx/>
+                        <a:buNone/>
+                        <a:tabLst/>
+                        <a:defRPr/>
+                      </a:pPr>
+                      <a:r>
+                        <a:rPr lang="en-GB" sz="1400" dirty="0">
+                          <a:latin typeface="DejaVu Sans Book" panose="020B0603030804020204" pitchFamily="34" charset="0"/>
+                          <a:ea typeface="DejaVu Sans Book" panose="020B0603030804020204" pitchFamily="34" charset="0"/>
+                          <a:cs typeface="DejaVu Sans Book" panose="020B0603030804020204" pitchFamily="34" charset="0"/>
+                        </a:rPr>
+                        <a:t>"0b10"</a:t>
+                      </a:r>
+                    </a:p>
+                  </a:txBody>
+                  <a:tcPr/>
+                </a:tc>
+                <a:tc>
+                  <a:txBody>
+                    <a:bodyPr/>
+                    <a:lstStyle/>
+                    <a:p>
+                      <a:r>
+                        <a:rPr lang="en-GB" sz="1400" dirty="0">
+                          <a:latin typeface="DejaVu Sans Book" panose="020B0603030804020204" pitchFamily="34" charset="0"/>
+                          <a:ea typeface="DejaVu Sans Book" panose="020B0603030804020204" pitchFamily="34" charset="0"/>
+                          <a:cs typeface="DejaVu Sans Book" panose="020B0603030804020204" pitchFamily="34" charset="0"/>
+                        </a:rPr>
+                        <a:t>2 bit</a:t>
+                      </a:r>
+                    </a:p>
+                  </a:txBody>
+                  <a:tcPr/>
+                </a:tc>
+                <a:extLst>
+                  <a:ext uri="{0D108BD9-81ED-4DB2-BD59-A6C34878D82A}">
+                    <a16:rowId xmlns:a16="http://schemas.microsoft.com/office/drawing/2014/main" val="2724263722"/>
+                  </a:ext>
+                </a:extLst>
+              </a:tr>
+              <a:tr h="169928">
+                <a:tc>
+                  <a:txBody>
+                    <a:bodyPr/>
+                    <a:lstStyle/>
+                    <a:p>
+                      <a:endParaRPr lang="en-GB" sz="1400">
+                        <a:latin typeface="DejaVu Sans Book" panose="020B0603030804020204" pitchFamily="34" charset="0"/>
+                        <a:ea typeface="DejaVu Sans Book" panose="020B0603030804020204" pitchFamily="34" charset="0"/>
+                        <a:cs typeface="DejaVu Sans Book" panose="020B0603030804020204" pitchFamily="34" charset="0"/>
+                      </a:endParaRPr>
+                    </a:p>
+                  </a:txBody>
+                  <a:tcPr/>
+                </a:tc>
+                <a:tc>
+                  <a:txBody>
+                    <a:bodyPr/>
+                    <a:lstStyle/>
+                    <a:p>
+                      <a:pPr marL="0" marR="0" lvl="0" indent="0" algn="l" defTabSz="914400" rtl="0" eaLnBrk="1" fontAlgn="auto" latinLnBrk="0" hangingPunct="1">
+                        <a:lnSpc>
+                          <a:spcPct val="100000"/>
+                        </a:lnSpc>
+                        <a:spcBef>
+                          <a:spcPts val="0"/>
+                        </a:spcBef>
+                        <a:spcAft>
+                          <a:spcPts val="0"/>
+                        </a:spcAft>
+                        <a:buClrTx/>
+                        <a:buSzTx/>
+                        <a:buFontTx/>
+                        <a:buNone/>
+                        <a:tabLst/>
+                        <a:defRPr/>
+                      </a:pPr>
+                      <a:r>
+                        <a:rPr lang="en-GB" sz="1400" dirty="0">
+                          <a:latin typeface="DejaVu Sans Book" panose="020B0603030804020204" pitchFamily="34" charset="0"/>
+                          <a:ea typeface="DejaVu Sans Book" panose="020B0603030804020204" pitchFamily="34" charset="0"/>
+                          <a:cs typeface="DejaVu Sans Book" panose="020B0603030804020204" pitchFamily="34" charset="0"/>
+                        </a:rPr>
+                        <a:t>n = 10</a:t>
+                      </a:r>
+                    </a:p>
+                  </a:txBody>
+                  <a:tcPr/>
+                </a:tc>
+                <a:tc>
+                  <a:txBody>
+                    <a:bodyPr/>
+                    <a:lstStyle/>
+                    <a:p>
+                      <a:r>
+                        <a:rPr lang="en-GB" sz="1400" dirty="0">
+                          <a:latin typeface="DejaVu Sans Book" panose="020B0603030804020204" pitchFamily="34" charset="0"/>
+                          <a:ea typeface="DejaVu Sans Book" panose="020B0603030804020204" pitchFamily="34" charset="0"/>
+                          <a:cs typeface="DejaVu Sans Book" panose="020B0603030804020204" pitchFamily="34" charset="0"/>
+                        </a:rPr>
+                        <a:t>"0b1010"</a:t>
+                      </a:r>
+                    </a:p>
+                  </a:txBody>
+                  <a:tcPr/>
+                </a:tc>
+                <a:tc>
+                  <a:txBody>
+                    <a:bodyPr/>
+                    <a:lstStyle/>
+                    <a:p>
+                      <a:r>
+                        <a:rPr lang="en-GB" sz="1400" dirty="0" err="1">
+                          <a:latin typeface="DejaVu Sans Book" panose="020B0603030804020204" pitchFamily="34" charset="0"/>
+                          <a:ea typeface="DejaVu Sans Book" panose="020B0603030804020204" pitchFamily="34" charset="0"/>
+                          <a:cs typeface="DejaVu Sans Book" panose="020B0603030804020204" pitchFamily="34" charset="0"/>
+                        </a:rPr>
+                        <a:t>stort</a:t>
+                      </a:r>
+                      <a:r>
+                        <a:rPr lang="en-GB" sz="1400" dirty="0">
+                          <a:latin typeface="DejaVu Sans Book" panose="020B0603030804020204" pitchFamily="34" charset="0"/>
+                          <a:ea typeface="DejaVu Sans Book" panose="020B0603030804020204" pitchFamily="34" charset="0"/>
+                          <a:cs typeface="DejaVu Sans Book" panose="020B0603030804020204" pitchFamily="34" charset="0"/>
+                        </a:rPr>
+                        <a:t> </a:t>
+                      </a:r>
+                      <a:r>
+                        <a:rPr lang="en-GB" sz="1400" dirty="0" err="1">
+                          <a:latin typeface="DejaVu Sans Book" panose="020B0603030804020204" pitchFamily="34" charset="0"/>
+                          <a:ea typeface="DejaVu Sans Book" panose="020B0603030804020204" pitchFamily="34" charset="0"/>
+                          <a:cs typeface="DejaVu Sans Book" panose="020B0603030804020204" pitchFamily="34" charset="0"/>
+                        </a:rPr>
+                        <a:t>lige</a:t>
+                      </a:r>
+                      <a:r>
+                        <a:rPr lang="en-GB" sz="1400" dirty="0">
+                          <a:latin typeface="DejaVu Sans Book" panose="020B0603030804020204" pitchFamily="34" charset="0"/>
+                          <a:ea typeface="DejaVu Sans Book" panose="020B0603030804020204" pitchFamily="34" charset="0"/>
+                          <a:cs typeface="DejaVu Sans Book" panose="020B0603030804020204" pitchFamily="34" charset="0"/>
+                        </a:rPr>
+                        <a:t> </a:t>
+                      </a:r>
+                      <a:r>
+                        <a:rPr lang="en-GB" sz="1400" dirty="0" err="1">
+                          <a:latin typeface="DejaVu Sans Book" panose="020B0603030804020204" pitchFamily="34" charset="0"/>
+                          <a:ea typeface="DejaVu Sans Book" panose="020B0603030804020204" pitchFamily="34" charset="0"/>
+                          <a:cs typeface="DejaVu Sans Book" panose="020B0603030804020204" pitchFamily="34" charset="0"/>
+                        </a:rPr>
+                        <a:t>tal</a:t>
+                      </a:r>
+                      <a:r>
+                        <a:rPr lang="en-GB" sz="1400" dirty="0">
+                          <a:latin typeface="DejaVu Sans Book" panose="020B0603030804020204" pitchFamily="34" charset="0"/>
+                          <a:ea typeface="DejaVu Sans Book" panose="020B0603030804020204" pitchFamily="34" charset="0"/>
+                          <a:cs typeface="DejaVu Sans Book" panose="020B0603030804020204" pitchFamily="34" charset="0"/>
+                        </a:rPr>
+                        <a:t> (</a:t>
+                      </a:r>
+                      <a:r>
+                        <a:rPr lang="en-GB" sz="1400" dirty="0" err="1">
+                          <a:latin typeface="DejaVu Sans Book" panose="020B0603030804020204" pitchFamily="34" charset="0"/>
+                          <a:ea typeface="DejaVu Sans Book" panose="020B0603030804020204" pitchFamily="34" charset="0"/>
+                          <a:cs typeface="DejaVu Sans Book" panose="020B0603030804020204" pitchFamily="34" charset="0"/>
+                        </a:rPr>
+                        <a:t>venstre</a:t>
+                      </a:r>
+                      <a:r>
+                        <a:rPr lang="en-GB" sz="1400" dirty="0">
+                          <a:latin typeface="DejaVu Sans Book" panose="020B0603030804020204" pitchFamily="34" charset="0"/>
+                          <a:ea typeface="DejaVu Sans Book" panose="020B0603030804020204" pitchFamily="34" charset="0"/>
+                          <a:cs typeface="DejaVu Sans Book" panose="020B0603030804020204" pitchFamily="34" charset="0"/>
+                        </a:rPr>
+                        <a:t> bit sat min </a:t>
+                      </a:r>
+                      <a:r>
+                        <a:rPr lang="en-GB" sz="1400" dirty="0" err="1">
+                          <a:latin typeface="DejaVu Sans Book" panose="020B0603030804020204" pitchFamily="34" charset="0"/>
+                          <a:ea typeface="DejaVu Sans Book" panose="020B0603030804020204" pitchFamily="34" charset="0"/>
+                          <a:cs typeface="DejaVu Sans Book" panose="020B0603030804020204" pitchFamily="34" charset="0"/>
+                        </a:rPr>
+                        <a:t>ikke</a:t>
+                      </a:r>
+                      <a:r>
+                        <a:rPr lang="en-GB" sz="1400" dirty="0">
+                          <a:latin typeface="DejaVu Sans Book" panose="020B0603030804020204" pitchFamily="34" charset="0"/>
+                          <a:ea typeface="DejaVu Sans Book" panose="020B0603030804020204" pitchFamily="34" charset="0"/>
+                          <a:cs typeface="DejaVu Sans Book" panose="020B0603030804020204" pitchFamily="34" charset="0"/>
+                        </a:rPr>
+                        <a:t> </a:t>
+                      </a:r>
+                      <a:r>
+                        <a:rPr lang="en-GB" sz="1400" dirty="0" err="1">
+                          <a:latin typeface="DejaVu Sans Book" panose="020B0603030804020204" pitchFamily="34" charset="0"/>
+                          <a:ea typeface="DejaVu Sans Book" panose="020B0603030804020204" pitchFamily="34" charset="0"/>
+                          <a:cs typeface="DejaVu Sans Book" panose="020B0603030804020204" pitchFamily="34" charset="0"/>
+                        </a:rPr>
+                        <a:t>højre</a:t>
+                      </a:r>
+                      <a:r>
+                        <a:rPr lang="en-GB" sz="1400" dirty="0">
+                          <a:latin typeface="DejaVu Sans Book" panose="020B0603030804020204" pitchFamily="34" charset="0"/>
+                          <a:ea typeface="DejaVu Sans Book" panose="020B0603030804020204" pitchFamily="34" charset="0"/>
+                          <a:cs typeface="DejaVu Sans Book" panose="020B0603030804020204" pitchFamily="34" charset="0"/>
+                        </a:rPr>
+                        <a:t>)</a:t>
+                      </a:r>
+                    </a:p>
+                  </a:txBody>
+                  <a:tcPr/>
+                </a:tc>
+                <a:extLst>
+                  <a:ext uri="{0D108BD9-81ED-4DB2-BD59-A6C34878D82A}">
+                    <a16:rowId xmlns:a16="http://schemas.microsoft.com/office/drawing/2014/main" val="3655394169"/>
+                  </a:ext>
+                </a:extLst>
+              </a:tr>
+              <a:tr h="269659">
+                <a:tc>
+                  <a:txBody>
+                    <a:bodyPr/>
+                    <a:lstStyle/>
+                    <a:p>
+                      <a:endParaRPr lang="en-GB" sz="1400">
+                        <a:latin typeface="DejaVu Sans Book" panose="020B0603030804020204" pitchFamily="34" charset="0"/>
+                        <a:ea typeface="DejaVu Sans Book" panose="020B0603030804020204" pitchFamily="34" charset="0"/>
+                        <a:cs typeface="DejaVu Sans Book" panose="020B0603030804020204" pitchFamily="34" charset="0"/>
+                      </a:endParaRPr>
+                    </a:p>
+                  </a:txBody>
+                  <a:tcPr/>
+                </a:tc>
+                <a:tc>
+                  <a:txBody>
+                    <a:bodyPr/>
+                    <a:lstStyle/>
+                    <a:p>
+                      <a:r>
+                        <a:rPr lang="en-GB" sz="1400" dirty="0">
+                          <a:latin typeface="DejaVu Sans Book" panose="020B0603030804020204" pitchFamily="34" charset="0"/>
+                          <a:ea typeface="DejaVu Sans Book" panose="020B0603030804020204" pitchFamily="34" charset="0"/>
+                          <a:cs typeface="DejaVu Sans Book" panose="020B0603030804020204" pitchFamily="34" charset="0"/>
+                        </a:rPr>
+                        <a:t>n = 11</a:t>
+                      </a:r>
+                    </a:p>
+                  </a:txBody>
+                  <a:tcPr/>
+                </a:tc>
+                <a:tc>
+                  <a:txBody>
+                    <a:bodyPr/>
+                    <a:lstStyle/>
+                    <a:p>
+                      <a:pPr marL="0" marR="0" lvl="0" indent="0" algn="l" defTabSz="914400" rtl="0" eaLnBrk="1" fontAlgn="auto" latinLnBrk="0" hangingPunct="1">
+                        <a:lnSpc>
+                          <a:spcPct val="100000"/>
+                        </a:lnSpc>
+                        <a:spcBef>
+                          <a:spcPts val="0"/>
+                        </a:spcBef>
+                        <a:spcAft>
+                          <a:spcPts val="0"/>
+                        </a:spcAft>
+                        <a:buClrTx/>
+                        <a:buSzTx/>
+                        <a:buFontTx/>
+                        <a:buNone/>
+                        <a:tabLst/>
+                        <a:defRPr/>
+                      </a:pPr>
+                      <a:r>
+                        <a:rPr lang="en-GB" sz="1400" dirty="0">
+                          <a:latin typeface="DejaVu Sans Book" panose="020B0603030804020204" pitchFamily="34" charset="0"/>
+                          <a:ea typeface="DejaVu Sans Book" panose="020B0603030804020204" pitchFamily="34" charset="0"/>
+                          <a:cs typeface="DejaVu Sans Book" panose="020B0603030804020204" pitchFamily="34" charset="0"/>
+                        </a:rPr>
+                        <a:t>"0b1011"</a:t>
+                      </a:r>
+                    </a:p>
+                  </a:txBody>
+                  <a:tcPr/>
+                </a:tc>
+                <a:tc>
+                  <a:txBody>
+                    <a:bodyPr/>
+                    <a:lstStyle/>
+                    <a:p>
+                      <a:pPr marL="0" marR="0" lvl="0" indent="0" algn="l" defTabSz="914400" rtl="0" eaLnBrk="1" fontAlgn="auto" latinLnBrk="0" hangingPunct="1">
+                        <a:lnSpc>
+                          <a:spcPct val="100000"/>
+                        </a:lnSpc>
+                        <a:spcBef>
+                          <a:spcPts val="0"/>
+                        </a:spcBef>
+                        <a:spcAft>
+                          <a:spcPts val="0"/>
+                        </a:spcAft>
+                        <a:buClrTx/>
+                        <a:buSzTx/>
+                        <a:buFontTx/>
+                        <a:buNone/>
+                        <a:tabLst/>
+                        <a:defRPr/>
+                      </a:pPr>
+                      <a:r>
+                        <a:rPr lang="en-GB" sz="1400" dirty="0" err="1">
+                          <a:latin typeface="DejaVu Sans Book" panose="020B0603030804020204" pitchFamily="34" charset="0"/>
+                          <a:ea typeface="DejaVu Sans Book" panose="020B0603030804020204" pitchFamily="34" charset="0"/>
+                          <a:cs typeface="DejaVu Sans Book" panose="020B0603030804020204" pitchFamily="34" charset="0"/>
+                        </a:rPr>
+                        <a:t>stort</a:t>
+                      </a:r>
+                      <a:r>
+                        <a:rPr lang="en-GB" sz="1400" dirty="0">
+                          <a:latin typeface="DejaVu Sans Book" panose="020B0603030804020204" pitchFamily="34" charset="0"/>
+                          <a:ea typeface="DejaVu Sans Book" panose="020B0603030804020204" pitchFamily="34" charset="0"/>
+                          <a:cs typeface="DejaVu Sans Book" panose="020B0603030804020204" pitchFamily="34" charset="0"/>
+                        </a:rPr>
+                        <a:t> </a:t>
+                      </a:r>
+                      <a:r>
+                        <a:rPr lang="en-GB" sz="1400" dirty="0" err="1">
+                          <a:latin typeface="DejaVu Sans Book" panose="020B0603030804020204" pitchFamily="34" charset="0"/>
+                          <a:ea typeface="DejaVu Sans Book" panose="020B0603030804020204" pitchFamily="34" charset="0"/>
+                          <a:cs typeface="DejaVu Sans Book" panose="020B0603030804020204" pitchFamily="34" charset="0"/>
+                        </a:rPr>
+                        <a:t>ulige</a:t>
+                      </a:r>
+                      <a:r>
+                        <a:rPr lang="en-GB" sz="1400" dirty="0">
+                          <a:latin typeface="DejaVu Sans Book" panose="020B0603030804020204" pitchFamily="34" charset="0"/>
+                          <a:ea typeface="DejaVu Sans Book" panose="020B0603030804020204" pitchFamily="34" charset="0"/>
+                          <a:cs typeface="DejaVu Sans Book" panose="020B0603030804020204" pitchFamily="34" charset="0"/>
+                        </a:rPr>
+                        <a:t> </a:t>
+                      </a:r>
+                      <a:r>
+                        <a:rPr lang="en-GB" sz="1400" dirty="0" err="1">
+                          <a:latin typeface="DejaVu Sans Book" panose="020B0603030804020204" pitchFamily="34" charset="0"/>
+                          <a:ea typeface="DejaVu Sans Book" panose="020B0603030804020204" pitchFamily="34" charset="0"/>
+                          <a:cs typeface="DejaVu Sans Book" panose="020B0603030804020204" pitchFamily="34" charset="0"/>
+                        </a:rPr>
+                        <a:t>tal</a:t>
+                      </a:r>
+                      <a:r>
+                        <a:rPr lang="en-GB" sz="1400" dirty="0">
+                          <a:latin typeface="DejaVu Sans Book" panose="020B0603030804020204" pitchFamily="34" charset="0"/>
+                          <a:ea typeface="DejaVu Sans Book" panose="020B0603030804020204" pitchFamily="34" charset="0"/>
+                          <a:cs typeface="DejaVu Sans Book" panose="020B0603030804020204" pitchFamily="34" charset="0"/>
+                        </a:rPr>
+                        <a:t> (</a:t>
+                      </a:r>
+                      <a:r>
+                        <a:rPr lang="en-GB" sz="1400" dirty="0" err="1">
+                          <a:latin typeface="DejaVu Sans Book" panose="020B0603030804020204" pitchFamily="34" charset="0"/>
+                          <a:ea typeface="DejaVu Sans Book" panose="020B0603030804020204" pitchFamily="34" charset="0"/>
+                          <a:cs typeface="DejaVu Sans Book" panose="020B0603030804020204" pitchFamily="34" charset="0"/>
+                        </a:rPr>
+                        <a:t>venstre</a:t>
+                      </a:r>
+                      <a:r>
+                        <a:rPr lang="en-GB" sz="1400" dirty="0">
+                          <a:latin typeface="DejaVu Sans Book" panose="020B0603030804020204" pitchFamily="34" charset="0"/>
+                          <a:ea typeface="DejaVu Sans Book" panose="020B0603030804020204" pitchFamily="34" charset="0"/>
+                          <a:cs typeface="DejaVu Sans Book" panose="020B0603030804020204" pitchFamily="34" charset="0"/>
+                        </a:rPr>
+                        <a:t> </a:t>
+                      </a:r>
+                      <a:r>
+                        <a:rPr lang="en-GB" sz="1400" dirty="0" err="1">
+                          <a:latin typeface="DejaVu Sans Book" panose="020B0603030804020204" pitchFamily="34" charset="0"/>
+                          <a:ea typeface="DejaVu Sans Book" panose="020B0603030804020204" pitchFamily="34" charset="0"/>
+                          <a:cs typeface="DejaVu Sans Book" panose="020B0603030804020204" pitchFamily="34" charset="0"/>
+                        </a:rPr>
+                        <a:t>og</a:t>
+                      </a:r>
+                      <a:r>
+                        <a:rPr lang="en-GB" sz="1400" dirty="0">
+                          <a:latin typeface="DejaVu Sans Book" panose="020B0603030804020204" pitchFamily="34" charset="0"/>
+                          <a:ea typeface="DejaVu Sans Book" panose="020B0603030804020204" pitchFamily="34" charset="0"/>
+                          <a:cs typeface="DejaVu Sans Book" panose="020B0603030804020204" pitchFamily="34" charset="0"/>
+                        </a:rPr>
+                        <a:t> </a:t>
+                      </a:r>
+                      <a:r>
+                        <a:rPr lang="en-GB" sz="1400" dirty="0" err="1">
+                          <a:latin typeface="DejaVu Sans Book" panose="020B0603030804020204" pitchFamily="34" charset="0"/>
+                          <a:ea typeface="DejaVu Sans Book" panose="020B0603030804020204" pitchFamily="34" charset="0"/>
+                          <a:cs typeface="DejaVu Sans Book" panose="020B0603030804020204" pitchFamily="34" charset="0"/>
+                        </a:rPr>
+                        <a:t>højre</a:t>
+                      </a:r>
+                      <a:r>
+                        <a:rPr lang="en-GB" sz="1400" dirty="0">
+                          <a:latin typeface="DejaVu Sans Book" panose="020B0603030804020204" pitchFamily="34" charset="0"/>
+                          <a:ea typeface="DejaVu Sans Book" panose="020B0603030804020204" pitchFamily="34" charset="0"/>
+                          <a:cs typeface="DejaVu Sans Book" panose="020B0603030804020204" pitchFamily="34" charset="0"/>
+                        </a:rPr>
+                        <a:t> bit sat)</a:t>
+                      </a:r>
+                    </a:p>
+                  </a:txBody>
+                  <a:tcPr/>
+                </a:tc>
+                <a:extLst>
+                  <a:ext uri="{0D108BD9-81ED-4DB2-BD59-A6C34878D82A}">
+                    <a16:rowId xmlns:a16="http://schemas.microsoft.com/office/drawing/2014/main" val="3229732226"/>
+                  </a:ext>
+                </a:extLst>
+              </a:tr>
+            </a:tbl>
+          </a:graphicData>
+        </a:graphic>
+      </p:graphicFrame>
+    </p:spTree>
+    <p:extLst>
+      <p:ext uri="{BB962C8B-B14F-4D97-AF65-F5344CB8AC3E}">
+        <p14:creationId xmlns:p14="http://schemas.microsoft.com/office/powerpoint/2010/main" val="2177245406"/>
+      </p:ext>
+    </p:extLst>
+  </p:cSld>
+  <p:clrMapOvr>
+    <a:masterClrMapping/>
+  </p:clrMapOvr>
+  <p:timing>
+    <p:tnLst>
+      <p:par>
+        <p:cTn id="1" dur="indefinite" restart="never" nodeType="tmRoot">
+          <p:childTnLst>
+            <p:seq concurrent="1" nextAc="seek">
+              <p:cTn id="2" dur="indefinite" nodeType="mainSeq">
+                <p:childTnLst>
+                  <p:par>
+                    <p:cTn id="3" fill="hold">
+                      <p:stCondLst>
+                        <p:cond delay="indefinite"/>
+                      </p:stCondLst>
+                      <p:childTnLst>
+                        <p:par>
+                          <p:cTn id="4" fill="hold">
+                            <p:stCondLst>
+                              <p:cond delay="0"/>
+                            </p:stCondLst>
+                            <p:childTnLst>
+                              <p:par>
+                                <p:cTn id="5" presetID="1" presetClass="entr" presetSubtype="0" fill="hold" grpId="0" nodeType="clickEffect">
+                                  <p:stCondLst>
+                                    <p:cond delay="0"/>
+                                  </p:stCondLst>
+                                  <p:childTnLst>
+                                    <p:set>
+                                      <p:cBhvr>
+                                        <p:cTn id="6" dur="1" fill="hold">
+                                          <p:stCondLst>
+                                            <p:cond delay="0"/>
+                                          </p:stCondLst>
+                                        </p:cTn>
+                                        <p:tgtEl>
+                                          <p:spTgt spid="4"/>
+                                        </p:tgtEl>
+                                        <p:attrNameLst>
+                                          <p:attrName>style.visibility</p:attrName>
+                                        </p:attrNameLst>
+                                      </p:cBhvr>
+                                      <p:to>
+                                        <p:strVal val="visible"/>
+                                      </p:to>
+                                    </p:set>
+                                  </p:childTnLst>
+                                </p:cTn>
+                              </p:par>
+                            </p:childTnLst>
+                          </p:cTn>
+                        </p:par>
+                      </p:childTnLst>
+                    </p:cTn>
+                  </p:par>
+                  <p:par>
+                    <p:cTn id="7" fill="hold">
+                      <p:stCondLst>
+                        <p:cond delay="indefinite"/>
+                      </p:stCondLst>
+                      <p:childTnLst>
+                        <p:par>
+                          <p:cTn id="8" fill="hold">
+                            <p:stCondLst>
+                              <p:cond delay="0"/>
+                            </p:stCondLst>
+                            <p:childTnLst>
+                              <p:par>
+                                <p:cTn id="9" presetID="1" presetClass="entr" presetSubtype="0" fill="hold" nodeType="clickEffect">
+                                  <p:stCondLst>
+                                    <p:cond delay="0"/>
+                                  </p:stCondLst>
+                                  <p:childTnLst>
+                                    <p:set>
+                                      <p:cBhvr>
+                                        <p:cTn id="10" dur="1" fill="hold">
+                                          <p:stCondLst>
+                                            <p:cond delay="0"/>
+                                          </p:stCondLst>
+                                        </p:cTn>
+                                        <p:tgtEl>
+                                          <p:spTgt spid="8"/>
+                                        </p:tgtEl>
+                                        <p:attrNameLst>
+                                          <p:attrName>style.visibility</p:attrName>
+                                        </p:attrNameLst>
+                                      </p:cBhvr>
+                                      <p:to>
+                                        <p:strVal val="visible"/>
+                                      </p:to>
+                                    </p:set>
+                                  </p:childTnLst>
+                                </p:cTn>
+                              </p:par>
+                            </p:childTnLst>
+                          </p:cTn>
+                        </p:par>
+                      </p:childTnLst>
+                    </p:cTn>
+                  </p:par>
+                </p:childTnLst>
+              </p:cTn>
+              <p:prevCondLst>
+                <p:cond evt="onPrev" delay="0">
+                  <p:tgtEl>
+                    <p:sldTgt/>
+                  </p:tgtEl>
+                </p:cond>
+              </p:prevCondLst>
+              <p:nextCondLst>
+                <p:cond evt="onNext" delay="0">
+                  <p:tgtEl>
+                    <p:sldTgt/>
+                  </p:tgtEl>
+                </p:cond>
+              </p:nextCondLst>
+            </p:seq>
+          </p:childTnLst>
+        </p:cTn>
+      </p:par>
+    </p:tnLst>
+    <p:bldLst>
+      <p:bldP spid="4" grpId="0"/>
+    </p:bldLst>
+  </p:timing>
+</p:sld>
+</file>
+
+<file path=ppt/slides/slide7.xml><?xml version="1.0" encoding="utf-8"?>
+<p:sld xmlns:a="http://schemas.openxmlformats.org/drawingml/2006/main" xmlns:r="http://schemas.openxmlformats.org/officeDocument/2006/relationships" xmlns:p="http://schemas.openxmlformats.org/presentationml/2006/main">
+  <p:cSld>
+    <p:spTree>
+      <p:nvGrpSpPr>
+        <p:cNvPr id="1" name=""/>
+        <p:cNvGrpSpPr/>
+        <p:nvPr/>
+      </p:nvGrpSpPr>
+      <p:grpSpPr>
+        <a:xfrm>
+          <a:off x="0" y="0"/>
+          <a:ext cx="0" cy="0"/>
+          <a:chOff x="0" y="0"/>
+          <a:chExt cx="0" cy="0"/>
+        </a:xfrm>
+      </p:grpSpPr>
+      <p:sp>
+        <p:nvSpPr>
+          <p:cNvPr id="2" name="Title 1">
+            <a:extLst>
+              <a:ext uri="{FF2B5EF4-FFF2-40B4-BE49-F238E27FC236}">
+                <a16:creationId xmlns:a16="http://schemas.microsoft.com/office/drawing/2014/main" id="{26A64B78-8D7F-9146-8E6A-B32DCB403940}"/>
+              </a:ext>
+            </a:extLst>
+          </p:cNvPr>
+          <p:cNvSpPr>
+            <a:spLocks noGrp="1"/>
+          </p:cNvSpPr>
+          <p:nvPr>
+            <p:ph type="title"/>
+          </p:nvPr>
+        </p:nvSpPr>
+        <p:spPr>
+          <a:xfrm>
+            <a:off x="428626" y="0"/>
+            <a:ext cx="10515600" cy="1325563"/>
+          </a:xfrm>
+        </p:spPr>
+        <p:txBody>
+          <a:bodyPr/>
+          <a:lstStyle/>
+          <a:p>
+            <a:r>
+              <a:rPr lang="en-GB" dirty="0"/>
+              <a:t>Black-box (unit) testing</a:t>
+            </a:r>
+          </a:p>
+        </p:txBody>
+      </p:sp>
+      <p:sp>
+        <p:nvSpPr>
+          <p:cNvPr id="4" name="Rectangle 3">
+            <a:extLst>
+              <a:ext uri="{FF2B5EF4-FFF2-40B4-BE49-F238E27FC236}">
+                <a16:creationId xmlns:a16="http://schemas.microsoft.com/office/drawing/2014/main" id="{36284481-9526-FA45-BAC0-8857EA5072F9}"/>
+              </a:ext>
+            </a:extLst>
+          </p:cNvPr>
+          <p:cNvSpPr/>
+          <p:nvPr/>
+        </p:nvSpPr>
+        <p:spPr>
+          <a:xfrm>
+            <a:off x="232929" y="1176439"/>
+            <a:ext cx="6026203" cy="5262979"/>
+          </a:xfrm>
+          <a:prstGeom prst="rect">
+            <a:avLst/>
+          </a:prstGeom>
+        </p:spPr>
+        <p:txBody>
+          <a:bodyPr wrap="square">
+            <a:spAutoFit/>
+          </a:bodyPr>
+          <a:lstStyle/>
+          <a:p>
+            <a:r>
+              <a:rPr lang="en-GB" sz="1600" dirty="0">
+                <a:latin typeface="DejaVu Sans Book" panose="020B0603030804020204" pitchFamily="34" charset="0"/>
+                <a:ea typeface="DejaVu Sans Book" panose="020B0603030804020204" pitchFamily="34" charset="0"/>
+                <a:cs typeface="DejaVu Sans Book" panose="020B0603030804020204" pitchFamily="34" charset="0"/>
+              </a:rPr>
+              <a:t>// Unit : dec2bin</a:t>
+            </a:r>
+          </a:p>
+          <a:p>
+            <a:r>
+              <a:rPr lang="en-GB" sz="1600" dirty="0">
+                <a:latin typeface="DejaVu Sans Book" panose="020B0603030804020204" pitchFamily="34" charset="0"/>
+                <a:ea typeface="DejaVu Sans Book" panose="020B0603030804020204" pitchFamily="34" charset="0"/>
+                <a:cs typeface="DejaVu Sans Book" panose="020B0603030804020204" pitchFamily="34" charset="0"/>
+              </a:rPr>
+              <a:t>let dec2bin n =</a:t>
+            </a:r>
+          </a:p>
+          <a:p>
+            <a:r>
+              <a:rPr lang="en-GB" sz="1600" dirty="0">
+                <a:latin typeface="DejaVu Sans Book" panose="020B0603030804020204" pitchFamily="34" charset="0"/>
+                <a:ea typeface="DejaVu Sans Book" panose="020B0603030804020204" pitchFamily="34" charset="0"/>
+                <a:cs typeface="DejaVu Sans Book" panose="020B0603030804020204" pitchFamily="34" charset="0"/>
+              </a:rPr>
+              <a:t>  if n &lt; 0 then</a:t>
+            </a:r>
+          </a:p>
+          <a:p>
+            <a:r>
+              <a:rPr lang="en-GB" sz="1600" dirty="0">
+                <a:latin typeface="DejaVu Sans Book" panose="020B0603030804020204" pitchFamily="34" charset="0"/>
+                <a:ea typeface="DejaVu Sans Book" panose="020B0603030804020204" pitchFamily="34" charset="0"/>
+                <a:cs typeface="DejaVu Sans Book" panose="020B0603030804020204" pitchFamily="34" charset="0"/>
+              </a:rPr>
+              <a:t>    "Illegal value"</a:t>
+            </a:r>
+          </a:p>
+          <a:p>
+            <a:r>
+              <a:rPr lang="en-GB" sz="1600" dirty="0">
+                <a:latin typeface="DejaVu Sans Book" panose="020B0603030804020204" pitchFamily="34" charset="0"/>
+                <a:ea typeface="DejaVu Sans Book" panose="020B0603030804020204" pitchFamily="34" charset="0"/>
+                <a:cs typeface="DejaVu Sans Book" panose="020B0603030804020204" pitchFamily="34" charset="0"/>
+              </a:rPr>
+              <a:t>  </a:t>
+            </a:r>
+            <a:r>
+              <a:rPr lang="en-GB" sz="1600" dirty="0" err="1">
+                <a:latin typeface="DejaVu Sans Book" panose="020B0603030804020204" pitchFamily="34" charset="0"/>
+                <a:ea typeface="DejaVu Sans Book" panose="020B0603030804020204" pitchFamily="34" charset="0"/>
+                <a:cs typeface="DejaVu Sans Book" panose="020B0603030804020204" pitchFamily="34" charset="0"/>
+              </a:rPr>
+              <a:t>elif</a:t>
+            </a:r>
+            <a:r>
+              <a:rPr lang="en-GB" sz="1600" dirty="0">
+                <a:latin typeface="DejaVu Sans Book" panose="020B0603030804020204" pitchFamily="34" charset="0"/>
+                <a:ea typeface="DejaVu Sans Book" panose="020B0603030804020204" pitchFamily="34" charset="0"/>
+                <a:cs typeface="DejaVu Sans Book" panose="020B0603030804020204" pitchFamily="34" charset="0"/>
+              </a:rPr>
+              <a:t> n = 0 then</a:t>
+            </a:r>
+          </a:p>
+          <a:p>
+            <a:r>
+              <a:rPr lang="en-GB" sz="1600" dirty="0">
+                <a:latin typeface="DejaVu Sans Book" panose="020B0603030804020204" pitchFamily="34" charset="0"/>
+                <a:ea typeface="DejaVu Sans Book" panose="020B0603030804020204" pitchFamily="34" charset="0"/>
+                <a:cs typeface="DejaVu Sans Book" panose="020B0603030804020204" pitchFamily="34" charset="0"/>
+              </a:rPr>
+              <a:t>    "0b0"</a:t>
+            </a:r>
+          </a:p>
+          <a:p>
+            <a:r>
+              <a:rPr lang="en-GB" sz="1600" dirty="0">
+                <a:latin typeface="DejaVu Sans Book" panose="020B0603030804020204" pitchFamily="34" charset="0"/>
+                <a:ea typeface="DejaVu Sans Book" panose="020B0603030804020204" pitchFamily="34" charset="0"/>
+                <a:cs typeface="DejaVu Sans Book" panose="020B0603030804020204" pitchFamily="34" charset="0"/>
+              </a:rPr>
+              <a:t>  else</a:t>
+            </a:r>
+          </a:p>
+          <a:p>
+            <a:r>
+              <a:rPr lang="en-GB" sz="1600" dirty="0">
+                <a:latin typeface="DejaVu Sans Book" panose="020B0603030804020204" pitchFamily="34" charset="0"/>
+                <a:ea typeface="DejaVu Sans Book" panose="020B0603030804020204" pitchFamily="34" charset="0"/>
+                <a:cs typeface="DejaVu Sans Book" panose="020B0603030804020204" pitchFamily="34" charset="0"/>
+              </a:rPr>
+              <a:t>    let mutable v = n</a:t>
+            </a:r>
+          </a:p>
+          <a:p>
+            <a:r>
+              <a:rPr lang="en-GB" sz="1600" dirty="0">
+                <a:latin typeface="DejaVu Sans Book" panose="020B0603030804020204" pitchFamily="34" charset="0"/>
+                <a:ea typeface="DejaVu Sans Book" panose="020B0603030804020204" pitchFamily="34" charset="0"/>
+                <a:cs typeface="DejaVu Sans Book" panose="020B0603030804020204" pitchFamily="34" charset="0"/>
+              </a:rPr>
+              <a:t>    let mutable </a:t>
+            </a:r>
+            <a:r>
+              <a:rPr lang="en-GB" sz="1600" dirty="0" err="1">
+                <a:latin typeface="DejaVu Sans Book" panose="020B0603030804020204" pitchFamily="34" charset="0"/>
+                <a:ea typeface="DejaVu Sans Book" panose="020B0603030804020204" pitchFamily="34" charset="0"/>
+                <a:cs typeface="DejaVu Sans Book" panose="020B0603030804020204" pitchFamily="34" charset="0"/>
+              </a:rPr>
+              <a:t>str</a:t>
+            </a:r>
+            <a:r>
+              <a:rPr lang="en-GB" sz="1600" dirty="0">
+                <a:latin typeface="DejaVu Sans Book" panose="020B0603030804020204" pitchFamily="34" charset="0"/>
+                <a:ea typeface="DejaVu Sans Book" panose="020B0603030804020204" pitchFamily="34" charset="0"/>
+                <a:cs typeface="DejaVu Sans Book" panose="020B0603030804020204" pitchFamily="34" charset="0"/>
+              </a:rPr>
+              <a:t> = ""</a:t>
+            </a:r>
+          </a:p>
+          <a:p>
+            <a:r>
+              <a:rPr lang="en-GB" sz="1600" dirty="0">
+                <a:latin typeface="DejaVu Sans Book" panose="020B0603030804020204" pitchFamily="34" charset="0"/>
+                <a:ea typeface="DejaVu Sans Book" panose="020B0603030804020204" pitchFamily="34" charset="0"/>
+                <a:cs typeface="DejaVu Sans Book" panose="020B0603030804020204" pitchFamily="34" charset="0"/>
+              </a:rPr>
+              <a:t>    while v &gt; 0 do</a:t>
+            </a:r>
+          </a:p>
+          <a:p>
+            <a:r>
+              <a:rPr lang="en-GB" sz="1600" dirty="0">
+                <a:latin typeface="DejaVu Sans Book" panose="020B0603030804020204" pitchFamily="34" charset="0"/>
+                <a:ea typeface="DejaVu Sans Book" panose="020B0603030804020204" pitchFamily="34" charset="0"/>
+                <a:cs typeface="DejaVu Sans Book" panose="020B0603030804020204" pitchFamily="34" charset="0"/>
+              </a:rPr>
+              <a:t>      </a:t>
+            </a:r>
+            <a:r>
+              <a:rPr lang="en-GB" sz="1600" dirty="0" err="1">
+                <a:latin typeface="DejaVu Sans Book" panose="020B0603030804020204" pitchFamily="34" charset="0"/>
+                <a:ea typeface="DejaVu Sans Book" panose="020B0603030804020204" pitchFamily="34" charset="0"/>
+                <a:cs typeface="DejaVu Sans Book" panose="020B0603030804020204" pitchFamily="34" charset="0"/>
+              </a:rPr>
+              <a:t>str</a:t>
+            </a:r>
+            <a:r>
+              <a:rPr lang="en-GB" sz="1600" dirty="0">
+                <a:latin typeface="DejaVu Sans Book" panose="020B0603030804020204" pitchFamily="34" charset="0"/>
+                <a:ea typeface="DejaVu Sans Book" panose="020B0603030804020204" pitchFamily="34" charset="0"/>
+                <a:cs typeface="DejaVu Sans Book" panose="020B0603030804020204" pitchFamily="34" charset="0"/>
+              </a:rPr>
+              <a:t> &lt;- (string (v % 2)) + </a:t>
+            </a:r>
+            <a:r>
+              <a:rPr lang="en-GB" sz="1600" dirty="0" err="1">
+                <a:latin typeface="DejaVu Sans Book" panose="020B0603030804020204" pitchFamily="34" charset="0"/>
+                <a:ea typeface="DejaVu Sans Book" panose="020B0603030804020204" pitchFamily="34" charset="0"/>
+                <a:cs typeface="DejaVu Sans Book" panose="020B0603030804020204" pitchFamily="34" charset="0"/>
+              </a:rPr>
+              <a:t>str</a:t>
+            </a:r>
+            <a:endParaRPr lang="en-GB" sz="1600" dirty="0">
+              <a:latin typeface="DejaVu Sans Book" panose="020B0603030804020204" pitchFamily="34" charset="0"/>
+              <a:ea typeface="DejaVu Sans Book" panose="020B0603030804020204" pitchFamily="34" charset="0"/>
+              <a:cs typeface="DejaVu Sans Book" panose="020B0603030804020204" pitchFamily="34" charset="0"/>
+            </a:endParaRPr>
+          </a:p>
+          <a:p>
+            <a:r>
+              <a:rPr lang="en-GB" sz="1600" dirty="0">
+                <a:latin typeface="DejaVu Sans Book" panose="020B0603030804020204" pitchFamily="34" charset="0"/>
+                <a:ea typeface="DejaVu Sans Book" panose="020B0603030804020204" pitchFamily="34" charset="0"/>
+                <a:cs typeface="DejaVu Sans Book" panose="020B0603030804020204" pitchFamily="34" charset="0"/>
+              </a:rPr>
+              <a:t>      v &lt;- v / 2</a:t>
+            </a:r>
+          </a:p>
+          <a:p>
+            <a:r>
+              <a:rPr lang="en-GB" sz="1600" dirty="0">
+                <a:latin typeface="DejaVu Sans Book" panose="020B0603030804020204" pitchFamily="34" charset="0"/>
+                <a:ea typeface="DejaVu Sans Book" panose="020B0603030804020204" pitchFamily="34" charset="0"/>
+                <a:cs typeface="DejaVu Sans Book" panose="020B0603030804020204" pitchFamily="34" charset="0"/>
+              </a:rPr>
+              <a:t>    "0b" + </a:t>
+            </a:r>
+            <a:r>
+              <a:rPr lang="en-GB" sz="1600" dirty="0" err="1">
+                <a:latin typeface="DejaVu Sans Book" panose="020B0603030804020204" pitchFamily="34" charset="0"/>
+                <a:ea typeface="DejaVu Sans Book" panose="020B0603030804020204" pitchFamily="34" charset="0"/>
+                <a:cs typeface="DejaVu Sans Book" panose="020B0603030804020204" pitchFamily="34" charset="0"/>
+              </a:rPr>
+              <a:t>str</a:t>
+            </a:r>
+            <a:endParaRPr lang="en-GB" sz="1600" dirty="0">
+              <a:latin typeface="DejaVu Sans Book" panose="020B0603030804020204" pitchFamily="34" charset="0"/>
+              <a:ea typeface="DejaVu Sans Book" panose="020B0603030804020204" pitchFamily="34" charset="0"/>
+              <a:cs typeface="DejaVu Sans Book" panose="020B0603030804020204" pitchFamily="34" charset="0"/>
+            </a:endParaRPr>
+          </a:p>
+          <a:p>
+            <a:endParaRPr lang="en-GB" sz="1600" dirty="0">
+              <a:latin typeface="DejaVu Sans Book" panose="020B0603030804020204" pitchFamily="34" charset="0"/>
+              <a:ea typeface="DejaVu Sans Book" panose="020B0603030804020204" pitchFamily="34" charset="0"/>
+              <a:cs typeface="DejaVu Sans Book" panose="020B0603030804020204" pitchFamily="34" charset="0"/>
+            </a:endParaRPr>
+          </a:p>
+          <a:p>
+            <a:r>
+              <a:rPr lang="en-GB" sz="1600" dirty="0" err="1">
+                <a:latin typeface="DejaVu Sans Book" panose="020B0603030804020204" pitchFamily="34" charset="0"/>
+                <a:ea typeface="DejaVu Sans Book" panose="020B0603030804020204" pitchFamily="34" charset="0"/>
+                <a:cs typeface="DejaVu Sans Book" panose="020B0603030804020204" pitchFamily="34" charset="0"/>
+              </a:rPr>
+              <a:t>printfn</a:t>
+            </a:r>
+            <a:r>
+              <a:rPr lang="en-GB" sz="1600" dirty="0">
+                <a:latin typeface="DejaVu Sans Book" panose="020B0603030804020204" pitchFamily="34" charset="0"/>
+                <a:ea typeface="DejaVu Sans Book" panose="020B0603030804020204" pitchFamily="34" charset="0"/>
+                <a:cs typeface="DejaVu Sans Book" panose="020B0603030804020204" pitchFamily="34" charset="0"/>
+              </a:rPr>
+              <a:t> "Black-box testing of dec2bin.fsx"</a:t>
+            </a:r>
+          </a:p>
+          <a:p>
+            <a:r>
+              <a:rPr lang="en-GB" sz="1600" dirty="0" err="1">
+                <a:latin typeface="DejaVu Sans Book" panose="020B0603030804020204" pitchFamily="34" charset="0"/>
+                <a:ea typeface="DejaVu Sans Book" panose="020B0603030804020204" pitchFamily="34" charset="0"/>
+                <a:cs typeface="DejaVu Sans Book" panose="020B0603030804020204" pitchFamily="34" charset="0"/>
+              </a:rPr>
+              <a:t>printfn</a:t>
+            </a:r>
+            <a:r>
+              <a:rPr lang="en-GB" sz="1600" dirty="0">
+                <a:latin typeface="DejaVu Sans Book" panose="020B0603030804020204" pitchFamily="34" charset="0"/>
+                <a:ea typeface="DejaVu Sans Book" panose="020B0603030804020204" pitchFamily="34" charset="0"/>
+                <a:cs typeface="DejaVu Sans Book" panose="020B0603030804020204" pitchFamily="34" charset="0"/>
+              </a:rPr>
+              <a:t> "  n &lt; 0  - %b" (dec2bin -1 = "Illegal value")</a:t>
+            </a:r>
+          </a:p>
+          <a:p>
+            <a:r>
+              <a:rPr lang="en-GB" sz="1600" dirty="0" err="1">
+                <a:latin typeface="DejaVu Sans Book" panose="020B0603030804020204" pitchFamily="34" charset="0"/>
+                <a:ea typeface="DejaVu Sans Book" panose="020B0603030804020204" pitchFamily="34" charset="0"/>
+                <a:cs typeface="DejaVu Sans Book" panose="020B0603030804020204" pitchFamily="34" charset="0"/>
+              </a:rPr>
+              <a:t>printfn</a:t>
+            </a:r>
+            <a:r>
+              <a:rPr lang="en-GB" sz="1600" dirty="0">
+                <a:latin typeface="DejaVu Sans Book" panose="020B0603030804020204" pitchFamily="34" charset="0"/>
+                <a:ea typeface="DejaVu Sans Book" panose="020B0603030804020204" pitchFamily="34" charset="0"/>
+                <a:cs typeface="DejaVu Sans Book" panose="020B0603030804020204" pitchFamily="34" charset="0"/>
+              </a:rPr>
+              <a:t> "  n = 0  - %b" (dec2bin 0 = "0b0")</a:t>
+            </a:r>
+          </a:p>
+          <a:p>
+            <a:r>
+              <a:rPr lang="en-GB" sz="1600" dirty="0" err="1">
+                <a:latin typeface="DejaVu Sans Book" panose="020B0603030804020204" pitchFamily="34" charset="0"/>
+                <a:ea typeface="DejaVu Sans Book" panose="020B0603030804020204" pitchFamily="34" charset="0"/>
+                <a:cs typeface="DejaVu Sans Book" panose="020B0603030804020204" pitchFamily="34" charset="0"/>
+              </a:rPr>
+              <a:t>printfn</a:t>
+            </a:r>
+            <a:r>
+              <a:rPr lang="en-GB" sz="1600" dirty="0">
+                <a:latin typeface="DejaVu Sans Book" panose="020B0603030804020204" pitchFamily="34" charset="0"/>
+                <a:ea typeface="DejaVu Sans Book" panose="020B0603030804020204" pitchFamily="34" charset="0"/>
+                <a:cs typeface="DejaVu Sans Book" panose="020B0603030804020204" pitchFamily="34" charset="0"/>
+              </a:rPr>
+              <a:t> "  n = 1  - %b" (dec2bin 1 = "0b1")</a:t>
+            </a:r>
+          </a:p>
+          <a:p>
+            <a:r>
+              <a:rPr lang="en-GB" sz="1600" dirty="0" err="1">
+                <a:latin typeface="DejaVu Sans Book" panose="020B0603030804020204" pitchFamily="34" charset="0"/>
+                <a:ea typeface="DejaVu Sans Book" panose="020B0603030804020204" pitchFamily="34" charset="0"/>
+                <a:cs typeface="DejaVu Sans Book" panose="020B0603030804020204" pitchFamily="34" charset="0"/>
+              </a:rPr>
+              <a:t>printfn</a:t>
+            </a:r>
+            <a:r>
+              <a:rPr lang="en-GB" sz="1600" dirty="0">
+                <a:latin typeface="DejaVu Sans Book" panose="020B0603030804020204" pitchFamily="34" charset="0"/>
+                <a:ea typeface="DejaVu Sans Book" panose="020B0603030804020204" pitchFamily="34" charset="0"/>
+                <a:cs typeface="DejaVu Sans Book" panose="020B0603030804020204" pitchFamily="34" charset="0"/>
+              </a:rPr>
+              <a:t> "  n = 2  - %b" (dec2bin 2 = "0b10")</a:t>
+            </a:r>
+          </a:p>
+          <a:p>
+            <a:r>
+              <a:rPr lang="en-GB" sz="1600" dirty="0" err="1">
+                <a:latin typeface="DejaVu Sans Book" panose="020B0603030804020204" pitchFamily="34" charset="0"/>
+                <a:ea typeface="DejaVu Sans Book" panose="020B0603030804020204" pitchFamily="34" charset="0"/>
+                <a:cs typeface="DejaVu Sans Book" panose="020B0603030804020204" pitchFamily="34" charset="0"/>
+              </a:rPr>
+              <a:t>printfn</a:t>
+            </a:r>
+            <a:r>
+              <a:rPr lang="en-GB" sz="1600" dirty="0">
+                <a:latin typeface="DejaVu Sans Book" panose="020B0603030804020204" pitchFamily="34" charset="0"/>
+                <a:ea typeface="DejaVu Sans Book" panose="020B0603030804020204" pitchFamily="34" charset="0"/>
+                <a:cs typeface="DejaVu Sans Book" panose="020B0603030804020204" pitchFamily="34" charset="0"/>
+              </a:rPr>
+              <a:t> "  n = 10 - %b" (dec2bin 10 = "0b1010")</a:t>
+            </a:r>
+          </a:p>
+          <a:p>
+            <a:r>
+              <a:rPr lang="en-GB" sz="1600" dirty="0" err="1">
+                <a:latin typeface="DejaVu Sans Book" panose="020B0603030804020204" pitchFamily="34" charset="0"/>
+                <a:ea typeface="DejaVu Sans Book" panose="020B0603030804020204" pitchFamily="34" charset="0"/>
+                <a:cs typeface="DejaVu Sans Book" panose="020B0603030804020204" pitchFamily="34" charset="0"/>
+              </a:rPr>
+              <a:t>printfn</a:t>
+            </a:r>
+            <a:r>
+              <a:rPr lang="en-GB" sz="1600" dirty="0">
+                <a:latin typeface="DejaVu Sans Book" panose="020B0603030804020204" pitchFamily="34" charset="0"/>
+                <a:ea typeface="DejaVu Sans Book" panose="020B0603030804020204" pitchFamily="34" charset="0"/>
+                <a:cs typeface="DejaVu Sans Book" panose="020B0603030804020204" pitchFamily="34" charset="0"/>
+              </a:rPr>
+              <a:t> "  n = 11 - %b" (dec2bin 11 = "0b1011")</a:t>
+            </a:r>
+          </a:p>
+        </p:txBody>
+      </p:sp>
+      <p:sp>
+        <p:nvSpPr>
+          <p:cNvPr id="11" name="Rectangle 10">
+            <a:extLst>
+              <a:ext uri="{FF2B5EF4-FFF2-40B4-BE49-F238E27FC236}">
+                <a16:creationId xmlns:a16="http://schemas.microsoft.com/office/drawing/2014/main" id="{E656735C-B1EC-AC44-AC2D-49CFBC80FFAF}"/>
+              </a:ext>
+            </a:extLst>
+          </p:cNvPr>
+          <p:cNvSpPr/>
+          <p:nvPr/>
+        </p:nvSpPr>
+        <p:spPr>
+          <a:xfrm>
+            <a:off x="6668073" y="4354602"/>
+            <a:ext cx="5523927" cy="2062103"/>
+          </a:xfrm>
+          <a:prstGeom prst="rect">
+            <a:avLst/>
+          </a:prstGeom>
+        </p:spPr>
+        <p:txBody>
+          <a:bodyPr wrap="square">
+            <a:spAutoFit/>
+          </a:bodyPr>
+          <a:lstStyle/>
+          <a:p>
+            <a:r>
+              <a:rPr lang="en-GB" sz="1600" dirty="0">
+                <a:latin typeface="DejaVu Sans Book" panose="020B0603030804020204" pitchFamily="34" charset="0"/>
+                <a:ea typeface="DejaVu Sans Book" panose="020B0603030804020204" pitchFamily="34" charset="0"/>
+                <a:cs typeface="DejaVu Sans Book" panose="020B0603030804020204" pitchFamily="34" charset="0"/>
+              </a:rPr>
+              <a:t>$ </a:t>
+            </a:r>
+            <a:r>
+              <a:rPr lang="en-GB" sz="1600" dirty="0" err="1">
+                <a:latin typeface="DejaVu Sans Book" panose="020B0603030804020204" pitchFamily="34" charset="0"/>
+                <a:ea typeface="DejaVu Sans Book" panose="020B0603030804020204" pitchFamily="34" charset="0"/>
+                <a:cs typeface="DejaVu Sans Book" panose="020B0603030804020204" pitchFamily="34" charset="0"/>
+              </a:rPr>
+              <a:t>fsharpi</a:t>
+            </a:r>
+            <a:r>
+              <a:rPr lang="en-GB" sz="1600" dirty="0">
+                <a:latin typeface="DejaVu Sans Book" panose="020B0603030804020204" pitchFamily="34" charset="0"/>
+                <a:ea typeface="DejaVu Sans Book" panose="020B0603030804020204" pitchFamily="34" charset="0"/>
+                <a:cs typeface="DejaVu Sans Book" panose="020B0603030804020204" pitchFamily="34" charset="0"/>
+              </a:rPr>
+              <a:t> dec2binBlackTest.fsx</a:t>
+            </a:r>
+          </a:p>
+          <a:p>
+            <a:r>
+              <a:rPr lang="en-GB" sz="1600" dirty="0">
+                <a:latin typeface="DejaVu Sans Book" panose="020B0603030804020204" pitchFamily="34" charset="0"/>
+                <a:ea typeface="DejaVu Sans Book" panose="020B0603030804020204" pitchFamily="34" charset="0"/>
+                <a:cs typeface="DejaVu Sans Book" panose="020B0603030804020204" pitchFamily="34" charset="0"/>
+              </a:rPr>
+              <a:t>Black-box testing of dec2bin.fsx</a:t>
+            </a:r>
+          </a:p>
+          <a:p>
+            <a:r>
+              <a:rPr lang="en-GB" sz="1600" dirty="0">
+                <a:latin typeface="DejaVu Sans Book" panose="020B0603030804020204" pitchFamily="34" charset="0"/>
+                <a:ea typeface="DejaVu Sans Book" panose="020B0603030804020204" pitchFamily="34" charset="0"/>
+                <a:cs typeface="DejaVu Sans Book" panose="020B0603030804020204" pitchFamily="34" charset="0"/>
+              </a:rPr>
+              <a:t>  n &lt; 0  - true</a:t>
+            </a:r>
+          </a:p>
+          <a:p>
+            <a:r>
+              <a:rPr lang="en-GB" sz="1600" dirty="0">
+                <a:latin typeface="DejaVu Sans Book" panose="020B0603030804020204" pitchFamily="34" charset="0"/>
+                <a:ea typeface="DejaVu Sans Book" panose="020B0603030804020204" pitchFamily="34" charset="0"/>
+                <a:cs typeface="DejaVu Sans Book" panose="020B0603030804020204" pitchFamily="34" charset="0"/>
+              </a:rPr>
+              <a:t>  n = 0  - true</a:t>
+            </a:r>
+          </a:p>
+          <a:p>
+            <a:r>
+              <a:rPr lang="en-GB" sz="1600" dirty="0">
+                <a:latin typeface="DejaVu Sans Book" panose="020B0603030804020204" pitchFamily="34" charset="0"/>
+                <a:ea typeface="DejaVu Sans Book" panose="020B0603030804020204" pitchFamily="34" charset="0"/>
+                <a:cs typeface="DejaVu Sans Book" panose="020B0603030804020204" pitchFamily="34" charset="0"/>
+              </a:rPr>
+              <a:t>  n = 1  - true</a:t>
+            </a:r>
+          </a:p>
+          <a:p>
+            <a:r>
+              <a:rPr lang="en-GB" sz="1600" dirty="0">
+                <a:latin typeface="DejaVu Sans Book" panose="020B0603030804020204" pitchFamily="34" charset="0"/>
+                <a:ea typeface="DejaVu Sans Book" panose="020B0603030804020204" pitchFamily="34" charset="0"/>
+                <a:cs typeface="DejaVu Sans Book" panose="020B0603030804020204" pitchFamily="34" charset="0"/>
+              </a:rPr>
+              <a:t>  n = 2  - true</a:t>
+            </a:r>
+          </a:p>
+          <a:p>
+            <a:r>
+              <a:rPr lang="en-GB" sz="1600" dirty="0">
+                <a:latin typeface="DejaVu Sans Book" panose="020B0603030804020204" pitchFamily="34" charset="0"/>
+                <a:ea typeface="DejaVu Sans Book" panose="020B0603030804020204" pitchFamily="34" charset="0"/>
+                <a:cs typeface="DejaVu Sans Book" panose="020B0603030804020204" pitchFamily="34" charset="0"/>
+              </a:rPr>
+              <a:t>  n = 10 - true</a:t>
+            </a:r>
+          </a:p>
+          <a:p>
+            <a:r>
+              <a:rPr lang="en-GB" sz="1600" dirty="0">
+                <a:latin typeface="DejaVu Sans Book" panose="020B0603030804020204" pitchFamily="34" charset="0"/>
+                <a:ea typeface="DejaVu Sans Book" panose="020B0603030804020204" pitchFamily="34" charset="0"/>
+                <a:cs typeface="DejaVu Sans Book" panose="020B0603030804020204" pitchFamily="34" charset="0"/>
+              </a:rPr>
+              <a:t>  n = 11 - true</a:t>
+            </a:r>
+          </a:p>
+        </p:txBody>
+      </p:sp>
+      <p:cxnSp>
+        <p:nvCxnSpPr>
+          <p:cNvPr id="12" name="Straight Connector 11">
+            <a:extLst>
+              <a:ext uri="{FF2B5EF4-FFF2-40B4-BE49-F238E27FC236}">
+                <a16:creationId xmlns:a16="http://schemas.microsoft.com/office/drawing/2014/main" id="{C637B8AF-C58C-2848-AB32-2980467C7F59}"/>
+              </a:ext>
+            </a:extLst>
+          </p:cNvPr>
+          <p:cNvCxnSpPr>
+            <a:cxnSpLocks/>
+          </p:cNvCxnSpPr>
+          <p:nvPr/>
+        </p:nvCxnSpPr>
+        <p:spPr>
+          <a:xfrm flipV="1">
+            <a:off x="6413679" y="4018207"/>
+            <a:ext cx="5533622" cy="12879"/>
+          </a:xfrm>
+          <a:prstGeom prst="line">
+            <a:avLst/>
+          </a:prstGeom>
+        </p:spPr>
+        <p:style>
+          <a:lnRef idx="1">
+            <a:schemeClr val="accent1"/>
+          </a:lnRef>
+          <a:fillRef idx="0">
+            <a:schemeClr val="accent1"/>
+          </a:fillRef>
+          <a:effectRef idx="0">
+            <a:schemeClr val="accent1"/>
+          </a:effectRef>
+          <a:fontRef idx="minor">
+            <a:schemeClr val="tx1"/>
+          </a:fontRef>
+        </p:style>
+      </p:cxnSp>
+      <p:cxnSp>
+        <p:nvCxnSpPr>
+          <p:cNvPr id="13" name="Straight Connector 12">
+            <a:extLst>
+              <a:ext uri="{FF2B5EF4-FFF2-40B4-BE49-F238E27FC236}">
+                <a16:creationId xmlns:a16="http://schemas.microsoft.com/office/drawing/2014/main" id="{8A9E52AB-1193-7A4E-934B-99D78A8F1CCB}"/>
+              </a:ext>
+            </a:extLst>
+          </p:cNvPr>
+          <p:cNvCxnSpPr>
+            <a:cxnSpLocks/>
+          </p:cNvCxnSpPr>
+          <p:nvPr/>
+        </p:nvCxnSpPr>
+        <p:spPr>
+          <a:xfrm>
+            <a:off x="6413679" y="4018207"/>
+            <a:ext cx="0" cy="2137893"/>
+          </a:xfrm>
+          <a:prstGeom prst="line">
+            <a:avLst/>
+          </a:prstGeom>
+        </p:spPr>
+        <p:style>
+          <a:lnRef idx="1">
+            <a:schemeClr val="accent1"/>
+          </a:lnRef>
+          <a:fillRef idx="0">
+            <a:schemeClr val="accent1"/>
+          </a:fillRef>
+          <a:effectRef idx="0">
+            <a:schemeClr val="accent1"/>
+          </a:effectRef>
+          <a:fontRef idx="minor">
+            <a:schemeClr val="tx1"/>
+          </a:fontRef>
+        </p:style>
+      </p:cxnSp>
+      <p:graphicFrame>
+        <p:nvGraphicFramePr>
+          <p:cNvPr id="9" name="Table 8">
+            <a:extLst>
+              <a:ext uri="{FF2B5EF4-FFF2-40B4-BE49-F238E27FC236}">
+                <a16:creationId xmlns:a16="http://schemas.microsoft.com/office/drawing/2014/main" id="{206B80B6-5304-6548-BAC9-B95E27C48BC0}"/>
+              </a:ext>
+            </a:extLst>
+          </p:cNvPr>
+          <p:cNvGraphicFramePr>
+            <a:graphicFrameLocks noGrp="1"/>
+          </p:cNvGraphicFramePr>
+          <p:nvPr>
+            <p:extLst>
+              <p:ext uri="{D42A27DB-BD31-4B8C-83A1-F6EECF244321}">
+                <p14:modId xmlns:p14="http://schemas.microsoft.com/office/powerpoint/2010/main" val="3444855368"/>
+              </p:ext>
+            </p:extLst>
+          </p:nvPr>
+        </p:nvGraphicFramePr>
+        <p:xfrm>
+          <a:off x="6263424" y="29579"/>
+          <a:ext cx="5834132" cy="2834640"/>
+        </p:xfrm>
+        <a:graphic>
+          <a:graphicData uri="http://schemas.openxmlformats.org/drawingml/2006/table">
+            <a:tbl>
+              <a:tblPr firstRow="1" bandRow="1">
+                <a:tableStyleId>{5C22544A-7EE6-4342-B048-85BDC9FD1C3A}</a:tableStyleId>
+              </a:tblPr>
+              <a:tblGrid>
+                <a:gridCol w="1458533">
+                  <a:extLst>
+                    <a:ext uri="{9D8B030D-6E8A-4147-A177-3AD203B41FA5}">
+                      <a16:colId xmlns:a16="http://schemas.microsoft.com/office/drawing/2014/main" val="1532162595"/>
+                    </a:ext>
+                  </a:extLst>
+                </a:gridCol>
+                <a:gridCol w="1458533">
+                  <a:extLst>
+                    <a:ext uri="{9D8B030D-6E8A-4147-A177-3AD203B41FA5}">
+                      <a16:colId xmlns:a16="http://schemas.microsoft.com/office/drawing/2014/main" val="1403007596"/>
+                    </a:ext>
+                  </a:extLst>
+                </a:gridCol>
+                <a:gridCol w="1458533">
+                  <a:extLst>
+                    <a:ext uri="{9D8B030D-6E8A-4147-A177-3AD203B41FA5}">
+                      <a16:colId xmlns:a16="http://schemas.microsoft.com/office/drawing/2014/main" val="2720054862"/>
+                    </a:ext>
+                  </a:extLst>
+                </a:gridCol>
+                <a:gridCol w="1458533">
+                  <a:extLst>
+                    <a:ext uri="{9D8B030D-6E8A-4147-A177-3AD203B41FA5}">
+                      <a16:colId xmlns:a16="http://schemas.microsoft.com/office/drawing/2014/main" val="179345016"/>
+                    </a:ext>
+                  </a:extLst>
+                </a:gridCol>
+              </a:tblGrid>
+              <a:tr h="450947">
+                <a:tc>
+                  <a:txBody>
+                    <a:bodyPr/>
+                    <a:lstStyle/>
+                    <a:p>
+                      <a:r>
+                        <a:rPr lang="en-GB" sz="1200" dirty="0">
+                          <a:latin typeface="DejaVu Sans Book" panose="020B0603030804020204" pitchFamily="34" charset="0"/>
+                          <a:ea typeface="DejaVu Sans Book" panose="020B0603030804020204" pitchFamily="34" charset="0"/>
+                          <a:cs typeface="DejaVu Sans Book" panose="020B0603030804020204" pitchFamily="34" charset="0"/>
+                        </a:rPr>
+                        <a:t>Unit</a:t>
+                      </a:r>
+                    </a:p>
+                  </a:txBody>
+                  <a:tcPr/>
+                </a:tc>
+                <a:tc>
+                  <a:txBody>
+                    <a:bodyPr/>
+                    <a:lstStyle/>
+                    <a:p>
+                      <a:r>
+                        <a:rPr lang="en-GB" sz="1200" dirty="0">
+                          <a:latin typeface="DejaVu Sans Book" panose="020B0603030804020204" pitchFamily="34" charset="0"/>
+                          <a:ea typeface="DejaVu Sans Book" panose="020B0603030804020204" pitchFamily="34" charset="0"/>
+                          <a:cs typeface="DejaVu Sans Book" panose="020B0603030804020204" pitchFamily="34" charset="0"/>
+                        </a:rPr>
+                        <a:t>Case</a:t>
+                      </a:r>
+                    </a:p>
+                  </a:txBody>
+                  <a:tcPr/>
+                </a:tc>
+                <a:tc>
+                  <a:txBody>
+                    <a:bodyPr/>
+                    <a:lstStyle/>
+                    <a:p>
+                      <a:r>
+                        <a:rPr lang="en-GB" sz="1200" dirty="0">
+                          <a:latin typeface="DejaVu Sans Book" panose="020B0603030804020204" pitchFamily="34" charset="0"/>
+                          <a:ea typeface="DejaVu Sans Book" panose="020B0603030804020204" pitchFamily="34" charset="0"/>
+                          <a:cs typeface="DejaVu Sans Book" panose="020B0603030804020204" pitchFamily="34" charset="0"/>
+                        </a:rPr>
+                        <a:t>Expected output</a:t>
+                      </a:r>
+                    </a:p>
+                  </a:txBody>
+                  <a:tcPr/>
+                </a:tc>
+                <a:tc>
+                  <a:txBody>
+                    <a:bodyPr/>
+                    <a:lstStyle/>
+                    <a:p>
+                      <a:r>
+                        <a:rPr lang="en-GB" sz="1200" dirty="0">
+                          <a:latin typeface="DejaVu Sans Book" panose="020B0603030804020204" pitchFamily="34" charset="0"/>
+                          <a:ea typeface="DejaVu Sans Book" panose="020B0603030804020204" pitchFamily="34" charset="0"/>
+                          <a:cs typeface="DejaVu Sans Book" panose="020B0603030804020204" pitchFamily="34" charset="0"/>
+                        </a:rPr>
+                        <a:t>Comment</a:t>
+                      </a:r>
+                    </a:p>
+                  </a:txBody>
+                  <a:tcPr/>
+                </a:tc>
+                <a:extLst>
+                  <a:ext uri="{0D108BD9-81ED-4DB2-BD59-A6C34878D82A}">
+                    <a16:rowId xmlns:a16="http://schemas.microsoft.com/office/drawing/2014/main" val="2286388441"/>
+                  </a:ext>
+                </a:extLst>
+              </a:tr>
+              <a:tr h="272719">
+                <a:tc>
+                  <a:txBody>
+                    <a:bodyPr/>
+                    <a:lstStyle/>
+                    <a:p>
+                      <a:r>
+                        <a:rPr lang="en-GB" sz="1200" dirty="0">
+                          <a:latin typeface="DejaVu Sans Book" panose="020B0603030804020204" pitchFamily="34" charset="0"/>
+                          <a:ea typeface="DejaVu Sans Book" panose="020B0603030804020204" pitchFamily="34" charset="0"/>
+                          <a:cs typeface="DejaVu Sans Book" panose="020B0603030804020204" pitchFamily="34" charset="0"/>
+                        </a:rPr>
+                        <a:t>dec2bin n</a:t>
+                      </a:r>
+                    </a:p>
+                  </a:txBody>
+                  <a:tcPr/>
+                </a:tc>
+                <a:tc>
+                  <a:txBody>
+                    <a:bodyPr/>
+                    <a:lstStyle/>
+                    <a:p>
+                      <a:pPr marL="0" marR="0" lvl="0" indent="0" algn="l" defTabSz="914400" rtl="0" eaLnBrk="1" fontAlgn="auto" latinLnBrk="0" hangingPunct="1">
+                        <a:lnSpc>
+                          <a:spcPct val="100000"/>
+                        </a:lnSpc>
+                        <a:spcBef>
+                          <a:spcPts val="0"/>
+                        </a:spcBef>
+                        <a:spcAft>
+                          <a:spcPts val="0"/>
+                        </a:spcAft>
+                        <a:buClrTx/>
+                        <a:buSzTx/>
+                        <a:buFontTx/>
+                        <a:buNone/>
+                        <a:tabLst/>
+                        <a:defRPr/>
+                      </a:pPr>
+                      <a:r>
+                        <a:rPr lang="en-GB" sz="1200" dirty="0">
+                          <a:latin typeface="DejaVu Sans Book" panose="020B0603030804020204" pitchFamily="34" charset="0"/>
+                          <a:ea typeface="DejaVu Sans Book" panose="020B0603030804020204" pitchFamily="34" charset="0"/>
+                          <a:cs typeface="DejaVu Sans Book" panose="020B0603030804020204" pitchFamily="34" charset="0"/>
+                        </a:rPr>
+                        <a:t>n &lt; 0</a:t>
+                      </a:r>
+                    </a:p>
+                  </a:txBody>
+                  <a:tcPr/>
+                </a:tc>
+                <a:tc>
+                  <a:txBody>
+                    <a:bodyPr/>
+                    <a:lstStyle/>
+                    <a:p>
+                      <a:pPr marL="0" marR="0" lvl="0" indent="0" algn="l" defTabSz="914400" rtl="0" eaLnBrk="1" fontAlgn="auto" latinLnBrk="0" hangingPunct="1">
+                        <a:lnSpc>
+                          <a:spcPct val="100000"/>
+                        </a:lnSpc>
+                        <a:spcBef>
+                          <a:spcPts val="0"/>
+                        </a:spcBef>
+                        <a:spcAft>
+                          <a:spcPts val="0"/>
+                        </a:spcAft>
+                        <a:buClrTx/>
+                        <a:buSzTx/>
+                        <a:buFontTx/>
+                        <a:buNone/>
+                        <a:tabLst/>
+                        <a:defRPr/>
+                      </a:pPr>
+                      <a:r>
+                        <a:rPr lang="en-GB" sz="1200" dirty="0">
+                          <a:latin typeface="DejaVu Sans Book" panose="020B0603030804020204" pitchFamily="34" charset="0"/>
+                          <a:ea typeface="DejaVu Sans Book" panose="020B0603030804020204" pitchFamily="34" charset="0"/>
+                          <a:cs typeface="DejaVu Sans Book" panose="020B0603030804020204" pitchFamily="34" charset="0"/>
+                        </a:rPr>
+                        <a:t>"Illegal value"</a:t>
+                      </a:r>
+                    </a:p>
+                  </a:txBody>
+                  <a:tcPr/>
+                </a:tc>
+                <a:tc>
+                  <a:txBody>
+                    <a:bodyPr/>
+                    <a:lstStyle/>
+                    <a:p>
+                      <a:r>
+                        <a:rPr lang="en-GB" sz="1200" dirty="0">
+                          <a:latin typeface="DejaVu Sans Book" panose="020B0603030804020204" pitchFamily="34" charset="0"/>
+                          <a:ea typeface="DejaVu Sans Book" panose="020B0603030804020204" pitchFamily="34" charset="0"/>
+                          <a:cs typeface="DejaVu Sans Book" panose="020B0603030804020204" pitchFamily="34" charset="0"/>
+                        </a:rPr>
+                        <a:t>negative </a:t>
+                      </a:r>
+                      <a:r>
+                        <a:rPr lang="en-GB" sz="1200" dirty="0" err="1">
+                          <a:latin typeface="DejaVu Sans Book" panose="020B0603030804020204" pitchFamily="34" charset="0"/>
+                          <a:ea typeface="DejaVu Sans Book" panose="020B0603030804020204" pitchFamily="34" charset="0"/>
+                          <a:cs typeface="DejaVu Sans Book" panose="020B0603030804020204" pitchFamily="34" charset="0"/>
+                        </a:rPr>
+                        <a:t>tal</a:t>
+                      </a:r>
+                      <a:endParaRPr lang="en-GB" sz="1200" dirty="0">
+                        <a:latin typeface="DejaVu Sans Book" panose="020B0603030804020204" pitchFamily="34" charset="0"/>
+                        <a:ea typeface="DejaVu Sans Book" panose="020B0603030804020204" pitchFamily="34" charset="0"/>
+                        <a:cs typeface="DejaVu Sans Book" panose="020B0603030804020204" pitchFamily="34" charset="0"/>
+                      </a:endParaRPr>
+                    </a:p>
+                  </a:txBody>
+                  <a:tcPr/>
+                </a:tc>
+                <a:extLst>
+                  <a:ext uri="{0D108BD9-81ED-4DB2-BD59-A6C34878D82A}">
+                    <a16:rowId xmlns:a16="http://schemas.microsoft.com/office/drawing/2014/main" val="1367185139"/>
+                  </a:ext>
+                </a:extLst>
+              </a:tr>
+              <a:tr h="272719">
+                <a:tc>
+                  <a:txBody>
+                    <a:bodyPr/>
+                    <a:lstStyle/>
+                    <a:p>
+                      <a:endParaRPr lang="en-GB" sz="1200" dirty="0">
+                        <a:latin typeface="DejaVu Sans Book" panose="020B0603030804020204" pitchFamily="34" charset="0"/>
+                        <a:ea typeface="DejaVu Sans Book" panose="020B0603030804020204" pitchFamily="34" charset="0"/>
+                        <a:cs typeface="DejaVu Sans Book" panose="020B0603030804020204" pitchFamily="34" charset="0"/>
+                      </a:endParaRPr>
+                    </a:p>
+                  </a:txBody>
+                  <a:tcPr/>
+                </a:tc>
+                <a:tc>
+                  <a:txBody>
+                    <a:bodyPr/>
+                    <a:lstStyle/>
+                    <a:p>
+                      <a:r>
+                        <a:rPr lang="en-GB" sz="1200" dirty="0">
+                          <a:latin typeface="DejaVu Sans Book" panose="020B0603030804020204" pitchFamily="34" charset="0"/>
+                          <a:ea typeface="DejaVu Sans Book" panose="020B0603030804020204" pitchFamily="34" charset="0"/>
+                          <a:cs typeface="DejaVu Sans Book" panose="020B0603030804020204" pitchFamily="34" charset="0"/>
+                        </a:rPr>
+                        <a:t>n = 0</a:t>
+                      </a:r>
+                    </a:p>
+                  </a:txBody>
+                  <a:tcPr/>
+                </a:tc>
+                <a:tc>
+                  <a:txBody>
+                    <a:bodyPr/>
+                    <a:lstStyle/>
+                    <a:p>
+                      <a:pPr marL="0" marR="0" lvl="0" indent="0" algn="l" defTabSz="914400" rtl="0" eaLnBrk="1" fontAlgn="auto" latinLnBrk="0" hangingPunct="1">
+                        <a:lnSpc>
+                          <a:spcPct val="100000"/>
+                        </a:lnSpc>
+                        <a:spcBef>
+                          <a:spcPts val="0"/>
+                        </a:spcBef>
+                        <a:spcAft>
+                          <a:spcPts val="0"/>
+                        </a:spcAft>
+                        <a:buClrTx/>
+                        <a:buSzTx/>
+                        <a:buFontTx/>
+                        <a:buNone/>
+                        <a:tabLst/>
+                        <a:defRPr/>
+                      </a:pPr>
+                      <a:r>
+                        <a:rPr lang="en-GB" sz="1200" dirty="0">
+                          <a:latin typeface="DejaVu Sans Book" panose="020B0603030804020204" pitchFamily="34" charset="0"/>
+                          <a:ea typeface="DejaVu Sans Book" panose="020B0603030804020204" pitchFamily="34" charset="0"/>
+                          <a:cs typeface="DejaVu Sans Book" panose="020B0603030804020204" pitchFamily="34" charset="0"/>
+                        </a:rPr>
+                        <a:t>"0b0"</a:t>
+                      </a:r>
+                    </a:p>
+                  </a:txBody>
+                  <a:tcPr/>
+                </a:tc>
+                <a:tc>
+                  <a:txBody>
+                    <a:bodyPr/>
+                    <a:lstStyle/>
+                    <a:p>
+                      <a:r>
+                        <a:rPr lang="en-GB" sz="1200" dirty="0" err="1">
+                          <a:latin typeface="DejaVu Sans Book" panose="020B0603030804020204" pitchFamily="34" charset="0"/>
+                          <a:ea typeface="DejaVu Sans Book" panose="020B0603030804020204" pitchFamily="34" charset="0"/>
+                          <a:cs typeface="DejaVu Sans Book" panose="020B0603030804020204" pitchFamily="34" charset="0"/>
+                        </a:rPr>
+                        <a:t>grænsetilfælde</a:t>
+                      </a:r>
+                      <a:endParaRPr lang="en-GB" sz="1200" dirty="0">
+                        <a:latin typeface="DejaVu Sans Book" panose="020B0603030804020204" pitchFamily="34" charset="0"/>
+                        <a:ea typeface="DejaVu Sans Book" panose="020B0603030804020204" pitchFamily="34" charset="0"/>
+                        <a:cs typeface="DejaVu Sans Book" panose="020B0603030804020204" pitchFamily="34" charset="0"/>
+                      </a:endParaRPr>
+                    </a:p>
+                  </a:txBody>
+                  <a:tcPr/>
+                </a:tc>
+                <a:extLst>
+                  <a:ext uri="{0D108BD9-81ED-4DB2-BD59-A6C34878D82A}">
+                    <a16:rowId xmlns:a16="http://schemas.microsoft.com/office/drawing/2014/main" val="833342341"/>
+                  </a:ext>
+                </a:extLst>
+              </a:tr>
+              <a:tr h="272719">
+                <a:tc>
+                  <a:txBody>
+                    <a:bodyPr/>
+                    <a:lstStyle/>
+                    <a:p>
+                      <a:endParaRPr lang="en-GB" sz="1200" dirty="0">
+                        <a:latin typeface="DejaVu Sans Book" panose="020B0603030804020204" pitchFamily="34" charset="0"/>
+                        <a:ea typeface="DejaVu Sans Book" panose="020B0603030804020204" pitchFamily="34" charset="0"/>
+                        <a:cs typeface="DejaVu Sans Book" panose="020B0603030804020204" pitchFamily="34" charset="0"/>
+                      </a:endParaRPr>
+                    </a:p>
+                  </a:txBody>
+                  <a:tcPr/>
+                </a:tc>
+                <a:tc>
+                  <a:txBody>
+                    <a:bodyPr/>
+                    <a:lstStyle/>
+                    <a:p>
+                      <a:r>
+                        <a:rPr lang="en-GB" sz="1200" dirty="0">
+                          <a:latin typeface="DejaVu Sans Book" panose="020B0603030804020204" pitchFamily="34" charset="0"/>
+                          <a:ea typeface="DejaVu Sans Book" panose="020B0603030804020204" pitchFamily="34" charset="0"/>
+                          <a:cs typeface="DejaVu Sans Book" panose="020B0603030804020204" pitchFamily="34" charset="0"/>
+                        </a:rPr>
+                        <a:t>n = 1</a:t>
+                      </a:r>
+                    </a:p>
+                  </a:txBody>
+                  <a:tcPr/>
+                </a:tc>
+                <a:tc>
+                  <a:txBody>
+                    <a:bodyPr/>
+                    <a:lstStyle/>
+                    <a:p>
+                      <a:pPr marL="0" marR="0" lvl="0" indent="0" algn="l" defTabSz="914400" rtl="0" eaLnBrk="1" fontAlgn="auto" latinLnBrk="0" hangingPunct="1">
+                        <a:lnSpc>
+                          <a:spcPct val="100000"/>
+                        </a:lnSpc>
+                        <a:spcBef>
+                          <a:spcPts val="0"/>
+                        </a:spcBef>
+                        <a:spcAft>
+                          <a:spcPts val="0"/>
+                        </a:spcAft>
+                        <a:buClrTx/>
+                        <a:buSzTx/>
+                        <a:buFontTx/>
+                        <a:buNone/>
+                        <a:tabLst/>
+                        <a:defRPr/>
+                      </a:pPr>
+                      <a:r>
+                        <a:rPr lang="en-GB" sz="1200" dirty="0">
+                          <a:latin typeface="DejaVu Sans Book" panose="020B0603030804020204" pitchFamily="34" charset="0"/>
+                          <a:ea typeface="DejaVu Sans Book" panose="020B0603030804020204" pitchFamily="34" charset="0"/>
+                          <a:cs typeface="DejaVu Sans Book" panose="020B0603030804020204" pitchFamily="34" charset="0"/>
+                        </a:rPr>
+                        <a:t>"0b1"</a:t>
+                      </a:r>
+                    </a:p>
+                  </a:txBody>
+                  <a:tcPr/>
+                </a:tc>
+                <a:tc>
+                  <a:txBody>
+                    <a:bodyPr/>
+                    <a:lstStyle/>
+                    <a:p>
+                      <a:pPr marL="0" marR="0" lvl="0" indent="0" algn="l" defTabSz="914400" rtl="0" eaLnBrk="1" fontAlgn="auto" latinLnBrk="0" hangingPunct="1">
+                        <a:lnSpc>
+                          <a:spcPct val="100000"/>
+                        </a:lnSpc>
+                        <a:spcBef>
+                          <a:spcPts val="0"/>
+                        </a:spcBef>
+                        <a:spcAft>
+                          <a:spcPts val="0"/>
+                        </a:spcAft>
+                        <a:buClrTx/>
+                        <a:buSzTx/>
+                        <a:buFontTx/>
+                        <a:buNone/>
+                        <a:tabLst/>
+                        <a:defRPr/>
+                      </a:pPr>
+                      <a:r>
+                        <a:rPr lang="en-GB" sz="1200" dirty="0">
+                          <a:latin typeface="DejaVu Sans Book" panose="020B0603030804020204" pitchFamily="34" charset="0"/>
+                          <a:ea typeface="DejaVu Sans Book" panose="020B0603030804020204" pitchFamily="34" charset="0"/>
+                          <a:cs typeface="DejaVu Sans Book" panose="020B0603030804020204" pitchFamily="34" charset="0"/>
+                        </a:rPr>
+                        <a:t>1 bit</a:t>
+                      </a:r>
+                    </a:p>
+                  </a:txBody>
+                  <a:tcPr/>
+                </a:tc>
+                <a:extLst>
+                  <a:ext uri="{0D108BD9-81ED-4DB2-BD59-A6C34878D82A}">
+                    <a16:rowId xmlns:a16="http://schemas.microsoft.com/office/drawing/2014/main" val="410681418"/>
+                  </a:ext>
+                </a:extLst>
+              </a:tr>
+              <a:tr h="272719">
+                <a:tc>
+                  <a:txBody>
+                    <a:bodyPr/>
+                    <a:lstStyle/>
+                    <a:p>
+                      <a:endParaRPr lang="en-GB" sz="1200" dirty="0">
+                        <a:latin typeface="DejaVu Sans Book" panose="020B0603030804020204" pitchFamily="34" charset="0"/>
+                        <a:ea typeface="DejaVu Sans Book" panose="020B0603030804020204" pitchFamily="34" charset="0"/>
+                        <a:cs typeface="DejaVu Sans Book" panose="020B0603030804020204" pitchFamily="34" charset="0"/>
+                      </a:endParaRPr>
+                    </a:p>
+                  </a:txBody>
+                  <a:tcPr/>
+                </a:tc>
+                <a:tc>
+                  <a:txBody>
+                    <a:bodyPr/>
+                    <a:lstStyle/>
+                    <a:p>
+                      <a:r>
+                        <a:rPr lang="en-GB" sz="1200" dirty="0">
+                          <a:latin typeface="DejaVu Sans Book" panose="020B0603030804020204" pitchFamily="34" charset="0"/>
+                          <a:ea typeface="DejaVu Sans Book" panose="020B0603030804020204" pitchFamily="34" charset="0"/>
+                          <a:cs typeface="DejaVu Sans Book" panose="020B0603030804020204" pitchFamily="34" charset="0"/>
+                        </a:rPr>
+                        <a:t>n = 2</a:t>
+                      </a:r>
+                    </a:p>
+                  </a:txBody>
+                  <a:tcPr/>
+                </a:tc>
+                <a:tc>
+                  <a:txBody>
+                    <a:bodyPr/>
+                    <a:lstStyle/>
+                    <a:p>
+                      <a:pPr marL="0" marR="0" lvl="0" indent="0" algn="l" defTabSz="914400" rtl="0" eaLnBrk="1" fontAlgn="auto" latinLnBrk="0" hangingPunct="1">
+                        <a:lnSpc>
+                          <a:spcPct val="100000"/>
+                        </a:lnSpc>
+                        <a:spcBef>
+                          <a:spcPts val="0"/>
+                        </a:spcBef>
+                        <a:spcAft>
+                          <a:spcPts val="0"/>
+                        </a:spcAft>
+                        <a:buClrTx/>
+                        <a:buSzTx/>
+                        <a:buFontTx/>
+                        <a:buNone/>
+                        <a:tabLst/>
+                        <a:defRPr/>
+                      </a:pPr>
+                      <a:r>
+                        <a:rPr lang="en-GB" sz="1200" dirty="0">
+                          <a:latin typeface="DejaVu Sans Book" panose="020B0603030804020204" pitchFamily="34" charset="0"/>
+                          <a:ea typeface="DejaVu Sans Book" panose="020B0603030804020204" pitchFamily="34" charset="0"/>
+                          <a:cs typeface="DejaVu Sans Book" panose="020B0603030804020204" pitchFamily="34" charset="0"/>
+                        </a:rPr>
+                        <a:t>"0b10"</a:t>
+                      </a:r>
+                    </a:p>
+                  </a:txBody>
+                  <a:tcPr/>
+                </a:tc>
+                <a:tc>
+                  <a:txBody>
+                    <a:bodyPr/>
+                    <a:lstStyle/>
+                    <a:p>
+                      <a:r>
+                        <a:rPr lang="en-GB" sz="1200" dirty="0">
+                          <a:latin typeface="DejaVu Sans Book" panose="020B0603030804020204" pitchFamily="34" charset="0"/>
+                          <a:ea typeface="DejaVu Sans Book" panose="020B0603030804020204" pitchFamily="34" charset="0"/>
+                          <a:cs typeface="DejaVu Sans Book" panose="020B0603030804020204" pitchFamily="34" charset="0"/>
+                        </a:rPr>
+                        <a:t>2 bit</a:t>
+                      </a:r>
+                    </a:p>
+                  </a:txBody>
+                  <a:tcPr/>
+                </a:tc>
+                <a:extLst>
+                  <a:ext uri="{0D108BD9-81ED-4DB2-BD59-A6C34878D82A}">
+                    <a16:rowId xmlns:a16="http://schemas.microsoft.com/office/drawing/2014/main" val="2724263722"/>
+                  </a:ext>
+                </a:extLst>
+              </a:tr>
+              <a:tr h="636346">
+                <a:tc>
+                  <a:txBody>
+                    <a:bodyPr/>
+                    <a:lstStyle/>
+                    <a:p>
+                      <a:endParaRPr lang="en-GB" sz="1200">
+                        <a:latin typeface="DejaVu Sans Book" panose="020B0603030804020204" pitchFamily="34" charset="0"/>
+                        <a:ea typeface="DejaVu Sans Book" panose="020B0603030804020204" pitchFamily="34" charset="0"/>
+                        <a:cs typeface="DejaVu Sans Book" panose="020B0603030804020204" pitchFamily="34" charset="0"/>
+                      </a:endParaRPr>
+                    </a:p>
+                  </a:txBody>
+                  <a:tcPr/>
+                </a:tc>
+                <a:tc>
+                  <a:txBody>
+                    <a:bodyPr/>
+                    <a:lstStyle/>
+                    <a:p>
+                      <a:pPr marL="0" marR="0" lvl="0" indent="0" algn="l" defTabSz="914400" rtl="0" eaLnBrk="1" fontAlgn="auto" latinLnBrk="0" hangingPunct="1">
+                        <a:lnSpc>
+                          <a:spcPct val="100000"/>
+                        </a:lnSpc>
+                        <a:spcBef>
+                          <a:spcPts val="0"/>
+                        </a:spcBef>
+                        <a:spcAft>
+                          <a:spcPts val="0"/>
+                        </a:spcAft>
+                        <a:buClrTx/>
+                        <a:buSzTx/>
+                        <a:buFontTx/>
+                        <a:buNone/>
+                        <a:tabLst/>
+                        <a:defRPr/>
+                      </a:pPr>
+                      <a:r>
+                        <a:rPr lang="en-GB" sz="1200" dirty="0">
+                          <a:latin typeface="DejaVu Sans Book" panose="020B0603030804020204" pitchFamily="34" charset="0"/>
+                          <a:ea typeface="DejaVu Sans Book" panose="020B0603030804020204" pitchFamily="34" charset="0"/>
+                          <a:cs typeface="DejaVu Sans Book" panose="020B0603030804020204" pitchFamily="34" charset="0"/>
+                        </a:rPr>
+                        <a:t>n = 10</a:t>
+                      </a:r>
+                    </a:p>
+                  </a:txBody>
+                  <a:tcPr/>
+                </a:tc>
+                <a:tc>
+                  <a:txBody>
+                    <a:bodyPr/>
+                    <a:lstStyle/>
+                    <a:p>
+                      <a:r>
+                        <a:rPr lang="en-GB" sz="1200" dirty="0">
+                          <a:latin typeface="DejaVu Sans Book" panose="020B0603030804020204" pitchFamily="34" charset="0"/>
+                          <a:ea typeface="DejaVu Sans Book" panose="020B0603030804020204" pitchFamily="34" charset="0"/>
+                          <a:cs typeface="DejaVu Sans Book" panose="020B0603030804020204" pitchFamily="34" charset="0"/>
+                        </a:rPr>
+                        <a:t>"0b1010"</a:t>
+                      </a:r>
+                    </a:p>
+                  </a:txBody>
+                  <a:tcPr/>
+                </a:tc>
+                <a:tc>
+                  <a:txBody>
+                    <a:bodyPr/>
+                    <a:lstStyle/>
+                    <a:p>
+                      <a:r>
+                        <a:rPr lang="en-GB" sz="1200" dirty="0" err="1">
+                          <a:latin typeface="DejaVu Sans Book" panose="020B0603030804020204" pitchFamily="34" charset="0"/>
+                          <a:ea typeface="DejaVu Sans Book" panose="020B0603030804020204" pitchFamily="34" charset="0"/>
+                          <a:cs typeface="DejaVu Sans Book" panose="020B0603030804020204" pitchFamily="34" charset="0"/>
+                        </a:rPr>
+                        <a:t>stort</a:t>
+                      </a:r>
+                      <a:r>
+                        <a:rPr lang="en-GB" sz="1200" dirty="0">
+                          <a:latin typeface="DejaVu Sans Book" panose="020B0603030804020204" pitchFamily="34" charset="0"/>
+                          <a:ea typeface="DejaVu Sans Book" panose="020B0603030804020204" pitchFamily="34" charset="0"/>
+                          <a:cs typeface="DejaVu Sans Book" panose="020B0603030804020204" pitchFamily="34" charset="0"/>
+                        </a:rPr>
+                        <a:t> </a:t>
+                      </a:r>
+                      <a:r>
+                        <a:rPr lang="en-GB" sz="1200" dirty="0" err="1">
+                          <a:latin typeface="DejaVu Sans Book" panose="020B0603030804020204" pitchFamily="34" charset="0"/>
+                          <a:ea typeface="DejaVu Sans Book" panose="020B0603030804020204" pitchFamily="34" charset="0"/>
+                          <a:cs typeface="DejaVu Sans Book" panose="020B0603030804020204" pitchFamily="34" charset="0"/>
+                        </a:rPr>
+                        <a:t>lige</a:t>
+                      </a:r>
+                      <a:r>
+                        <a:rPr lang="en-GB" sz="1200" dirty="0">
+                          <a:latin typeface="DejaVu Sans Book" panose="020B0603030804020204" pitchFamily="34" charset="0"/>
+                          <a:ea typeface="DejaVu Sans Book" panose="020B0603030804020204" pitchFamily="34" charset="0"/>
+                          <a:cs typeface="DejaVu Sans Book" panose="020B0603030804020204" pitchFamily="34" charset="0"/>
+                        </a:rPr>
+                        <a:t> </a:t>
+                      </a:r>
+                      <a:r>
+                        <a:rPr lang="en-GB" sz="1200" dirty="0" err="1">
+                          <a:latin typeface="DejaVu Sans Book" panose="020B0603030804020204" pitchFamily="34" charset="0"/>
+                          <a:ea typeface="DejaVu Sans Book" panose="020B0603030804020204" pitchFamily="34" charset="0"/>
+                          <a:cs typeface="DejaVu Sans Book" panose="020B0603030804020204" pitchFamily="34" charset="0"/>
+                        </a:rPr>
+                        <a:t>tal</a:t>
+                      </a:r>
+                      <a:r>
+                        <a:rPr lang="en-GB" sz="1200" dirty="0">
+                          <a:latin typeface="DejaVu Sans Book" panose="020B0603030804020204" pitchFamily="34" charset="0"/>
+                          <a:ea typeface="DejaVu Sans Book" panose="020B0603030804020204" pitchFamily="34" charset="0"/>
+                          <a:cs typeface="DejaVu Sans Book" panose="020B0603030804020204" pitchFamily="34" charset="0"/>
+                        </a:rPr>
+                        <a:t> (</a:t>
+                      </a:r>
+                      <a:r>
+                        <a:rPr lang="en-GB" sz="1200" dirty="0" err="1">
+                          <a:latin typeface="DejaVu Sans Book" panose="020B0603030804020204" pitchFamily="34" charset="0"/>
+                          <a:ea typeface="DejaVu Sans Book" panose="020B0603030804020204" pitchFamily="34" charset="0"/>
+                          <a:cs typeface="DejaVu Sans Book" panose="020B0603030804020204" pitchFamily="34" charset="0"/>
+                        </a:rPr>
+                        <a:t>venstre</a:t>
+                      </a:r>
+                      <a:r>
+                        <a:rPr lang="en-GB" sz="1200" dirty="0">
+                          <a:latin typeface="DejaVu Sans Book" panose="020B0603030804020204" pitchFamily="34" charset="0"/>
+                          <a:ea typeface="DejaVu Sans Book" panose="020B0603030804020204" pitchFamily="34" charset="0"/>
+                          <a:cs typeface="DejaVu Sans Book" panose="020B0603030804020204" pitchFamily="34" charset="0"/>
+                        </a:rPr>
+                        <a:t> bit sat min </a:t>
+                      </a:r>
+                      <a:r>
+                        <a:rPr lang="en-GB" sz="1200" dirty="0" err="1">
+                          <a:latin typeface="DejaVu Sans Book" panose="020B0603030804020204" pitchFamily="34" charset="0"/>
+                          <a:ea typeface="DejaVu Sans Book" panose="020B0603030804020204" pitchFamily="34" charset="0"/>
+                          <a:cs typeface="DejaVu Sans Book" panose="020B0603030804020204" pitchFamily="34" charset="0"/>
+                        </a:rPr>
+                        <a:t>ikke</a:t>
+                      </a:r>
+                      <a:r>
+                        <a:rPr lang="en-GB" sz="1200" dirty="0">
+                          <a:latin typeface="DejaVu Sans Book" panose="020B0603030804020204" pitchFamily="34" charset="0"/>
+                          <a:ea typeface="DejaVu Sans Book" panose="020B0603030804020204" pitchFamily="34" charset="0"/>
+                          <a:cs typeface="DejaVu Sans Book" panose="020B0603030804020204" pitchFamily="34" charset="0"/>
+                        </a:rPr>
+                        <a:t> </a:t>
+                      </a:r>
+                      <a:r>
+                        <a:rPr lang="en-GB" sz="1200" dirty="0" err="1">
+                          <a:latin typeface="DejaVu Sans Book" panose="020B0603030804020204" pitchFamily="34" charset="0"/>
+                          <a:ea typeface="DejaVu Sans Book" panose="020B0603030804020204" pitchFamily="34" charset="0"/>
+                          <a:cs typeface="DejaVu Sans Book" panose="020B0603030804020204" pitchFamily="34" charset="0"/>
+                        </a:rPr>
+                        <a:t>højre</a:t>
+                      </a:r>
+                      <a:r>
+                        <a:rPr lang="en-GB" sz="1200" dirty="0">
+                          <a:latin typeface="DejaVu Sans Book" panose="020B0603030804020204" pitchFamily="34" charset="0"/>
+                          <a:ea typeface="DejaVu Sans Book" panose="020B0603030804020204" pitchFamily="34" charset="0"/>
+                          <a:cs typeface="DejaVu Sans Book" panose="020B0603030804020204" pitchFamily="34" charset="0"/>
+                        </a:rPr>
+                        <a:t>)</a:t>
+                      </a:r>
+                    </a:p>
+                  </a:txBody>
+                  <a:tcPr/>
+                </a:tc>
+                <a:extLst>
+                  <a:ext uri="{0D108BD9-81ED-4DB2-BD59-A6C34878D82A}">
+                    <a16:rowId xmlns:a16="http://schemas.microsoft.com/office/drawing/2014/main" val="3655394169"/>
+                  </a:ext>
+                </a:extLst>
+              </a:tr>
+              <a:tr h="636346">
+                <a:tc>
+                  <a:txBody>
+                    <a:bodyPr/>
+                    <a:lstStyle/>
+                    <a:p>
+                      <a:endParaRPr lang="en-GB" sz="1200" dirty="0">
+                        <a:latin typeface="DejaVu Sans Book" panose="020B0603030804020204" pitchFamily="34" charset="0"/>
+                        <a:ea typeface="DejaVu Sans Book" panose="020B0603030804020204" pitchFamily="34" charset="0"/>
+                        <a:cs typeface="DejaVu Sans Book" panose="020B0603030804020204" pitchFamily="34" charset="0"/>
+                      </a:endParaRPr>
+                    </a:p>
+                  </a:txBody>
+                  <a:tcPr/>
+                </a:tc>
+                <a:tc>
+                  <a:txBody>
+                    <a:bodyPr/>
+                    <a:lstStyle/>
+                    <a:p>
+                      <a:r>
+                        <a:rPr lang="en-GB" sz="1200" dirty="0">
+                          <a:latin typeface="DejaVu Sans Book" panose="020B0603030804020204" pitchFamily="34" charset="0"/>
+                          <a:ea typeface="DejaVu Sans Book" panose="020B0603030804020204" pitchFamily="34" charset="0"/>
+                          <a:cs typeface="DejaVu Sans Book" panose="020B0603030804020204" pitchFamily="34" charset="0"/>
+                        </a:rPr>
+                        <a:t>n = 11</a:t>
+                      </a:r>
+                    </a:p>
+                  </a:txBody>
+                  <a:tcPr/>
+                </a:tc>
+                <a:tc>
+                  <a:txBody>
+                    <a:bodyPr/>
+                    <a:lstStyle/>
+                    <a:p>
+                      <a:pPr marL="0" marR="0" lvl="0" indent="0" algn="l" defTabSz="914400" rtl="0" eaLnBrk="1" fontAlgn="auto" latinLnBrk="0" hangingPunct="1">
+                        <a:lnSpc>
+                          <a:spcPct val="100000"/>
+                        </a:lnSpc>
+                        <a:spcBef>
+                          <a:spcPts val="0"/>
+                        </a:spcBef>
+                        <a:spcAft>
+                          <a:spcPts val="0"/>
+                        </a:spcAft>
+                        <a:buClrTx/>
+                        <a:buSzTx/>
+                        <a:buFontTx/>
+                        <a:buNone/>
+                        <a:tabLst/>
+                        <a:defRPr/>
+                      </a:pPr>
+                      <a:r>
+                        <a:rPr lang="en-GB" sz="1200" dirty="0">
+                          <a:latin typeface="DejaVu Sans Book" panose="020B0603030804020204" pitchFamily="34" charset="0"/>
+                          <a:ea typeface="DejaVu Sans Book" panose="020B0603030804020204" pitchFamily="34" charset="0"/>
+                          <a:cs typeface="DejaVu Sans Book" panose="020B0603030804020204" pitchFamily="34" charset="0"/>
+                        </a:rPr>
+                        <a:t>"0b1011"</a:t>
+                      </a:r>
+                    </a:p>
+                  </a:txBody>
+                  <a:tcPr/>
+                </a:tc>
+                <a:tc>
+                  <a:txBody>
+                    <a:bodyPr/>
+                    <a:lstStyle/>
+                    <a:p>
+                      <a:pPr marL="0" marR="0" lvl="0" indent="0" algn="l" defTabSz="914400" rtl="0" eaLnBrk="1" fontAlgn="auto" latinLnBrk="0" hangingPunct="1">
+                        <a:lnSpc>
+                          <a:spcPct val="100000"/>
+                        </a:lnSpc>
+                        <a:spcBef>
+                          <a:spcPts val="0"/>
+                        </a:spcBef>
+                        <a:spcAft>
+                          <a:spcPts val="0"/>
+                        </a:spcAft>
+                        <a:buClrTx/>
+                        <a:buSzTx/>
+                        <a:buFontTx/>
+                        <a:buNone/>
+                        <a:tabLst/>
+                        <a:defRPr/>
+                      </a:pPr>
+                      <a:r>
+                        <a:rPr lang="en-GB" sz="1200" dirty="0" err="1">
+                          <a:latin typeface="DejaVu Sans Book" panose="020B0603030804020204" pitchFamily="34" charset="0"/>
+                          <a:ea typeface="DejaVu Sans Book" panose="020B0603030804020204" pitchFamily="34" charset="0"/>
+                          <a:cs typeface="DejaVu Sans Book" panose="020B0603030804020204" pitchFamily="34" charset="0"/>
+                        </a:rPr>
+                        <a:t>stort</a:t>
+                      </a:r>
+                      <a:r>
+                        <a:rPr lang="en-GB" sz="1200" dirty="0">
+                          <a:latin typeface="DejaVu Sans Book" panose="020B0603030804020204" pitchFamily="34" charset="0"/>
+                          <a:ea typeface="DejaVu Sans Book" panose="020B0603030804020204" pitchFamily="34" charset="0"/>
+                          <a:cs typeface="DejaVu Sans Book" panose="020B0603030804020204" pitchFamily="34" charset="0"/>
+                        </a:rPr>
+                        <a:t> </a:t>
+                      </a:r>
+                      <a:r>
+                        <a:rPr lang="en-GB" sz="1200" dirty="0" err="1">
+                          <a:latin typeface="DejaVu Sans Book" panose="020B0603030804020204" pitchFamily="34" charset="0"/>
+                          <a:ea typeface="DejaVu Sans Book" panose="020B0603030804020204" pitchFamily="34" charset="0"/>
+                          <a:cs typeface="DejaVu Sans Book" panose="020B0603030804020204" pitchFamily="34" charset="0"/>
+                        </a:rPr>
+                        <a:t>ulige</a:t>
+                      </a:r>
+                      <a:r>
+                        <a:rPr lang="en-GB" sz="1200" dirty="0">
+                          <a:latin typeface="DejaVu Sans Book" panose="020B0603030804020204" pitchFamily="34" charset="0"/>
+                          <a:ea typeface="DejaVu Sans Book" panose="020B0603030804020204" pitchFamily="34" charset="0"/>
+                          <a:cs typeface="DejaVu Sans Book" panose="020B0603030804020204" pitchFamily="34" charset="0"/>
+                        </a:rPr>
+                        <a:t> </a:t>
+                      </a:r>
+                      <a:r>
+                        <a:rPr lang="en-GB" sz="1200" dirty="0" err="1">
+                          <a:latin typeface="DejaVu Sans Book" panose="020B0603030804020204" pitchFamily="34" charset="0"/>
+                          <a:ea typeface="DejaVu Sans Book" panose="020B0603030804020204" pitchFamily="34" charset="0"/>
+                          <a:cs typeface="DejaVu Sans Book" panose="020B0603030804020204" pitchFamily="34" charset="0"/>
+                        </a:rPr>
+                        <a:t>tal</a:t>
+                      </a:r>
+                      <a:r>
+                        <a:rPr lang="en-GB" sz="1200" dirty="0">
+                          <a:latin typeface="DejaVu Sans Book" panose="020B0603030804020204" pitchFamily="34" charset="0"/>
+                          <a:ea typeface="DejaVu Sans Book" panose="020B0603030804020204" pitchFamily="34" charset="0"/>
+                          <a:cs typeface="DejaVu Sans Book" panose="020B0603030804020204" pitchFamily="34" charset="0"/>
+                        </a:rPr>
+                        <a:t> (</a:t>
+                      </a:r>
+                      <a:r>
+                        <a:rPr lang="en-GB" sz="1200" dirty="0" err="1">
+                          <a:latin typeface="DejaVu Sans Book" panose="020B0603030804020204" pitchFamily="34" charset="0"/>
+                          <a:ea typeface="DejaVu Sans Book" panose="020B0603030804020204" pitchFamily="34" charset="0"/>
+                          <a:cs typeface="DejaVu Sans Book" panose="020B0603030804020204" pitchFamily="34" charset="0"/>
+                        </a:rPr>
+                        <a:t>venstre</a:t>
+                      </a:r>
+                      <a:r>
+                        <a:rPr lang="en-GB" sz="1200" dirty="0">
+                          <a:latin typeface="DejaVu Sans Book" panose="020B0603030804020204" pitchFamily="34" charset="0"/>
+                          <a:ea typeface="DejaVu Sans Book" panose="020B0603030804020204" pitchFamily="34" charset="0"/>
+                          <a:cs typeface="DejaVu Sans Book" panose="020B0603030804020204" pitchFamily="34" charset="0"/>
+                        </a:rPr>
+                        <a:t> </a:t>
+                      </a:r>
+                      <a:r>
+                        <a:rPr lang="en-GB" sz="1200" dirty="0" err="1">
+                          <a:latin typeface="DejaVu Sans Book" panose="020B0603030804020204" pitchFamily="34" charset="0"/>
+                          <a:ea typeface="DejaVu Sans Book" panose="020B0603030804020204" pitchFamily="34" charset="0"/>
+                          <a:cs typeface="DejaVu Sans Book" panose="020B0603030804020204" pitchFamily="34" charset="0"/>
+                        </a:rPr>
+                        <a:t>og</a:t>
+                      </a:r>
+                      <a:r>
+                        <a:rPr lang="en-GB" sz="1200" dirty="0">
+                          <a:latin typeface="DejaVu Sans Book" panose="020B0603030804020204" pitchFamily="34" charset="0"/>
+                          <a:ea typeface="DejaVu Sans Book" panose="020B0603030804020204" pitchFamily="34" charset="0"/>
+                          <a:cs typeface="DejaVu Sans Book" panose="020B0603030804020204" pitchFamily="34" charset="0"/>
+                        </a:rPr>
+                        <a:t> </a:t>
+                      </a:r>
+                      <a:r>
+                        <a:rPr lang="en-GB" sz="1200" dirty="0" err="1">
+                          <a:latin typeface="DejaVu Sans Book" panose="020B0603030804020204" pitchFamily="34" charset="0"/>
+                          <a:ea typeface="DejaVu Sans Book" panose="020B0603030804020204" pitchFamily="34" charset="0"/>
+                          <a:cs typeface="DejaVu Sans Book" panose="020B0603030804020204" pitchFamily="34" charset="0"/>
+                        </a:rPr>
+                        <a:t>højre</a:t>
+                      </a:r>
+                      <a:r>
+                        <a:rPr lang="en-GB" sz="1200" dirty="0">
+                          <a:latin typeface="DejaVu Sans Book" panose="020B0603030804020204" pitchFamily="34" charset="0"/>
+                          <a:ea typeface="DejaVu Sans Book" panose="020B0603030804020204" pitchFamily="34" charset="0"/>
+                          <a:cs typeface="DejaVu Sans Book" panose="020B0603030804020204" pitchFamily="34" charset="0"/>
+                        </a:rPr>
+                        <a:t> bit sat)</a:t>
+                      </a:r>
+                    </a:p>
+                  </a:txBody>
+                  <a:tcPr/>
+                </a:tc>
+                <a:extLst>
+                  <a:ext uri="{0D108BD9-81ED-4DB2-BD59-A6C34878D82A}">
+                    <a16:rowId xmlns:a16="http://schemas.microsoft.com/office/drawing/2014/main" val="3229732226"/>
+                  </a:ext>
+                </a:extLst>
+              </a:tr>
+            </a:tbl>
+          </a:graphicData>
+        </a:graphic>
+      </p:graphicFrame>
+    </p:spTree>
+    <p:extLst>
+      <p:ext uri="{BB962C8B-B14F-4D97-AF65-F5344CB8AC3E}">
+        <p14:creationId xmlns:p14="http://schemas.microsoft.com/office/powerpoint/2010/main" val="3555943588"/>
+      </p:ext>
+    </p:extLst>
+  </p:cSld>
+  <p:clrMapOvr>
+    <a:masterClrMapping/>
+  </p:clrMapOvr>
+  <p:timing>
+    <p:tnLst>
+      <p:par>
+        <p:cTn id="1" dur="indefinite" restart="never" nodeType="tmRoot">
+          <p:childTnLst>
+            <p:seq concurrent="1" nextAc="seek">
+              <p:cTn id="2" dur="indefinite" nodeType="mainSeq">
+                <p:childTnLst>
+                  <p:par>
+                    <p:cTn id="3" fill="hold">
+                      <p:stCondLst>
+                        <p:cond delay="indefinite"/>
+                      </p:stCondLst>
+                      <p:childTnLst>
+                        <p:par>
+                          <p:cTn id="4" fill="hold">
+                            <p:stCondLst>
+                              <p:cond delay="0"/>
+                            </p:stCondLst>
+                            <p:childTnLst>
+                              <p:par>
+                                <p:cTn id="5" presetID="1" presetClass="entr" presetSubtype="0" fill="hold" nodeType="clickEffect">
+                                  <p:stCondLst>
+                                    <p:cond delay="0"/>
+                                  </p:stCondLst>
+                                  <p:childTnLst>
+                                    <p:set>
+                                      <p:cBhvr>
+                                        <p:cTn id="6" dur="1" fill="hold">
+                                          <p:stCondLst>
+                                            <p:cond delay="0"/>
+                                          </p:stCondLst>
+                                        </p:cTn>
+                                        <p:tgtEl>
+                                          <p:spTgt spid="13"/>
+                                        </p:tgtEl>
+                                        <p:attrNameLst>
+                                          <p:attrName>style.visibility</p:attrName>
+                                        </p:attrNameLst>
+                                      </p:cBhvr>
+                                      <p:to>
+                                        <p:strVal val="visible"/>
+                                      </p:to>
+                                    </p:set>
+                                  </p:childTnLst>
+                                </p:cTn>
+                              </p:par>
+                              <p:par>
+                                <p:cTn id="7" presetID="1" presetClass="entr" presetSubtype="0" fill="hold" nodeType="withEffect">
+                                  <p:stCondLst>
+                                    <p:cond delay="0"/>
+                                  </p:stCondLst>
+                                  <p:childTnLst>
+                                    <p:set>
+                                      <p:cBhvr>
+                                        <p:cTn id="8" dur="1" fill="hold">
+                                          <p:stCondLst>
+                                            <p:cond delay="0"/>
+                                          </p:stCondLst>
+                                        </p:cTn>
+                                        <p:tgtEl>
+                                          <p:spTgt spid="12"/>
+                                        </p:tgtEl>
+                                        <p:attrNameLst>
+                                          <p:attrName>style.visibility</p:attrName>
+                                        </p:attrNameLst>
+                                      </p:cBhvr>
+                                      <p:to>
+                                        <p:strVal val="visible"/>
+                                      </p:to>
+                                    </p:set>
+                                  </p:childTnLst>
+                                </p:cTn>
+                              </p:par>
+                              <p:par>
+                                <p:cTn id="9" presetID="1" presetClass="entr" presetSubtype="0" fill="hold" grpId="0" nodeType="withEffect">
+                                  <p:stCondLst>
+                                    <p:cond delay="0"/>
+                                  </p:stCondLst>
+                                  <p:childTnLst>
+                                    <p:set>
+                                      <p:cBhvr>
+                                        <p:cTn id="10" dur="1" fill="hold">
+                                          <p:stCondLst>
+                                            <p:cond delay="0"/>
+                                          </p:stCondLst>
+                                        </p:cTn>
+                                        <p:tgtEl>
+                                          <p:spTgt spid="11"/>
+                                        </p:tgtEl>
+                                        <p:attrNameLst>
+                                          <p:attrName>style.visibility</p:attrName>
+                                        </p:attrNameLst>
+                                      </p:cBhvr>
+                                      <p:to>
+                                        <p:strVal val="visible"/>
+                                      </p:to>
+                                    </p:set>
+                                  </p:childTnLst>
+                                </p:cTn>
+                              </p:par>
+                            </p:childTnLst>
+                          </p:cTn>
+                        </p:par>
+                      </p:childTnLst>
+                    </p:cTn>
+                  </p:par>
+                </p:childTnLst>
+              </p:cTn>
+              <p:prevCondLst>
+                <p:cond evt="onPrev" delay="0">
+                  <p:tgtEl>
+                    <p:sldTgt/>
+                  </p:tgtEl>
+                </p:cond>
+              </p:prevCondLst>
+              <p:nextCondLst>
+                <p:cond evt="onNext" delay="0">
+                  <p:tgtEl>
+                    <p:sldTgt/>
+                  </p:tgtEl>
+                </p:cond>
+              </p:nextCondLst>
+            </p:seq>
+          </p:childTnLst>
+        </p:cTn>
+      </p:par>
+    </p:tnLst>
+    <p:bldLst>
+      <p:bldP spid="11" grpId="0"/>
+    </p:bldLst>
+  </p:timing>
+</p:sld>
+</file>
+
+<file path=ppt/slides/slide8.xml><?xml version="1.0" encoding="utf-8"?>
+<p:sld xmlns:a="http://schemas.openxmlformats.org/drawingml/2006/main" xmlns:r="http://schemas.openxmlformats.org/officeDocument/2006/relationships" xmlns:p="http://schemas.openxmlformats.org/presentationml/2006/main">
+  <p:cSld>
+    <p:spTree>
+      <p:nvGrpSpPr>
+        <p:cNvPr id="1" name=""/>
+        <p:cNvGrpSpPr/>
+        <p:nvPr/>
+      </p:nvGrpSpPr>
+      <p:grpSpPr>
+        <a:xfrm>
+          <a:off x="0" y="0"/>
+          <a:ext cx="0" cy="0"/>
+          <a:chOff x="0" y="0"/>
+          <a:chExt cx="0" cy="0"/>
+        </a:xfrm>
+      </p:grpSpPr>
+      <p:sp>
+        <p:nvSpPr>
+          <p:cNvPr id="2" name="Title 1">
+            <a:extLst>
+              <a:ext uri="{FF2B5EF4-FFF2-40B4-BE49-F238E27FC236}">
+                <a16:creationId xmlns:a16="http://schemas.microsoft.com/office/drawing/2014/main" id="{26A64B78-8D7F-9146-8E6A-B32DCB403940}"/>
+              </a:ext>
+            </a:extLst>
+          </p:cNvPr>
+          <p:cNvSpPr>
+            <a:spLocks noGrp="1"/>
+          </p:cNvSpPr>
+          <p:nvPr>
+            <p:ph type="title"/>
+          </p:nvPr>
+        </p:nvSpPr>
+        <p:spPr>
+          <a:xfrm>
+            <a:off x="428626" y="0"/>
+            <a:ext cx="10515600" cy="1325563"/>
+          </a:xfrm>
+        </p:spPr>
+        <p:txBody>
+          <a:bodyPr/>
+          <a:lstStyle/>
+          <a:p>
+            <a:r>
+              <a:rPr lang="en-GB" dirty="0"/>
               <a:t>White-box (unit) testing</a:t>
             </a:r>
           </a:p>
@@ -8575,7 +11459,7 @@
         </p:spPr>
         <p:txBody>
           <a:bodyPr>
-            <a:normAutofit/>
+            <a:normAutofit lnSpcReduction="10000"/>
           </a:bodyPr>
           <a:lstStyle/>
           <a:p>
@@ -8584,8 +11468,8 @@
               <a:buAutoNum type="arabicPeriod"/>
             </a:pPr>
             <a:r>
-              <a:rPr lang="en-GB" sz="2000" dirty="0"/>
-              <a:t>Decide on which units to test</a:t>
+              <a:rPr lang="da-DK" sz="2000" dirty="0"/>
+              <a:t>Beslut hvilke units, der skal afprøves</a:t>
             </a:r>
           </a:p>
           <a:p>
@@ -8594,8 +11478,8 @@
               <a:buAutoNum type="arabicPeriod"/>
             </a:pPr>
             <a:r>
-              <a:rPr lang="en-GB" sz="2000" dirty="0"/>
-              <a:t>Identify branching points</a:t>
+              <a:rPr lang="da-DK" sz="2000" dirty="0"/>
+              <a:t>Identificer forgreningspunkter</a:t>
             </a:r>
           </a:p>
           <a:p>
@@ -8604,8 +11488,8 @@
               <a:buAutoNum type="arabicPeriod"/>
             </a:pPr>
             <a:r>
-              <a:rPr lang="en-GB" sz="2000" dirty="0"/>
-              <a:t>Produce cases: For each unit, produce an input that tests each branch and not expected output</a:t>
+              <a:rPr lang="da-DK" sz="2000" dirty="0"/>
+              <a:t>Lav inputeksempler for alle units, som afprøver hver forgreningsvej, og notér det forventede output</a:t>
             </a:r>
           </a:p>
           <a:p>
@@ -8614,8 +11498,8 @@
               <a:buAutoNum type="arabicPeriod"/>
             </a:pPr>
             <a:r>
-              <a:rPr lang="en-GB" sz="2000" dirty="0"/>
-              <a:t>Write a program that tests each case and check output</a:t>
+              <a:rPr lang="da-DK" sz="2000" dirty="0"/>
+              <a:t>Skriv et program, som kører koden med alle inputeksempler, og sammenlign resultatet med det forventede output</a:t>
             </a:r>
           </a:p>
         </p:txBody>
@@ -10334,7 +13218,7 @@
 </p:sld>
 </file>
 
-<file path=ppt/slides/slide7.xml><?xml version="1.0" encoding="utf-8"?>
+<file path=ppt/slides/slide9.xml><?xml version="1.0" encoding="utf-8"?>
 <p:sld xmlns:a="http://schemas.openxmlformats.org/drawingml/2006/main" xmlns:r="http://schemas.openxmlformats.org/officeDocument/2006/relationships" xmlns:p="http://schemas.openxmlformats.org/presentationml/2006/main">
   <p:cSld>
     <p:spTree>
@@ -12113,2890 +14997,6 @@
     <p:extLst>
       <p:ext uri="{BB962C8B-B14F-4D97-AF65-F5344CB8AC3E}">
         <p14:creationId xmlns:p14="http://schemas.microsoft.com/office/powerpoint/2010/main" val="1049736755"/>
-      </p:ext>
-    </p:extLst>
-  </p:cSld>
-  <p:clrMapOvr>
-    <a:masterClrMapping/>
-  </p:clrMapOvr>
-  <p:timing>
-    <p:tnLst>
-      <p:par>
-        <p:cTn id="1" dur="indefinite" restart="never" nodeType="tmRoot">
-          <p:childTnLst>
-            <p:seq concurrent="1" nextAc="seek">
-              <p:cTn id="2" dur="indefinite" nodeType="mainSeq">
-                <p:childTnLst>
-                  <p:par>
-                    <p:cTn id="3" fill="hold">
-                      <p:stCondLst>
-                        <p:cond delay="indefinite"/>
-                      </p:stCondLst>
-                      <p:childTnLst>
-                        <p:par>
-                          <p:cTn id="4" fill="hold">
-                            <p:stCondLst>
-                              <p:cond delay="0"/>
-                            </p:stCondLst>
-                            <p:childTnLst>
-                              <p:par>
-                                <p:cTn id="5" presetID="1" presetClass="entr" presetSubtype="0" fill="hold" nodeType="clickEffect">
-                                  <p:stCondLst>
-                                    <p:cond delay="0"/>
-                                  </p:stCondLst>
-                                  <p:childTnLst>
-                                    <p:set>
-                                      <p:cBhvr>
-                                        <p:cTn id="6" dur="1" fill="hold">
-                                          <p:stCondLst>
-                                            <p:cond delay="0"/>
-                                          </p:stCondLst>
-                                        </p:cTn>
-                                        <p:tgtEl>
-                                          <p:spTgt spid="13"/>
-                                        </p:tgtEl>
-                                        <p:attrNameLst>
-                                          <p:attrName>style.visibility</p:attrName>
-                                        </p:attrNameLst>
-                                      </p:cBhvr>
-                                      <p:to>
-                                        <p:strVal val="visible"/>
-                                      </p:to>
-                                    </p:set>
-                                  </p:childTnLst>
-                                </p:cTn>
-                              </p:par>
-                              <p:par>
-                                <p:cTn id="7" presetID="1" presetClass="entr" presetSubtype="0" fill="hold" nodeType="withEffect">
-                                  <p:stCondLst>
-                                    <p:cond delay="0"/>
-                                  </p:stCondLst>
-                                  <p:childTnLst>
-                                    <p:set>
-                                      <p:cBhvr>
-                                        <p:cTn id="8" dur="1" fill="hold">
-                                          <p:stCondLst>
-                                            <p:cond delay="0"/>
-                                          </p:stCondLst>
-                                        </p:cTn>
-                                        <p:tgtEl>
-                                          <p:spTgt spid="12"/>
-                                        </p:tgtEl>
-                                        <p:attrNameLst>
-                                          <p:attrName>style.visibility</p:attrName>
-                                        </p:attrNameLst>
-                                      </p:cBhvr>
-                                      <p:to>
-                                        <p:strVal val="visible"/>
-                                      </p:to>
-                                    </p:set>
-                                  </p:childTnLst>
-                                </p:cTn>
-                              </p:par>
-                              <p:par>
-                                <p:cTn id="9" presetID="1" presetClass="entr" presetSubtype="0" fill="hold" grpId="0" nodeType="withEffect">
-                                  <p:stCondLst>
-                                    <p:cond delay="0"/>
-                                  </p:stCondLst>
-                                  <p:childTnLst>
-                                    <p:set>
-                                      <p:cBhvr>
-                                        <p:cTn id="10" dur="1" fill="hold">
-                                          <p:stCondLst>
-                                            <p:cond delay="0"/>
-                                          </p:stCondLst>
-                                        </p:cTn>
-                                        <p:tgtEl>
-                                          <p:spTgt spid="11"/>
-                                        </p:tgtEl>
-                                        <p:attrNameLst>
-                                          <p:attrName>style.visibility</p:attrName>
-                                        </p:attrNameLst>
-                                      </p:cBhvr>
-                                      <p:to>
-                                        <p:strVal val="visible"/>
-                                      </p:to>
-                                    </p:set>
-                                  </p:childTnLst>
-                                </p:cTn>
-                              </p:par>
-                            </p:childTnLst>
-                          </p:cTn>
-                        </p:par>
-                      </p:childTnLst>
-                    </p:cTn>
-                  </p:par>
-                </p:childTnLst>
-              </p:cTn>
-              <p:prevCondLst>
-                <p:cond evt="onPrev" delay="0">
-                  <p:tgtEl>
-                    <p:sldTgt/>
-                  </p:tgtEl>
-                </p:cond>
-              </p:prevCondLst>
-              <p:nextCondLst>
-                <p:cond evt="onNext" delay="0">
-                  <p:tgtEl>
-                    <p:sldTgt/>
-                  </p:tgtEl>
-                </p:cond>
-              </p:nextCondLst>
-            </p:seq>
-          </p:childTnLst>
-        </p:cTn>
-      </p:par>
-    </p:tnLst>
-    <p:bldLst>
-      <p:bldP spid="11" grpId="0"/>
-    </p:bldLst>
-  </p:timing>
-</p:sld>
-</file>
-
-<file path=ppt/slides/slide8.xml><?xml version="1.0" encoding="utf-8"?>
-<p:sld xmlns:a="http://schemas.openxmlformats.org/drawingml/2006/main" xmlns:r="http://schemas.openxmlformats.org/officeDocument/2006/relationships" xmlns:p="http://schemas.openxmlformats.org/presentationml/2006/main">
-  <p:cSld>
-    <p:spTree>
-      <p:nvGrpSpPr>
-        <p:cNvPr id="1" name=""/>
-        <p:cNvGrpSpPr/>
-        <p:nvPr/>
-      </p:nvGrpSpPr>
-      <p:grpSpPr>
-        <a:xfrm>
-          <a:off x="0" y="0"/>
-          <a:ext cx="0" cy="0"/>
-          <a:chOff x="0" y="0"/>
-          <a:chExt cx="0" cy="0"/>
-        </a:xfrm>
-      </p:grpSpPr>
-      <p:sp>
-        <p:nvSpPr>
-          <p:cNvPr id="2" name="Title 1">
-            <a:extLst>
-              <a:ext uri="{FF2B5EF4-FFF2-40B4-BE49-F238E27FC236}">
-                <a16:creationId xmlns:a16="http://schemas.microsoft.com/office/drawing/2014/main" id="{26A64B78-8D7F-9146-8E6A-B32DCB403940}"/>
-              </a:ext>
-            </a:extLst>
-          </p:cNvPr>
-          <p:cNvSpPr>
-            <a:spLocks noGrp="1"/>
-          </p:cNvSpPr>
-          <p:nvPr>
-            <p:ph type="title"/>
-          </p:nvPr>
-        </p:nvSpPr>
-        <p:spPr>
-          <a:xfrm>
-            <a:off x="428626" y="0"/>
-            <a:ext cx="10515600" cy="1325563"/>
-          </a:xfrm>
-        </p:spPr>
-        <p:txBody>
-          <a:bodyPr/>
-          <a:lstStyle/>
-          <a:p>
-            <a:r>
-              <a:rPr lang="en-GB" dirty="0"/>
-              <a:t>Black-box (unit) testing</a:t>
-            </a:r>
-          </a:p>
-        </p:txBody>
-      </p:sp>
-      <p:sp>
-        <p:nvSpPr>
-          <p:cNvPr id="3" name="Content Placeholder 2">
-            <a:extLst>
-              <a:ext uri="{FF2B5EF4-FFF2-40B4-BE49-F238E27FC236}">
-                <a16:creationId xmlns:a16="http://schemas.microsoft.com/office/drawing/2014/main" id="{D1F6DF01-C315-0549-8EEE-28D53EDD802A}"/>
-              </a:ext>
-            </a:extLst>
-          </p:cNvPr>
-          <p:cNvSpPr>
-            <a:spLocks noGrp="1"/>
-          </p:cNvSpPr>
-          <p:nvPr>
-            <p:ph idx="1"/>
-          </p:nvPr>
-        </p:nvSpPr>
-        <p:spPr>
-          <a:xfrm>
-            <a:off x="551203" y="1032694"/>
-            <a:ext cx="11640797" cy="975358"/>
-          </a:xfrm>
-        </p:spPr>
-        <p:txBody>
-          <a:bodyPr>
-            <a:normAutofit/>
-          </a:bodyPr>
-          <a:lstStyle/>
-          <a:p>
-            <a:pPr marL="514350" indent="-514350">
-              <a:buFont typeface="+mj-lt"/>
-              <a:buAutoNum type="arabicPeriod"/>
-            </a:pPr>
-            <a:r>
-              <a:rPr lang="en-GB" sz="2000" dirty="0" err="1"/>
-              <a:t>Beslut</a:t>
-            </a:r>
-            <a:r>
-              <a:rPr lang="en-GB" sz="2000" dirty="0"/>
-              <a:t> et interface</a:t>
-            </a:r>
-          </a:p>
-          <a:p>
-            <a:pPr marL="514350" indent="-514350">
-              <a:buFont typeface="+mj-lt"/>
-              <a:buAutoNum type="arabicPeriod"/>
-            </a:pPr>
-            <a:r>
-              <a:rPr lang="en-GB" sz="2000" dirty="0"/>
-              <a:t>Find </a:t>
-            </a:r>
-            <a:r>
-              <a:rPr lang="en-GB" sz="2000" dirty="0" err="1"/>
-              <a:t>grænsetilfælde</a:t>
-            </a:r>
-            <a:endParaRPr lang="en-GB" sz="2000" dirty="0"/>
-          </a:p>
-        </p:txBody>
-      </p:sp>
-      <p:sp>
-        <p:nvSpPr>
-          <p:cNvPr id="4" name="Rectangle 3">
-            <a:extLst>
-              <a:ext uri="{FF2B5EF4-FFF2-40B4-BE49-F238E27FC236}">
-                <a16:creationId xmlns:a16="http://schemas.microsoft.com/office/drawing/2014/main" id="{36284481-9526-FA45-BAC0-8857EA5072F9}"/>
-              </a:ext>
-            </a:extLst>
-          </p:cNvPr>
-          <p:cNvSpPr/>
-          <p:nvPr/>
-        </p:nvSpPr>
-        <p:spPr>
-          <a:xfrm>
-            <a:off x="220055" y="2812147"/>
-            <a:ext cx="4079872" cy="338554"/>
-          </a:xfrm>
-          <a:prstGeom prst="rect">
-            <a:avLst/>
-          </a:prstGeom>
-        </p:spPr>
-        <p:txBody>
-          <a:bodyPr wrap="square">
-            <a:spAutoFit/>
-          </a:bodyPr>
-          <a:lstStyle/>
-          <a:p>
-            <a:r>
-              <a:rPr lang="en-GB" sz="1600" dirty="0">
-                <a:latin typeface="DejaVu Sans Book" panose="020B0603030804020204" pitchFamily="34" charset="0"/>
-                <a:ea typeface="DejaVu Sans Book" panose="020B0603030804020204" pitchFamily="34" charset="0"/>
-                <a:cs typeface="DejaVu Sans Book" panose="020B0603030804020204" pitchFamily="34" charset="0"/>
-              </a:rPr>
-              <a:t>let dec2bin n = ?</a:t>
-            </a:r>
-          </a:p>
-        </p:txBody>
-      </p:sp>
-      <p:graphicFrame>
-        <p:nvGraphicFramePr>
-          <p:cNvPr id="8" name="Table 7">
-            <a:extLst>
-              <a:ext uri="{FF2B5EF4-FFF2-40B4-BE49-F238E27FC236}">
-                <a16:creationId xmlns:a16="http://schemas.microsoft.com/office/drawing/2014/main" id="{F335C72C-6F98-CD49-9F7D-8F5A474A1447}"/>
-              </a:ext>
-            </a:extLst>
-          </p:cNvPr>
-          <p:cNvGraphicFramePr>
-            <a:graphicFrameLocks noGrp="1"/>
-          </p:cNvGraphicFramePr>
-          <p:nvPr>
-            <p:extLst>
-              <p:ext uri="{D42A27DB-BD31-4B8C-83A1-F6EECF244321}">
-                <p14:modId xmlns:p14="http://schemas.microsoft.com/office/powerpoint/2010/main" val="863971748"/>
-              </p:ext>
-            </p:extLst>
-          </p:nvPr>
-        </p:nvGraphicFramePr>
-        <p:xfrm>
-          <a:off x="3490175" y="2812147"/>
-          <a:ext cx="8281116" cy="2987040"/>
-        </p:xfrm>
-        <a:graphic>
-          <a:graphicData uri="http://schemas.openxmlformats.org/drawingml/2006/table">
-            <a:tbl>
-              <a:tblPr firstRow="1" bandRow="1">
-                <a:tableStyleId>{5C22544A-7EE6-4342-B048-85BDC9FD1C3A}</a:tableStyleId>
-              </a:tblPr>
-              <a:tblGrid>
-                <a:gridCol w="2070279">
-                  <a:extLst>
-                    <a:ext uri="{9D8B030D-6E8A-4147-A177-3AD203B41FA5}">
-                      <a16:colId xmlns:a16="http://schemas.microsoft.com/office/drawing/2014/main" val="1532162595"/>
-                    </a:ext>
-                  </a:extLst>
-                </a:gridCol>
-                <a:gridCol w="2070279">
-                  <a:extLst>
-                    <a:ext uri="{9D8B030D-6E8A-4147-A177-3AD203B41FA5}">
-                      <a16:colId xmlns:a16="http://schemas.microsoft.com/office/drawing/2014/main" val="1403007596"/>
-                    </a:ext>
-                  </a:extLst>
-                </a:gridCol>
-                <a:gridCol w="2070279">
-                  <a:extLst>
-                    <a:ext uri="{9D8B030D-6E8A-4147-A177-3AD203B41FA5}">
-                      <a16:colId xmlns:a16="http://schemas.microsoft.com/office/drawing/2014/main" val="2720054862"/>
-                    </a:ext>
-                  </a:extLst>
-                </a:gridCol>
-                <a:gridCol w="2070279">
-                  <a:extLst>
-                    <a:ext uri="{9D8B030D-6E8A-4147-A177-3AD203B41FA5}">
-                      <a16:colId xmlns:a16="http://schemas.microsoft.com/office/drawing/2014/main" val="179345016"/>
-                    </a:ext>
-                  </a:extLst>
-                </a:gridCol>
-              </a:tblGrid>
-              <a:tr h="288878">
-                <a:tc>
-                  <a:txBody>
-                    <a:bodyPr/>
-                    <a:lstStyle/>
-                    <a:p>
-                      <a:r>
-                        <a:rPr lang="en-GB" sz="1400" dirty="0">
-                          <a:latin typeface="DejaVu Sans Book" panose="020B0603030804020204" pitchFamily="34" charset="0"/>
-                          <a:ea typeface="DejaVu Sans Book" panose="020B0603030804020204" pitchFamily="34" charset="0"/>
-                          <a:cs typeface="DejaVu Sans Book" panose="020B0603030804020204" pitchFamily="34" charset="0"/>
-                        </a:rPr>
-                        <a:t>Unit</a:t>
-                      </a:r>
-                    </a:p>
-                  </a:txBody>
-                  <a:tcPr/>
-                </a:tc>
-                <a:tc>
-                  <a:txBody>
-                    <a:bodyPr/>
-                    <a:lstStyle/>
-                    <a:p>
-                      <a:r>
-                        <a:rPr lang="en-GB" sz="1400" dirty="0">
-                          <a:latin typeface="DejaVu Sans Book" panose="020B0603030804020204" pitchFamily="34" charset="0"/>
-                          <a:ea typeface="DejaVu Sans Book" panose="020B0603030804020204" pitchFamily="34" charset="0"/>
-                          <a:cs typeface="DejaVu Sans Book" panose="020B0603030804020204" pitchFamily="34" charset="0"/>
-                        </a:rPr>
-                        <a:t>Case</a:t>
-                      </a:r>
-                    </a:p>
-                  </a:txBody>
-                  <a:tcPr/>
-                </a:tc>
-                <a:tc>
-                  <a:txBody>
-                    <a:bodyPr/>
-                    <a:lstStyle/>
-                    <a:p>
-                      <a:r>
-                        <a:rPr lang="en-GB" sz="1400" dirty="0">
-                          <a:latin typeface="DejaVu Sans Book" panose="020B0603030804020204" pitchFamily="34" charset="0"/>
-                          <a:ea typeface="DejaVu Sans Book" panose="020B0603030804020204" pitchFamily="34" charset="0"/>
-                          <a:cs typeface="DejaVu Sans Book" panose="020B0603030804020204" pitchFamily="34" charset="0"/>
-                        </a:rPr>
-                        <a:t>Expected output</a:t>
-                      </a:r>
-                    </a:p>
-                  </a:txBody>
-                  <a:tcPr/>
-                </a:tc>
-                <a:tc>
-                  <a:txBody>
-                    <a:bodyPr/>
-                    <a:lstStyle/>
-                    <a:p>
-                      <a:r>
-                        <a:rPr lang="en-GB" sz="1400" dirty="0">
-                          <a:latin typeface="DejaVu Sans Book" panose="020B0603030804020204" pitchFamily="34" charset="0"/>
-                          <a:ea typeface="DejaVu Sans Book" panose="020B0603030804020204" pitchFamily="34" charset="0"/>
-                          <a:cs typeface="DejaVu Sans Book" panose="020B0603030804020204" pitchFamily="34" charset="0"/>
-                        </a:rPr>
-                        <a:t>Comment</a:t>
-                      </a:r>
-                    </a:p>
-                  </a:txBody>
-                  <a:tcPr/>
-                </a:tc>
-                <a:extLst>
-                  <a:ext uri="{0D108BD9-81ED-4DB2-BD59-A6C34878D82A}">
-                    <a16:rowId xmlns:a16="http://schemas.microsoft.com/office/drawing/2014/main" val="2286388441"/>
-                  </a:ext>
-                </a:extLst>
-              </a:tr>
-              <a:tr h="288878">
-                <a:tc>
-                  <a:txBody>
-                    <a:bodyPr/>
-                    <a:lstStyle/>
-                    <a:p>
-                      <a:r>
-                        <a:rPr lang="en-GB" sz="1400" dirty="0">
-                          <a:latin typeface="DejaVu Sans Book" panose="020B0603030804020204" pitchFamily="34" charset="0"/>
-                          <a:ea typeface="DejaVu Sans Book" panose="020B0603030804020204" pitchFamily="34" charset="0"/>
-                          <a:cs typeface="DejaVu Sans Book" panose="020B0603030804020204" pitchFamily="34" charset="0"/>
-                        </a:rPr>
-                        <a:t>dec2bin n</a:t>
-                      </a:r>
-                    </a:p>
-                  </a:txBody>
-                  <a:tcPr/>
-                </a:tc>
-                <a:tc>
-                  <a:txBody>
-                    <a:bodyPr/>
-                    <a:lstStyle/>
-                    <a:p>
-                      <a:pPr marL="0" marR="0" lvl="0" indent="0" algn="l" defTabSz="914400" rtl="0" eaLnBrk="1" fontAlgn="auto" latinLnBrk="0" hangingPunct="1">
-                        <a:lnSpc>
-                          <a:spcPct val="100000"/>
-                        </a:lnSpc>
-                        <a:spcBef>
-                          <a:spcPts val="0"/>
-                        </a:spcBef>
-                        <a:spcAft>
-                          <a:spcPts val="0"/>
-                        </a:spcAft>
-                        <a:buClrTx/>
-                        <a:buSzTx/>
-                        <a:buFontTx/>
-                        <a:buNone/>
-                        <a:tabLst/>
-                        <a:defRPr/>
-                      </a:pPr>
-                      <a:r>
-                        <a:rPr lang="en-GB" sz="1400" dirty="0">
-                          <a:latin typeface="DejaVu Sans Book" panose="020B0603030804020204" pitchFamily="34" charset="0"/>
-                          <a:ea typeface="DejaVu Sans Book" panose="020B0603030804020204" pitchFamily="34" charset="0"/>
-                          <a:cs typeface="DejaVu Sans Book" panose="020B0603030804020204" pitchFamily="34" charset="0"/>
-                        </a:rPr>
-                        <a:t>n &lt; 0</a:t>
-                      </a:r>
-                    </a:p>
-                  </a:txBody>
-                  <a:tcPr/>
-                </a:tc>
-                <a:tc>
-                  <a:txBody>
-                    <a:bodyPr/>
-                    <a:lstStyle/>
-                    <a:p>
-                      <a:pPr marL="0" marR="0" lvl="0" indent="0" algn="l" defTabSz="914400" rtl="0" eaLnBrk="1" fontAlgn="auto" latinLnBrk="0" hangingPunct="1">
-                        <a:lnSpc>
-                          <a:spcPct val="100000"/>
-                        </a:lnSpc>
-                        <a:spcBef>
-                          <a:spcPts val="0"/>
-                        </a:spcBef>
-                        <a:spcAft>
-                          <a:spcPts val="0"/>
-                        </a:spcAft>
-                        <a:buClrTx/>
-                        <a:buSzTx/>
-                        <a:buFontTx/>
-                        <a:buNone/>
-                        <a:tabLst/>
-                        <a:defRPr/>
-                      </a:pPr>
-                      <a:r>
-                        <a:rPr lang="en-GB" sz="1400" dirty="0">
-                          <a:latin typeface="DejaVu Sans Book" panose="020B0603030804020204" pitchFamily="34" charset="0"/>
-                          <a:ea typeface="DejaVu Sans Book" panose="020B0603030804020204" pitchFamily="34" charset="0"/>
-                          <a:cs typeface="DejaVu Sans Book" panose="020B0603030804020204" pitchFamily="34" charset="0"/>
-                        </a:rPr>
-                        <a:t>"Illegal value"</a:t>
-                      </a:r>
-                    </a:p>
-                  </a:txBody>
-                  <a:tcPr/>
-                </a:tc>
-                <a:tc>
-                  <a:txBody>
-                    <a:bodyPr/>
-                    <a:lstStyle/>
-                    <a:p>
-                      <a:r>
-                        <a:rPr lang="en-GB" sz="1400" dirty="0">
-                          <a:latin typeface="DejaVu Sans Book" panose="020B0603030804020204" pitchFamily="34" charset="0"/>
-                          <a:ea typeface="DejaVu Sans Book" panose="020B0603030804020204" pitchFamily="34" charset="0"/>
-                          <a:cs typeface="DejaVu Sans Book" panose="020B0603030804020204" pitchFamily="34" charset="0"/>
-                        </a:rPr>
-                        <a:t>negative </a:t>
-                      </a:r>
-                      <a:r>
-                        <a:rPr lang="en-GB" sz="1400" dirty="0" err="1">
-                          <a:latin typeface="DejaVu Sans Book" panose="020B0603030804020204" pitchFamily="34" charset="0"/>
-                          <a:ea typeface="DejaVu Sans Book" panose="020B0603030804020204" pitchFamily="34" charset="0"/>
-                          <a:cs typeface="DejaVu Sans Book" panose="020B0603030804020204" pitchFamily="34" charset="0"/>
-                        </a:rPr>
-                        <a:t>tal</a:t>
-                      </a:r>
-                      <a:endParaRPr lang="en-GB" sz="1400" dirty="0">
-                        <a:latin typeface="DejaVu Sans Book" panose="020B0603030804020204" pitchFamily="34" charset="0"/>
-                        <a:ea typeface="DejaVu Sans Book" panose="020B0603030804020204" pitchFamily="34" charset="0"/>
-                        <a:cs typeface="DejaVu Sans Book" panose="020B0603030804020204" pitchFamily="34" charset="0"/>
-                      </a:endParaRPr>
-                    </a:p>
-                  </a:txBody>
-                  <a:tcPr/>
-                </a:tc>
-                <a:extLst>
-                  <a:ext uri="{0D108BD9-81ED-4DB2-BD59-A6C34878D82A}">
-                    <a16:rowId xmlns:a16="http://schemas.microsoft.com/office/drawing/2014/main" val="1367185139"/>
-                  </a:ext>
-                </a:extLst>
-              </a:tr>
-              <a:tr h="269659">
-                <a:tc>
-                  <a:txBody>
-                    <a:bodyPr/>
-                    <a:lstStyle/>
-                    <a:p>
-                      <a:endParaRPr lang="en-GB" sz="1400" dirty="0">
-                        <a:latin typeface="DejaVu Sans Book" panose="020B0603030804020204" pitchFamily="34" charset="0"/>
-                        <a:ea typeface="DejaVu Sans Book" panose="020B0603030804020204" pitchFamily="34" charset="0"/>
-                        <a:cs typeface="DejaVu Sans Book" panose="020B0603030804020204" pitchFamily="34" charset="0"/>
-                      </a:endParaRPr>
-                    </a:p>
-                  </a:txBody>
-                  <a:tcPr/>
-                </a:tc>
-                <a:tc>
-                  <a:txBody>
-                    <a:bodyPr/>
-                    <a:lstStyle/>
-                    <a:p>
-                      <a:r>
-                        <a:rPr lang="en-GB" sz="1400" dirty="0">
-                          <a:latin typeface="DejaVu Sans Book" panose="020B0603030804020204" pitchFamily="34" charset="0"/>
-                          <a:ea typeface="DejaVu Sans Book" panose="020B0603030804020204" pitchFamily="34" charset="0"/>
-                          <a:cs typeface="DejaVu Sans Book" panose="020B0603030804020204" pitchFamily="34" charset="0"/>
-                        </a:rPr>
-                        <a:t>n = 0</a:t>
-                      </a:r>
-                    </a:p>
-                  </a:txBody>
-                  <a:tcPr/>
-                </a:tc>
-                <a:tc>
-                  <a:txBody>
-                    <a:bodyPr/>
-                    <a:lstStyle/>
-                    <a:p>
-                      <a:pPr marL="0" marR="0" lvl="0" indent="0" algn="l" defTabSz="914400" rtl="0" eaLnBrk="1" fontAlgn="auto" latinLnBrk="0" hangingPunct="1">
-                        <a:lnSpc>
-                          <a:spcPct val="100000"/>
-                        </a:lnSpc>
-                        <a:spcBef>
-                          <a:spcPts val="0"/>
-                        </a:spcBef>
-                        <a:spcAft>
-                          <a:spcPts val="0"/>
-                        </a:spcAft>
-                        <a:buClrTx/>
-                        <a:buSzTx/>
-                        <a:buFontTx/>
-                        <a:buNone/>
-                        <a:tabLst/>
-                        <a:defRPr/>
-                      </a:pPr>
-                      <a:r>
-                        <a:rPr lang="en-GB" sz="1400" dirty="0">
-                          <a:latin typeface="DejaVu Sans Book" panose="020B0603030804020204" pitchFamily="34" charset="0"/>
-                          <a:ea typeface="DejaVu Sans Book" panose="020B0603030804020204" pitchFamily="34" charset="0"/>
-                          <a:cs typeface="DejaVu Sans Book" panose="020B0603030804020204" pitchFamily="34" charset="0"/>
-                        </a:rPr>
-                        <a:t>"0b0"</a:t>
-                      </a:r>
-                    </a:p>
-                  </a:txBody>
-                  <a:tcPr/>
-                </a:tc>
-                <a:tc>
-                  <a:txBody>
-                    <a:bodyPr/>
-                    <a:lstStyle/>
-                    <a:p>
-                      <a:r>
-                        <a:rPr lang="en-GB" sz="1400" dirty="0" err="1">
-                          <a:latin typeface="DejaVu Sans Book" panose="020B0603030804020204" pitchFamily="34" charset="0"/>
-                          <a:ea typeface="DejaVu Sans Book" panose="020B0603030804020204" pitchFamily="34" charset="0"/>
-                          <a:cs typeface="DejaVu Sans Book" panose="020B0603030804020204" pitchFamily="34" charset="0"/>
-                        </a:rPr>
-                        <a:t>grænsetilfælde</a:t>
-                      </a:r>
-                      <a:endParaRPr lang="en-GB" sz="1400" dirty="0">
-                        <a:latin typeface="DejaVu Sans Book" panose="020B0603030804020204" pitchFamily="34" charset="0"/>
-                        <a:ea typeface="DejaVu Sans Book" panose="020B0603030804020204" pitchFamily="34" charset="0"/>
-                        <a:cs typeface="DejaVu Sans Book" panose="020B0603030804020204" pitchFamily="34" charset="0"/>
-                      </a:endParaRPr>
-                    </a:p>
-                  </a:txBody>
-                  <a:tcPr/>
-                </a:tc>
-                <a:extLst>
-                  <a:ext uri="{0D108BD9-81ED-4DB2-BD59-A6C34878D82A}">
-                    <a16:rowId xmlns:a16="http://schemas.microsoft.com/office/drawing/2014/main" val="833342341"/>
-                  </a:ext>
-                </a:extLst>
-              </a:tr>
-              <a:tr h="269659">
-                <a:tc>
-                  <a:txBody>
-                    <a:bodyPr/>
-                    <a:lstStyle/>
-                    <a:p>
-                      <a:endParaRPr lang="en-GB" sz="1400" dirty="0">
-                        <a:latin typeface="DejaVu Sans Book" panose="020B0603030804020204" pitchFamily="34" charset="0"/>
-                        <a:ea typeface="DejaVu Sans Book" panose="020B0603030804020204" pitchFamily="34" charset="0"/>
-                        <a:cs typeface="DejaVu Sans Book" panose="020B0603030804020204" pitchFamily="34" charset="0"/>
-                      </a:endParaRPr>
-                    </a:p>
-                  </a:txBody>
-                  <a:tcPr/>
-                </a:tc>
-                <a:tc>
-                  <a:txBody>
-                    <a:bodyPr/>
-                    <a:lstStyle/>
-                    <a:p>
-                      <a:r>
-                        <a:rPr lang="en-GB" sz="1400" dirty="0">
-                          <a:latin typeface="DejaVu Sans Book" panose="020B0603030804020204" pitchFamily="34" charset="0"/>
-                          <a:ea typeface="DejaVu Sans Book" panose="020B0603030804020204" pitchFamily="34" charset="0"/>
-                          <a:cs typeface="DejaVu Sans Book" panose="020B0603030804020204" pitchFamily="34" charset="0"/>
-                        </a:rPr>
-                        <a:t>n = 1</a:t>
-                      </a:r>
-                    </a:p>
-                  </a:txBody>
-                  <a:tcPr/>
-                </a:tc>
-                <a:tc>
-                  <a:txBody>
-                    <a:bodyPr/>
-                    <a:lstStyle/>
-                    <a:p>
-                      <a:pPr marL="0" marR="0" lvl="0" indent="0" algn="l" defTabSz="914400" rtl="0" eaLnBrk="1" fontAlgn="auto" latinLnBrk="0" hangingPunct="1">
-                        <a:lnSpc>
-                          <a:spcPct val="100000"/>
-                        </a:lnSpc>
-                        <a:spcBef>
-                          <a:spcPts val="0"/>
-                        </a:spcBef>
-                        <a:spcAft>
-                          <a:spcPts val="0"/>
-                        </a:spcAft>
-                        <a:buClrTx/>
-                        <a:buSzTx/>
-                        <a:buFontTx/>
-                        <a:buNone/>
-                        <a:tabLst/>
-                        <a:defRPr/>
-                      </a:pPr>
-                      <a:r>
-                        <a:rPr lang="en-GB" sz="1400" dirty="0">
-                          <a:latin typeface="DejaVu Sans Book" panose="020B0603030804020204" pitchFamily="34" charset="0"/>
-                          <a:ea typeface="DejaVu Sans Book" panose="020B0603030804020204" pitchFamily="34" charset="0"/>
-                          <a:cs typeface="DejaVu Sans Book" panose="020B0603030804020204" pitchFamily="34" charset="0"/>
-                        </a:rPr>
-                        <a:t>"0b1"</a:t>
-                      </a:r>
-                    </a:p>
-                  </a:txBody>
-                  <a:tcPr/>
-                </a:tc>
-                <a:tc>
-                  <a:txBody>
-                    <a:bodyPr/>
-                    <a:lstStyle/>
-                    <a:p>
-                      <a:pPr marL="0" marR="0" lvl="0" indent="0" algn="l" defTabSz="914400" rtl="0" eaLnBrk="1" fontAlgn="auto" latinLnBrk="0" hangingPunct="1">
-                        <a:lnSpc>
-                          <a:spcPct val="100000"/>
-                        </a:lnSpc>
-                        <a:spcBef>
-                          <a:spcPts val="0"/>
-                        </a:spcBef>
-                        <a:spcAft>
-                          <a:spcPts val="0"/>
-                        </a:spcAft>
-                        <a:buClrTx/>
-                        <a:buSzTx/>
-                        <a:buFontTx/>
-                        <a:buNone/>
-                        <a:tabLst/>
-                        <a:defRPr/>
-                      </a:pPr>
-                      <a:r>
-                        <a:rPr lang="en-GB" sz="1400" dirty="0">
-                          <a:latin typeface="DejaVu Sans Book" panose="020B0603030804020204" pitchFamily="34" charset="0"/>
-                          <a:ea typeface="DejaVu Sans Book" panose="020B0603030804020204" pitchFamily="34" charset="0"/>
-                          <a:cs typeface="DejaVu Sans Book" panose="020B0603030804020204" pitchFamily="34" charset="0"/>
-                        </a:rPr>
-                        <a:t>1 bit</a:t>
-                      </a:r>
-                    </a:p>
-                  </a:txBody>
-                  <a:tcPr/>
-                </a:tc>
-                <a:extLst>
-                  <a:ext uri="{0D108BD9-81ED-4DB2-BD59-A6C34878D82A}">
-                    <a16:rowId xmlns:a16="http://schemas.microsoft.com/office/drawing/2014/main" val="410681418"/>
-                  </a:ext>
-                </a:extLst>
-              </a:tr>
-              <a:tr h="169928">
-                <a:tc>
-                  <a:txBody>
-                    <a:bodyPr/>
-                    <a:lstStyle/>
-                    <a:p>
-                      <a:endParaRPr lang="en-GB" sz="1400" dirty="0">
-                        <a:latin typeface="DejaVu Sans Book" panose="020B0603030804020204" pitchFamily="34" charset="0"/>
-                        <a:ea typeface="DejaVu Sans Book" panose="020B0603030804020204" pitchFamily="34" charset="0"/>
-                        <a:cs typeface="DejaVu Sans Book" panose="020B0603030804020204" pitchFamily="34" charset="0"/>
-                      </a:endParaRPr>
-                    </a:p>
-                  </a:txBody>
-                  <a:tcPr/>
-                </a:tc>
-                <a:tc>
-                  <a:txBody>
-                    <a:bodyPr/>
-                    <a:lstStyle/>
-                    <a:p>
-                      <a:r>
-                        <a:rPr lang="en-GB" sz="1400" dirty="0">
-                          <a:latin typeface="DejaVu Sans Book" panose="020B0603030804020204" pitchFamily="34" charset="0"/>
-                          <a:ea typeface="DejaVu Sans Book" panose="020B0603030804020204" pitchFamily="34" charset="0"/>
-                          <a:cs typeface="DejaVu Sans Book" panose="020B0603030804020204" pitchFamily="34" charset="0"/>
-                        </a:rPr>
-                        <a:t>n = 2</a:t>
-                      </a:r>
-                    </a:p>
-                  </a:txBody>
-                  <a:tcPr/>
-                </a:tc>
-                <a:tc>
-                  <a:txBody>
-                    <a:bodyPr/>
-                    <a:lstStyle/>
-                    <a:p>
-                      <a:pPr marL="0" marR="0" lvl="0" indent="0" algn="l" defTabSz="914400" rtl="0" eaLnBrk="1" fontAlgn="auto" latinLnBrk="0" hangingPunct="1">
-                        <a:lnSpc>
-                          <a:spcPct val="100000"/>
-                        </a:lnSpc>
-                        <a:spcBef>
-                          <a:spcPts val="0"/>
-                        </a:spcBef>
-                        <a:spcAft>
-                          <a:spcPts val="0"/>
-                        </a:spcAft>
-                        <a:buClrTx/>
-                        <a:buSzTx/>
-                        <a:buFontTx/>
-                        <a:buNone/>
-                        <a:tabLst/>
-                        <a:defRPr/>
-                      </a:pPr>
-                      <a:r>
-                        <a:rPr lang="en-GB" sz="1400" dirty="0">
-                          <a:latin typeface="DejaVu Sans Book" panose="020B0603030804020204" pitchFamily="34" charset="0"/>
-                          <a:ea typeface="DejaVu Sans Book" panose="020B0603030804020204" pitchFamily="34" charset="0"/>
-                          <a:cs typeface="DejaVu Sans Book" panose="020B0603030804020204" pitchFamily="34" charset="0"/>
-                        </a:rPr>
-                        <a:t>"0b10"</a:t>
-                      </a:r>
-                    </a:p>
-                  </a:txBody>
-                  <a:tcPr/>
-                </a:tc>
-                <a:tc>
-                  <a:txBody>
-                    <a:bodyPr/>
-                    <a:lstStyle/>
-                    <a:p>
-                      <a:r>
-                        <a:rPr lang="en-GB" sz="1400" dirty="0">
-                          <a:latin typeface="DejaVu Sans Book" panose="020B0603030804020204" pitchFamily="34" charset="0"/>
-                          <a:ea typeface="DejaVu Sans Book" panose="020B0603030804020204" pitchFamily="34" charset="0"/>
-                          <a:cs typeface="DejaVu Sans Book" panose="020B0603030804020204" pitchFamily="34" charset="0"/>
-                        </a:rPr>
-                        <a:t>2 bit</a:t>
-                      </a:r>
-                    </a:p>
-                  </a:txBody>
-                  <a:tcPr/>
-                </a:tc>
-                <a:extLst>
-                  <a:ext uri="{0D108BD9-81ED-4DB2-BD59-A6C34878D82A}">
-                    <a16:rowId xmlns:a16="http://schemas.microsoft.com/office/drawing/2014/main" val="2724263722"/>
-                  </a:ext>
-                </a:extLst>
-              </a:tr>
-              <a:tr h="169928">
-                <a:tc>
-                  <a:txBody>
-                    <a:bodyPr/>
-                    <a:lstStyle/>
-                    <a:p>
-                      <a:endParaRPr lang="en-GB" sz="1400">
-                        <a:latin typeface="DejaVu Sans Book" panose="020B0603030804020204" pitchFamily="34" charset="0"/>
-                        <a:ea typeface="DejaVu Sans Book" panose="020B0603030804020204" pitchFamily="34" charset="0"/>
-                        <a:cs typeface="DejaVu Sans Book" panose="020B0603030804020204" pitchFamily="34" charset="0"/>
-                      </a:endParaRPr>
-                    </a:p>
-                  </a:txBody>
-                  <a:tcPr/>
-                </a:tc>
-                <a:tc>
-                  <a:txBody>
-                    <a:bodyPr/>
-                    <a:lstStyle/>
-                    <a:p>
-                      <a:pPr marL="0" marR="0" lvl="0" indent="0" algn="l" defTabSz="914400" rtl="0" eaLnBrk="1" fontAlgn="auto" latinLnBrk="0" hangingPunct="1">
-                        <a:lnSpc>
-                          <a:spcPct val="100000"/>
-                        </a:lnSpc>
-                        <a:spcBef>
-                          <a:spcPts val="0"/>
-                        </a:spcBef>
-                        <a:spcAft>
-                          <a:spcPts val="0"/>
-                        </a:spcAft>
-                        <a:buClrTx/>
-                        <a:buSzTx/>
-                        <a:buFontTx/>
-                        <a:buNone/>
-                        <a:tabLst/>
-                        <a:defRPr/>
-                      </a:pPr>
-                      <a:r>
-                        <a:rPr lang="en-GB" sz="1400" dirty="0">
-                          <a:latin typeface="DejaVu Sans Book" panose="020B0603030804020204" pitchFamily="34" charset="0"/>
-                          <a:ea typeface="DejaVu Sans Book" panose="020B0603030804020204" pitchFamily="34" charset="0"/>
-                          <a:cs typeface="DejaVu Sans Book" panose="020B0603030804020204" pitchFamily="34" charset="0"/>
-                        </a:rPr>
-                        <a:t>n = 10</a:t>
-                      </a:r>
-                    </a:p>
-                  </a:txBody>
-                  <a:tcPr/>
-                </a:tc>
-                <a:tc>
-                  <a:txBody>
-                    <a:bodyPr/>
-                    <a:lstStyle/>
-                    <a:p>
-                      <a:r>
-                        <a:rPr lang="en-GB" sz="1400" dirty="0">
-                          <a:latin typeface="DejaVu Sans Book" panose="020B0603030804020204" pitchFamily="34" charset="0"/>
-                          <a:ea typeface="DejaVu Sans Book" panose="020B0603030804020204" pitchFamily="34" charset="0"/>
-                          <a:cs typeface="DejaVu Sans Book" panose="020B0603030804020204" pitchFamily="34" charset="0"/>
-                        </a:rPr>
-                        <a:t>"0b1010"</a:t>
-                      </a:r>
-                    </a:p>
-                  </a:txBody>
-                  <a:tcPr/>
-                </a:tc>
-                <a:tc>
-                  <a:txBody>
-                    <a:bodyPr/>
-                    <a:lstStyle/>
-                    <a:p>
-                      <a:r>
-                        <a:rPr lang="en-GB" sz="1400" dirty="0" err="1">
-                          <a:latin typeface="DejaVu Sans Book" panose="020B0603030804020204" pitchFamily="34" charset="0"/>
-                          <a:ea typeface="DejaVu Sans Book" panose="020B0603030804020204" pitchFamily="34" charset="0"/>
-                          <a:cs typeface="DejaVu Sans Book" panose="020B0603030804020204" pitchFamily="34" charset="0"/>
-                        </a:rPr>
-                        <a:t>stort</a:t>
-                      </a:r>
-                      <a:r>
-                        <a:rPr lang="en-GB" sz="1400" dirty="0">
-                          <a:latin typeface="DejaVu Sans Book" panose="020B0603030804020204" pitchFamily="34" charset="0"/>
-                          <a:ea typeface="DejaVu Sans Book" panose="020B0603030804020204" pitchFamily="34" charset="0"/>
-                          <a:cs typeface="DejaVu Sans Book" panose="020B0603030804020204" pitchFamily="34" charset="0"/>
-                        </a:rPr>
-                        <a:t> </a:t>
-                      </a:r>
-                      <a:r>
-                        <a:rPr lang="en-GB" sz="1400" dirty="0" err="1">
-                          <a:latin typeface="DejaVu Sans Book" panose="020B0603030804020204" pitchFamily="34" charset="0"/>
-                          <a:ea typeface="DejaVu Sans Book" panose="020B0603030804020204" pitchFamily="34" charset="0"/>
-                          <a:cs typeface="DejaVu Sans Book" panose="020B0603030804020204" pitchFamily="34" charset="0"/>
-                        </a:rPr>
-                        <a:t>lige</a:t>
-                      </a:r>
-                      <a:r>
-                        <a:rPr lang="en-GB" sz="1400" dirty="0">
-                          <a:latin typeface="DejaVu Sans Book" panose="020B0603030804020204" pitchFamily="34" charset="0"/>
-                          <a:ea typeface="DejaVu Sans Book" panose="020B0603030804020204" pitchFamily="34" charset="0"/>
-                          <a:cs typeface="DejaVu Sans Book" panose="020B0603030804020204" pitchFamily="34" charset="0"/>
-                        </a:rPr>
-                        <a:t> </a:t>
-                      </a:r>
-                      <a:r>
-                        <a:rPr lang="en-GB" sz="1400" dirty="0" err="1">
-                          <a:latin typeface="DejaVu Sans Book" panose="020B0603030804020204" pitchFamily="34" charset="0"/>
-                          <a:ea typeface="DejaVu Sans Book" panose="020B0603030804020204" pitchFamily="34" charset="0"/>
-                          <a:cs typeface="DejaVu Sans Book" panose="020B0603030804020204" pitchFamily="34" charset="0"/>
-                        </a:rPr>
-                        <a:t>tal</a:t>
-                      </a:r>
-                      <a:r>
-                        <a:rPr lang="en-GB" sz="1400" dirty="0">
-                          <a:latin typeface="DejaVu Sans Book" panose="020B0603030804020204" pitchFamily="34" charset="0"/>
-                          <a:ea typeface="DejaVu Sans Book" panose="020B0603030804020204" pitchFamily="34" charset="0"/>
-                          <a:cs typeface="DejaVu Sans Book" panose="020B0603030804020204" pitchFamily="34" charset="0"/>
-                        </a:rPr>
-                        <a:t> (</a:t>
-                      </a:r>
-                      <a:r>
-                        <a:rPr lang="en-GB" sz="1400" dirty="0" err="1">
-                          <a:latin typeface="DejaVu Sans Book" panose="020B0603030804020204" pitchFamily="34" charset="0"/>
-                          <a:ea typeface="DejaVu Sans Book" panose="020B0603030804020204" pitchFamily="34" charset="0"/>
-                          <a:cs typeface="DejaVu Sans Book" panose="020B0603030804020204" pitchFamily="34" charset="0"/>
-                        </a:rPr>
-                        <a:t>venstre</a:t>
-                      </a:r>
-                      <a:r>
-                        <a:rPr lang="en-GB" sz="1400" dirty="0">
-                          <a:latin typeface="DejaVu Sans Book" panose="020B0603030804020204" pitchFamily="34" charset="0"/>
-                          <a:ea typeface="DejaVu Sans Book" panose="020B0603030804020204" pitchFamily="34" charset="0"/>
-                          <a:cs typeface="DejaVu Sans Book" panose="020B0603030804020204" pitchFamily="34" charset="0"/>
-                        </a:rPr>
-                        <a:t> bit sat min </a:t>
-                      </a:r>
-                      <a:r>
-                        <a:rPr lang="en-GB" sz="1400" dirty="0" err="1">
-                          <a:latin typeface="DejaVu Sans Book" panose="020B0603030804020204" pitchFamily="34" charset="0"/>
-                          <a:ea typeface="DejaVu Sans Book" panose="020B0603030804020204" pitchFamily="34" charset="0"/>
-                          <a:cs typeface="DejaVu Sans Book" panose="020B0603030804020204" pitchFamily="34" charset="0"/>
-                        </a:rPr>
-                        <a:t>ikke</a:t>
-                      </a:r>
-                      <a:r>
-                        <a:rPr lang="en-GB" sz="1400" dirty="0">
-                          <a:latin typeface="DejaVu Sans Book" panose="020B0603030804020204" pitchFamily="34" charset="0"/>
-                          <a:ea typeface="DejaVu Sans Book" panose="020B0603030804020204" pitchFamily="34" charset="0"/>
-                          <a:cs typeface="DejaVu Sans Book" panose="020B0603030804020204" pitchFamily="34" charset="0"/>
-                        </a:rPr>
-                        <a:t> </a:t>
-                      </a:r>
-                      <a:r>
-                        <a:rPr lang="en-GB" sz="1400" dirty="0" err="1">
-                          <a:latin typeface="DejaVu Sans Book" panose="020B0603030804020204" pitchFamily="34" charset="0"/>
-                          <a:ea typeface="DejaVu Sans Book" panose="020B0603030804020204" pitchFamily="34" charset="0"/>
-                          <a:cs typeface="DejaVu Sans Book" panose="020B0603030804020204" pitchFamily="34" charset="0"/>
-                        </a:rPr>
-                        <a:t>højre</a:t>
-                      </a:r>
-                      <a:r>
-                        <a:rPr lang="en-GB" sz="1400" dirty="0">
-                          <a:latin typeface="DejaVu Sans Book" panose="020B0603030804020204" pitchFamily="34" charset="0"/>
-                          <a:ea typeface="DejaVu Sans Book" panose="020B0603030804020204" pitchFamily="34" charset="0"/>
-                          <a:cs typeface="DejaVu Sans Book" panose="020B0603030804020204" pitchFamily="34" charset="0"/>
-                        </a:rPr>
-                        <a:t>)</a:t>
-                      </a:r>
-                    </a:p>
-                  </a:txBody>
-                  <a:tcPr/>
-                </a:tc>
-                <a:extLst>
-                  <a:ext uri="{0D108BD9-81ED-4DB2-BD59-A6C34878D82A}">
-                    <a16:rowId xmlns:a16="http://schemas.microsoft.com/office/drawing/2014/main" val="3655394169"/>
-                  </a:ext>
-                </a:extLst>
-              </a:tr>
-              <a:tr h="269659">
-                <a:tc>
-                  <a:txBody>
-                    <a:bodyPr/>
-                    <a:lstStyle/>
-                    <a:p>
-                      <a:endParaRPr lang="en-GB" sz="1400">
-                        <a:latin typeface="DejaVu Sans Book" panose="020B0603030804020204" pitchFamily="34" charset="0"/>
-                        <a:ea typeface="DejaVu Sans Book" panose="020B0603030804020204" pitchFamily="34" charset="0"/>
-                        <a:cs typeface="DejaVu Sans Book" panose="020B0603030804020204" pitchFamily="34" charset="0"/>
-                      </a:endParaRPr>
-                    </a:p>
-                  </a:txBody>
-                  <a:tcPr/>
-                </a:tc>
-                <a:tc>
-                  <a:txBody>
-                    <a:bodyPr/>
-                    <a:lstStyle/>
-                    <a:p>
-                      <a:r>
-                        <a:rPr lang="en-GB" sz="1400" dirty="0">
-                          <a:latin typeface="DejaVu Sans Book" panose="020B0603030804020204" pitchFamily="34" charset="0"/>
-                          <a:ea typeface="DejaVu Sans Book" panose="020B0603030804020204" pitchFamily="34" charset="0"/>
-                          <a:cs typeface="DejaVu Sans Book" panose="020B0603030804020204" pitchFamily="34" charset="0"/>
-                        </a:rPr>
-                        <a:t>n = 11</a:t>
-                      </a:r>
-                    </a:p>
-                  </a:txBody>
-                  <a:tcPr/>
-                </a:tc>
-                <a:tc>
-                  <a:txBody>
-                    <a:bodyPr/>
-                    <a:lstStyle/>
-                    <a:p>
-                      <a:pPr marL="0" marR="0" lvl="0" indent="0" algn="l" defTabSz="914400" rtl="0" eaLnBrk="1" fontAlgn="auto" latinLnBrk="0" hangingPunct="1">
-                        <a:lnSpc>
-                          <a:spcPct val="100000"/>
-                        </a:lnSpc>
-                        <a:spcBef>
-                          <a:spcPts val="0"/>
-                        </a:spcBef>
-                        <a:spcAft>
-                          <a:spcPts val="0"/>
-                        </a:spcAft>
-                        <a:buClrTx/>
-                        <a:buSzTx/>
-                        <a:buFontTx/>
-                        <a:buNone/>
-                        <a:tabLst/>
-                        <a:defRPr/>
-                      </a:pPr>
-                      <a:r>
-                        <a:rPr lang="en-GB" sz="1400" dirty="0">
-                          <a:latin typeface="DejaVu Sans Book" panose="020B0603030804020204" pitchFamily="34" charset="0"/>
-                          <a:ea typeface="DejaVu Sans Book" panose="020B0603030804020204" pitchFamily="34" charset="0"/>
-                          <a:cs typeface="DejaVu Sans Book" panose="020B0603030804020204" pitchFamily="34" charset="0"/>
-                        </a:rPr>
-                        <a:t>"0b1011"</a:t>
-                      </a:r>
-                    </a:p>
-                  </a:txBody>
-                  <a:tcPr/>
-                </a:tc>
-                <a:tc>
-                  <a:txBody>
-                    <a:bodyPr/>
-                    <a:lstStyle/>
-                    <a:p>
-                      <a:pPr marL="0" marR="0" lvl="0" indent="0" algn="l" defTabSz="914400" rtl="0" eaLnBrk="1" fontAlgn="auto" latinLnBrk="0" hangingPunct="1">
-                        <a:lnSpc>
-                          <a:spcPct val="100000"/>
-                        </a:lnSpc>
-                        <a:spcBef>
-                          <a:spcPts val="0"/>
-                        </a:spcBef>
-                        <a:spcAft>
-                          <a:spcPts val="0"/>
-                        </a:spcAft>
-                        <a:buClrTx/>
-                        <a:buSzTx/>
-                        <a:buFontTx/>
-                        <a:buNone/>
-                        <a:tabLst/>
-                        <a:defRPr/>
-                      </a:pPr>
-                      <a:r>
-                        <a:rPr lang="en-GB" sz="1400" dirty="0" err="1">
-                          <a:latin typeface="DejaVu Sans Book" panose="020B0603030804020204" pitchFamily="34" charset="0"/>
-                          <a:ea typeface="DejaVu Sans Book" panose="020B0603030804020204" pitchFamily="34" charset="0"/>
-                          <a:cs typeface="DejaVu Sans Book" panose="020B0603030804020204" pitchFamily="34" charset="0"/>
-                        </a:rPr>
-                        <a:t>stort</a:t>
-                      </a:r>
-                      <a:r>
-                        <a:rPr lang="en-GB" sz="1400" dirty="0">
-                          <a:latin typeface="DejaVu Sans Book" panose="020B0603030804020204" pitchFamily="34" charset="0"/>
-                          <a:ea typeface="DejaVu Sans Book" panose="020B0603030804020204" pitchFamily="34" charset="0"/>
-                          <a:cs typeface="DejaVu Sans Book" panose="020B0603030804020204" pitchFamily="34" charset="0"/>
-                        </a:rPr>
-                        <a:t> </a:t>
-                      </a:r>
-                      <a:r>
-                        <a:rPr lang="en-GB" sz="1400" dirty="0" err="1">
-                          <a:latin typeface="DejaVu Sans Book" panose="020B0603030804020204" pitchFamily="34" charset="0"/>
-                          <a:ea typeface="DejaVu Sans Book" panose="020B0603030804020204" pitchFamily="34" charset="0"/>
-                          <a:cs typeface="DejaVu Sans Book" panose="020B0603030804020204" pitchFamily="34" charset="0"/>
-                        </a:rPr>
-                        <a:t>ulige</a:t>
-                      </a:r>
-                      <a:r>
-                        <a:rPr lang="en-GB" sz="1400" dirty="0">
-                          <a:latin typeface="DejaVu Sans Book" panose="020B0603030804020204" pitchFamily="34" charset="0"/>
-                          <a:ea typeface="DejaVu Sans Book" panose="020B0603030804020204" pitchFamily="34" charset="0"/>
-                          <a:cs typeface="DejaVu Sans Book" panose="020B0603030804020204" pitchFamily="34" charset="0"/>
-                        </a:rPr>
-                        <a:t> </a:t>
-                      </a:r>
-                      <a:r>
-                        <a:rPr lang="en-GB" sz="1400" dirty="0" err="1">
-                          <a:latin typeface="DejaVu Sans Book" panose="020B0603030804020204" pitchFamily="34" charset="0"/>
-                          <a:ea typeface="DejaVu Sans Book" panose="020B0603030804020204" pitchFamily="34" charset="0"/>
-                          <a:cs typeface="DejaVu Sans Book" panose="020B0603030804020204" pitchFamily="34" charset="0"/>
-                        </a:rPr>
-                        <a:t>tal</a:t>
-                      </a:r>
-                      <a:r>
-                        <a:rPr lang="en-GB" sz="1400" dirty="0">
-                          <a:latin typeface="DejaVu Sans Book" panose="020B0603030804020204" pitchFamily="34" charset="0"/>
-                          <a:ea typeface="DejaVu Sans Book" panose="020B0603030804020204" pitchFamily="34" charset="0"/>
-                          <a:cs typeface="DejaVu Sans Book" panose="020B0603030804020204" pitchFamily="34" charset="0"/>
-                        </a:rPr>
-                        <a:t> (</a:t>
-                      </a:r>
-                      <a:r>
-                        <a:rPr lang="en-GB" sz="1400" dirty="0" err="1">
-                          <a:latin typeface="DejaVu Sans Book" panose="020B0603030804020204" pitchFamily="34" charset="0"/>
-                          <a:ea typeface="DejaVu Sans Book" panose="020B0603030804020204" pitchFamily="34" charset="0"/>
-                          <a:cs typeface="DejaVu Sans Book" panose="020B0603030804020204" pitchFamily="34" charset="0"/>
-                        </a:rPr>
-                        <a:t>venstre</a:t>
-                      </a:r>
-                      <a:r>
-                        <a:rPr lang="en-GB" sz="1400" dirty="0">
-                          <a:latin typeface="DejaVu Sans Book" panose="020B0603030804020204" pitchFamily="34" charset="0"/>
-                          <a:ea typeface="DejaVu Sans Book" panose="020B0603030804020204" pitchFamily="34" charset="0"/>
-                          <a:cs typeface="DejaVu Sans Book" panose="020B0603030804020204" pitchFamily="34" charset="0"/>
-                        </a:rPr>
-                        <a:t> </a:t>
-                      </a:r>
-                      <a:r>
-                        <a:rPr lang="en-GB" sz="1400" dirty="0" err="1">
-                          <a:latin typeface="DejaVu Sans Book" panose="020B0603030804020204" pitchFamily="34" charset="0"/>
-                          <a:ea typeface="DejaVu Sans Book" panose="020B0603030804020204" pitchFamily="34" charset="0"/>
-                          <a:cs typeface="DejaVu Sans Book" panose="020B0603030804020204" pitchFamily="34" charset="0"/>
-                        </a:rPr>
-                        <a:t>og</a:t>
-                      </a:r>
-                      <a:r>
-                        <a:rPr lang="en-GB" sz="1400" dirty="0">
-                          <a:latin typeface="DejaVu Sans Book" panose="020B0603030804020204" pitchFamily="34" charset="0"/>
-                          <a:ea typeface="DejaVu Sans Book" panose="020B0603030804020204" pitchFamily="34" charset="0"/>
-                          <a:cs typeface="DejaVu Sans Book" panose="020B0603030804020204" pitchFamily="34" charset="0"/>
-                        </a:rPr>
-                        <a:t> </a:t>
-                      </a:r>
-                      <a:r>
-                        <a:rPr lang="en-GB" sz="1400" dirty="0" err="1">
-                          <a:latin typeface="DejaVu Sans Book" panose="020B0603030804020204" pitchFamily="34" charset="0"/>
-                          <a:ea typeface="DejaVu Sans Book" panose="020B0603030804020204" pitchFamily="34" charset="0"/>
-                          <a:cs typeface="DejaVu Sans Book" panose="020B0603030804020204" pitchFamily="34" charset="0"/>
-                        </a:rPr>
-                        <a:t>højre</a:t>
-                      </a:r>
-                      <a:r>
-                        <a:rPr lang="en-GB" sz="1400" dirty="0">
-                          <a:latin typeface="DejaVu Sans Book" panose="020B0603030804020204" pitchFamily="34" charset="0"/>
-                          <a:ea typeface="DejaVu Sans Book" panose="020B0603030804020204" pitchFamily="34" charset="0"/>
-                          <a:cs typeface="DejaVu Sans Book" panose="020B0603030804020204" pitchFamily="34" charset="0"/>
-                        </a:rPr>
-                        <a:t> bit sat)</a:t>
-                      </a:r>
-                    </a:p>
-                  </a:txBody>
-                  <a:tcPr/>
-                </a:tc>
-                <a:extLst>
-                  <a:ext uri="{0D108BD9-81ED-4DB2-BD59-A6C34878D82A}">
-                    <a16:rowId xmlns:a16="http://schemas.microsoft.com/office/drawing/2014/main" val="3229732226"/>
-                  </a:ext>
-                </a:extLst>
-              </a:tr>
-            </a:tbl>
-          </a:graphicData>
-        </a:graphic>
-      </p:graphicFrame>
-    </p:spTree>
-    <p:extLst>
-      <p:ext uri="{BB962C8B-B14F-4D97-AF65-F5344CB8AC3E}">
-        <p14:creationId xmlns:p14="http://schemas.microsoft.com/office/powerpoint/2010/main" val="2177245406"/>
-      </p:ext>
-    </p:extLst>
-  </p:cSld>
-  <p:clrMapOvr>
-    <a:masterClrMapping/>
-  </p:clrMapOvr>
-  <p:timing>
-    <p:tnLst>
-      <p:par>
-        <p:cTn id="1" dur="indefinite" restart="never" nodeType="tmRoot">
-          <p:childTnLst>
-            <p:seq concurrent="1" nextAc="seek">
-              <p:cTn id="2" dur="indefinite" nodeType="mainSeq">
-                <p:childTnLst>
-                  <p:par>
-                    <p:cTn id="3" fill="hold">
-                      <p:stCondLst>
-                        <p:cond delay="indefinite"/>
-                      </p:stCondLst>
-                      <p:childTnLst>
-                        <p:par>
-                          <p:cTn id="4" fill="hold">
-                            <p:stCondLst>
-                              <p:cond delay="0"/>
-                            </p:stCondLst>
-                            <p:childTnLst>
-                              <p:par>
-                                <p:cTn id="5" presetID="1" presetClass="entr" presetSubtype="0" fill="hold" grpId="0" nodeType="clickEffect">
-                                  <p:stCondLst>
-                                    <p:cond delay="0"/>
-                                  </p:stCondLst>
-                                  <p:childTnLst>
-                                    <p:set>
-                                      <p:cBhvr>
-                                        <p:cTn id="6" dur="1" fill="hold">
-                                          <p:stCondLst>
-                                            <p:cond delay="0"/>
-                                          </p:stCondLst>
-                                        </p:cTn>
-                                        <p:tgtEl>
-                                          <p:spTgt spid="4"/>
-                                        </p:tgtEl>
-                                        <p:attrNameLst>
-                                          <p:attrName>style.visibility</p:attrName>
-                                        </p:attrNameLst>
-                                      </p:cBhvr>
-                                      <p:to>
-                                        <p:strVal val="visible"/>
-                                      </p:to>
-                                    </p:set>
-                                  </p:childTnLst>
-                                </p:cTn>
-                              </p:par>
-                            </p:childTnLst>
-                          </p:cTn>
-                        </p:par>
-                      </p:childTnLst>
-                    </p:cTn>
-                  </p:par>
-                  <p:par>
-                    <p:cTn id="7" fill="hold">
-                      <p:stCondLst>
-                        <p:cond delay="indefinite"/>
-                      </p:stCondLst>
-                      <p:childTnLst>
-                        <p:par>
-                          <p:cTn id="8" fill="hold">
-                            <p:stCondLst>
-                              <p:cond delay="0"/>
-                            </p:stCondLst>
-                            <p:childTnLst>
-                              <p:par>
-                                <p:cTn id="9" presetID="1" presetClass="entr" presetSubtype="0" fill="hold" nodeType="clickEffect">
-                                  <p:stCondLst>
-                                    <p:cond delay="0"/>
-                                  </p:stCondLst>
-                                  <p:childTnLst>
-                                    <p:set>
-                                      <p:cBhvr>
-                                        <p:cTn id="10" dur="1" fill="hold">
-                                          <p:stCondLst>
-                                            <p:cond delay="0"/>
-                                          </p:stCondLst>
-                                        </p:cTn>
-                                        <p:tgtEl>
-                                          <p:spTgt spid="8"/>
-                                        </p:tgtEl>
-                                        <p:attrNameLst>
-                                          <p:attrName>style.visibility</p:attrName>
-                                        </p:attrNameLst>
-                                      </p:cBhvr>
-                                      <p:to>
-                                        <p:strVal val="visible"/>
-                                      </p:to>
-                                    </p:set>
-                                  </p:childTnLst>
-                                </p:cTn>
-                              </p:par>
-                            </p:childTnLst>
-                          </p:cTn>
-                        </p:par>
-                      </p:childTnLst>
-                    </p:cTn>
-                  </p:par>
-                </p:childTnLst>
-              </p:cTn>
-              <p:prevCondLst>
-                <p:cond evt="onPrev" delay="0">
-                  <p:tgtEl>
-                    <p:sldTgt/>
-                  </p:tgtEl>
-                </p:cond>
-              </p:prevCondLst>
-              <p:nextCondLst>
-                <p:cond evt="onNext" delay="0">
-                  <p:tgtEl>
-                    <p:sldTgt/>
-                  </p:tgtEl>
-                </p:cond>
-              </p:nextCondLst>
-            </p:seq>
-          </p:childTnLst>
-        </p:cTn>
-      </p:par>
-    </p:tnLst>
-    <p:bldLst>
-      <p:bldP spid="4" grpId="0"/>
-    </p:bldLst>
-  </p:timing>
-</p:sld>
-</file>
-
-<file path=ppt/slides/slide9.xml><?xml version="1.0" encoding="utf-8"?>
-<p:sld xmlns:a="http://schemas.openxmlformats.org/drawingml/2006/main" xmlns:r="http://schemas.openxmlformats.org/officeDocument/2006/relationships" xmlns:p="http://schemas.openxmlformats.org/presentationml/2006/main">
-  <p:cSld>
-    <p:spTree>
-      <p:nvGrpSpPr>
-        <p:cNvPr id="1" name=""/>
-        <p:cNvGrpSpPr/>
-        <p:nvPr/>
-      </p:nvGrpSpPr>
-      <p:grpSpPr>
-        <a:xfrm>
-          <a:off x="0" y="0"/>
-          <a:ext cx="0" cy="0"/>
-          <a:chOff x="0" y="0"/>
-          <a:chExt cx="0" cy="0"/>
-        </a:xfrm>
-      </p:grpSpPr>
-      <p:sp>
-        <p:nvSpPr>
-          <p:cNvPr id="2" name="Title 1">
-            <a:extLst>
-              <a:ext uri="{FF2B5EF4-FFF2-40B4-BE49-F238E27FC236}">
-                <a16:creationId xmlns:a16="http://schemas.microsoft.com/office/drawing/2014/main" id="{26A64B78-8D7F-9146-8E6A-B32DCB403940}"/>
-              </a:ext>
-            </a:extLst>
-          </p:cNvPr>
-          <p:cNvSpPr>
-            <a:spLocks noGrp="1"/>
-          </p:cNvSpPr>
-          <p:nvPr>
-            <p:ph type="title"/>
-          </p:nvPr>
-        </p:nvSpPr>
-        <p:spPr>
-          <a:xfrm>
-            <a:off x="428626" y="0"/>
-            <a:ext cx="10515600" cy="1325563"/>
-          </a:xfrm>
-        </p:spPr>
-        <p:txBody>
-          <a:bodyPr/>
-          <a:lstStyle/>
-          <a:p>
-            <a:r>
-              <a:rPr lang="en-GB" dirty="0"/>
-              <a:t>White-box (unit) testing</a:t>
-            </a:r>
-          </a:p>
-        </p:txBody>
-      </p:sp>
-      <p:sp>
-        <p:nvSpPr>
-          <p:cNvPr id="4" name="Rectangle 3">
-            <a:extLst>
-              <a:ext uri="{FF2B5EF4-FFF2-40B4-BE49-F238E27FC236}">
-                <a16:creationId xmlns:a16="http://schemas.microsoft.com/office/drawing/2014/main" id="{36284481-9526-FA45-BAC0-8857EA5072F9}"/>
-              </a:ext>
-            </a:extLst>
-          </p:cNvPr>
-          <p:cNvSpPr/>
-          <p:nvPr/>
-        </p:nvSpPr>
-        <p:spPr>
-          <a:xfrm>
-            <a:off x="232929" y="1176439"/>
-            <a:ext cx="6026203" cy="5262979"/>
-          </a:xfrm>
-          <a:prstGeom prst="rect">
-            <a:avLst/>
-          </a:prstGeom>
-        </p:spPr>
-        <p:txBody>
-          <a:bodyPr wrap="square">
-            <a:spAutoFit/>
-          </a:bodyPr>
-          <a:lstStyle/>
-          <a:p>
-            <a:r>
-              <a:rPr lang="en-GB" sz="1600" dirty="0">
-                <a:latin typeface="DejaVu Sans Book" panose="020B0603030804020204" pitchFamily="34" charset="0"/>
-                <a:ea typeface="DejaVu Sans Book" panose="020B0603030804020204" pitchFamily="34" charset="0"/>
-                <a:cs typeface="DejaVu Sans Book" panose="020B0603030804020204" pitchFamily="34" charset="0"/>
-              </a:rPr>
-              <a:t>// Unit : dec2bin</a:t>
-            </a:r>
-          </a:p>
-          <a:p>
-            <a:r>
-              <a:rPr lang="en-GB" sz="1600" dirty="0">
-                <a:latin typeface="DejaVu Sans Book" panose="020B0603030804020204" pitchFamily="34" charset="0"/>
-                <a:ea typeface="DejaVu Sans Book" panose="020B0603030804020204" pitchFamily="34" charset="0"/>
-                <a:cs typeface="DejaVu Sans Book" panose="020B0603030804020204" pitchFamily="34" charset="0"/>
-              </a:rPr>
-              <a:t>let dec2bin n =</a:t>
-            </a:r>
-          </a:p>
-          <a:p>
-            <a:r>
-              <a:rPr lang="en-GB" sz="1600" dirty="0">
-                <a:latin typeface="DejaVu Sans Book" panose="020B0603030804020204" pitchFamily="34" charset="0"/>
-                <a:ea typeface="DejaVu Sans Book" panose="020B0603030804020204" pitchFamily="34" charset="0"/>
-                <a:cs typeface="DejaVu Sans Book" panose="020B0603030804020204" pitchFamily="34" charset="0"/>
-              </a:rPr>
-              <a:t>  if n &lt; 0 then</a:t>
-            </a:r>
-          </a:p>
-          <a:p>
-            <a:r>
-              <a:rPr lang="en-GB" sz="1600" dirty="0">
-                <a:latin typeface="DejaVu Sans Book" panose="020B0603030804020204" pitchFamily="34" charset="0"/>
-                <a:ea typeface="DejaVu Sans Book" panose="020B0603030804020204" pitchFamily="34" charset="0"/>
-                <a:cs typeface="DejaVu Sans Book" panose="020B0603030804020204" pitchFamily="34" charset="0"/>
-              </a:rPr>
-              <a:t>    "Illegal value"</a:t>
-            </a:r>
-          </a:p>
-          <a:p>
-            <a:r>
-              <a:rPr lang="en-GB" sz="1600" dirty="0">
-                <a:latin typeface="DejaVu Sans Book" panose="020B0603030804020204" pitchFamily="34" charset="0"/>
-                <a:ea typeface="DejaVu Sans Book" panose="020B0603030804020204" pitchFamily="34" charset="0"/>
-                <a:cs typeface="DejaVu Sans Book" panose="020B0603030804020204" pitchFamily="34" charset="0"/>
-              </a:rPr>
-              <a:t>  </a:t>
-            </a:r>
-            <a:r>
-              <a:rPr lang="en-GB" sz="1600" dirty="0" err="1">
-                <a:latin typeface="DejaVu Sans Book" panose="020B0603030804020204" pitchFamily="34" charset="0"/>
-                <a:ea typeface="DejaVu Sans Book" panose="020B0603030804020204" pitchFamily="34" charset="0"/>
-                <a:cs typeface="DejaVu Sans Book" panose="020B0603030804020204" pitchFamily="34" charset="0"/>
-              </a:rPr>
-              <a:t>elif</a:t>
-            </a:r>
-            <a:r>
-              <a:rPr lang="en-GB" sz="1600" dirty="0">
-                <a:latin typeface="DejaVu Sans Book" panose="020B0603030804020204" pitchFamily="34" charset="0"/>
-                <a:ea typeface="DejaVu Sans Book" panose="020B0603030804020204" pitchFamily="34" charset="0"/>
-                <a:cs typeface="DejaVu Sans Book" panose="020B0603030804020204" pitchFamily="34" charset="0"/>
-              </a:rPr>
-              <a:t> n = 0 then</a:t>
-            </a:r>
-          </a:p>
-          <a:p>
-            <a:r>
-              <a:rPr lang="en-GB" sz="1600" dirty="0">
-                <a:latin typeface="DejaVu Sans Book" panose="020B0603030804020204" pitchFamily="34" charset="0"/>
-                <a:ea typeface="DejaVu Sans Book" panose="020B0603030804020204" pitchFamily="34" charset="0"/>
-                <a:cs typeface="DejaVu Sans Book" panose="020B0603030804020204" pitchFamily="34" charset="0"/>
-              </a:rPr>
-              <a:t>    "0b0"</a:t>
-            </a:r>
-          </a:p>
-          <a:p>
-            <a:r>
-              <a:rPr lang="en-GB" sz="1600" dirty="0">
-                <a:latin typeface="DejaVu Sans Book" panose="020B0603030804020204" pitchFamily="34" charset="0"/>
-                <a:ea typeface="DejaVu Sans Book" panose="020B0603030804020204" pitchFamily="34" charset="0"/>
-                <a:cs typeface="DejaVu Sans Book" panose="020B0603030804020204" pitchFamily="34" charset="0"/>
-              </a:rPr>
-              <a:t>  else</a:t>
-            </a:r>
-          </a:p>
-          <a:p>
-            <a:r>
-              <a:rPr lang="en-GB" sz="1600" dirty="0">
-                <a:latin typeface="DejaVu Sans Book" panose="020B0603030804020204" pitchFamily="34" charset="0"/>
-                <a:ea typeface="DejaVu Sans Book" panose="020B0603030804020204" pitchFamily="34" charset="0"/>
-                <a:cs typeface="DejaVu Sans Book" panose="020B0603030804020204" pitchFamily="34" charset="0"/>
-              </a:rPr>
-              <a:t>    let mutable v = n</a:t>
-            </a:r>
-          </a:p>
-          <a:p>
-            <a:r>
-              <a:rPr lang="en-GB" sz="1600" dirty="0">
-                <a:latin typeface="DejaVu Sans Book" panose="020B0603030804020204" pitchFamily="34" charset="0"/>
-                <a:ea typeface="DejaVu Sans Book" panose="020B0603030804020204" pitchFamily="34" charset="0"/>
-                <a:cs typeface="DejaVu Sans Book" panose="020B0603030804020204" pitchFamily="34" charset="0"/>
-              </a:rPr>
-              <a:t>    let mutable </a:t>
-            </a:r>
-            <a:r>
-              <a:rPr lang="en-GB" sz="1600" dirty="0" err="1">
-                <a:latin typeface="DejaVu Sans Book" panose="020B0603030804020204" pitchFamily="34" charset="0"/>
-                <a:ea typeface="DejaVu Sans Book" panose="020B0603030804020204" pitchFamily="34" charset="0"/>
-                <a:cs typeface="DejaVu Sans Book" panose="020B0603030804020204" pitchFamily="34" charset="0"/>
-              </a:rPr>
-              <a:t>str</a:t>
-            </a:r>
-            <a:r>
-              <a:rPr lang="en-GB" sz="1600" dirty="0">
-                <a:latin typeface="DejaVu Sans Book" panose="020B0603030804020204" pitchFamily="34" charset="0"/>
-                <a:ea typeface="DejaVu Sans Book" panose="020B0603030804020204" pitchFamily="34" charset="0"/>
-                <a:cs typeface="DejaVu Sans Book" panose="020B0603030804020204" pitchFamily="34" charset="0"/>
-              </a:rPr>
-              <a:t> = ""</a:t>
-            </a:r>
-          </a:p>
-          <a:p>
-            <a:r>
-              <a:rPr lang="en-GB" sz="1600" dirty="0">
-                <a:latin typeface="DejaVu Sans Book" panose="020B0603030804020204" pitchFamily="34" charset="0"/>
-                <a:ea typeface="DejaVu Sans Book" panose="020B0603030804020204" pitchFamily="34" charset="0"/>
-                <a:cs typeface="DejaVu Sans Book" panose="020B0603030804020204" pitchFamily="34" charset="0"/>
-              </a:rPr>
-              <a:t>    while v &gt; 0 do</a:t>
-            </a:r>
-          </a:p>
-          <a:p>
-            <a:r>
-              <a:rPr lang="en-GB" sz="1600" dirty="0">
-                <a:latin typeface="DejaVu Sans Book" panose="020B0603030804020204" pitchFamily="34" charset="0"/>
-                <a:ea typeface="DejaVu Sans Book" panose="020B0603030804020204" pitchFamily="34" charset="0"/>
-                <a:cs typeface="DejaVu Sans Book" panose="020B0603030804020204" pitchFamily="34" charset="0"/>
-              </a:rPr>
-              <a:t>      </a:t>
-            </a:r>
-            <a:r>
-              <a:rPr lang="en-GB" sz="1600" dirty="0" err="1">
-                <a:latin typeface="DejaVu Sans Book" panose="020B0603030804020204" pitchFamily="34" charset="0"/>
-                <a:ea typeface="DejaVu Sans Book" panose="020B0603030804020204" pitchFamily="34" charset="0"/>
-                <a:cs typeface="DejaVu Sans Book" panose="020B0603030804020204" pitchFamily="34" charset="0"/>
-              </a:rPr>
-              <a:t>str</a:t>
-            </a:r>
-            <a:r>
-              <a:rPr lang="en-GB" sz="1600" dirty="0">
-                <a:latin typeface="DejaVu Sans Book" panose="020B0603030804020204" pitchFamily="34" charset="0"/>
-                <a:ea typeface="DejaVu Sans Book" panose="020B0603030804020204" pitchFamily="34" charset="0"/>
-                <a:cs typeface="DejaVu Sans Book" panose="020B0603030804020204" pitchFamily="34" charset="0"/>
-              </a:rPr>
-              <a:t> &lt;- (string (v % 2)) + </a:t>
-            </a:r>
-            <a:r>
-              <a:rPr lang="en-GB" sz="1600" dirty="0" err="1">
-                <a:latin typeface="DejaVu Sans Book" panose="020B0603030804020204" pitchFamily="34" charset="0"/>
-                <a:ea typeface="DejaVu Sans Book" panose="020B0603030804020204" pitchFamily="34" charset="0"/>
-                <a:cs typeface="DejaVu Sans Book" panose="020B0603030804020204" pitchFamily="34" charset="0"/>
-              </a:rPr>
-              <a:t>str</a:t>
-            </a:r>
-            <a:endParaRPr lang="en-GB" sz="1600" dirty="0">
-              <a:latin typeface="DejaVu Sans Book" panose="020B0603030804020204" pitchFamily="34" charset="0"/>
-              <a:ea typeface="DejaVu Sans Book" panose="020B0603030804020204" pitchFamily="34" charset="0"/>
-              <a:cs typeface="DejaVu Sans Book" panose="020B0603030804020204" pitchFamily="34" charset="0"/>
-            </a:endParaRPr>
-          </a:p>
-          <a:p>
-            <a:r>
-              <a:rPr lang="en-GB" sz="1600" dirty="0">
-                <a:latin typeface="DejaVu Sans Book" panose="020B0603030804020204" pitchFamily="34" charset="0"/>
-                <a:ea typeface="DejaVu Sans Book" panose="020B0603030804020204" pitchFamily="34" charset="0"/>
-                <a:cs typeface="DejaVu Sans Book" panose="020B0603030804020204" pitchFamily="34" charset="0"/>
-              </a:rPr>
-              <a:t>      v &lt;- v / 2</a:t>
-            </a:r>
-          </a:p>
-          <a:p>
-            <a:r>
-              <a:rPr lang="en-GB" sz="1600" dirty="0">
-                <a:latin typeface="DejaVu Sans Book" panose="020B0603030804020204" pitchFamily="34" charset="0"/>
-                <a:ea typeface="DejaVu Sans Book" panose="020B0603030804020204" pitchFamily="34" charset="0"/>
-                <a:cs typeface="DejaVu Sans Book" panose="020B0603030804020204" pitchFamily="34" charset="0"/>
-              </a:rPr>
-              <a:t>    "0b" + </a:t>
-            </a:r>
-            <a:r>
-              <a:rPr lang="en-GB" sz="1600" dirty="0" err="1">
-                <a:latin typeface="DejaVu Sans Book" panose="020B0603030804020204" pitchFamily="34" charset="0"/>
-                <a:ea typeface="DejaVu Sans Book" panose="020B0603030804020204" pitchFamily="34" charset="0"/>
-                <a:cs typeface="DejaVu Sans Book" panose="020B0603030804020204" pitchFamily="34" charset="0"/>
-              </a:rPr>
-              <a:t>str</a:t>
-            </a:r>
-            <a:endParaRPr lang="en-GB" sz="1600" dirty="0">
-              <a:latin typeface="DejaVu Sans Book" panose="020B0603030804020204" pitchFamily="34" charset="0"/>
-              <a:ea typeface="DejaVu Sans Book" panose="020B0603030804020204" pitchFamily="34" charset="0"/>
-              <a:cs typeface="DejaVu Sans Book" panose="020B0603030804020204" pitchFamily="34" charset="0"/>
-            </a:endParaRPr>
-          </a:p>
-          <a:p>
-            <a:endParaRPr lang="en-GB" sz="1600" dirty="0">
-              <a:latin typeface="DejaVu Sans Book" panose="020B0603030804020204" pitchFamily="34" charset="0"/>
-              <a:ea typeface="DejaVu Sans Book" panose="020B0603030804020204" pitchFamily="34" charset="0"/>
-              <a:cs typeface="DejaVu Sans Book" panose="020B0603030804020204" pitchFamily="34" charset="0"/>
-            </a:endParaRPr>
-          </a:p>
-          <a:p>
-            <a:r>
-              <a:rPr lang="en-GB" sz="1600" dirty="0" err="1">
-                <a:latin typeface="DejaVu Sans Book" panose="020B0603030804020204" pitchFamily="34" charset="0"/>
-                <a:ea typeface="DejaVu Sans Book" panose="020B0603030804020204" pitchFamily="34" charset="0"/>
-                <a:cs typeface="DejaVu Sans Book" panose="020B0603030804020204" pitchFamily="34" charset="0"/>
-              </a:rPr>
-              <a:t>printfn</a:t>
-            </a:r>
-            <a:r>
-              <a:rPr lang="en-GB" sz="1600" dirty="0">
-                <a:latin typeface="DejaVu Sans Book" panose="020B0603030804020204" pitchFamily="34" charset="0"/>
-                <a:ea typeface="DejaVu Sans Book" panose="020B0603030804020204" pitchFamily="34" charset="0"/>
-                <a:cs typeface="DejaVu Sans Book" panose="020B0603030804020204" pitchFamily="34" charset="0"/>
-              </a:rPr>
-              <a:t> "Black-box testing of dec2bin.fsx"</a:t>
-            </a:r>
-          </a:p>
-          <a:p>
-            <a:r>
-              <a:rPr lang="en-GB" sz="1600" dirty="0" err="1">
-                <a:latin typeface="DejaVu Sans Book" panose="020B0603030804020204" pitchFamily="34" charset="0"/>
-                <a:ea typeface="DejaVu Sans Book" panose="020B0603030804020204" pitchFamily="34" charset="0"/>
-                <a:cs typeface="DejaVu Sans Book" panose="020B0603030804020204" pitchFamily="34" charset="0"/>
-              </a:rPr>
-              <a:t>printfn</a:t>
-            </a:r>
-            <a:r>
-              <a:rPr lang="en-GB" sz="1600" dirty="0">
-                <a:latin typeface="DejaVu Sans Book" panose="020B0603030804020204" pitchFamily="34" charset="0"/>
-                <a:ea typeface="DejaVu Sans Book" panose="020B0603030804020204" pitchFamily="34" charset="0"/>
-                <a:cs typeface="DejaVu Sans Book" panose="020B0603030804020204" pitchFamily="34" charset="0"/>
-              </a:rPr>
-              <a:t> "  n &lt; 0  - %b" (dec2bin -1 = "Illegal value")</a:t>
-            </a:r>
-          </a:p>
-          <a:p>
-            <a:r>
-              <a:rPr lang="en-GB" sz="1600" dirty="0" err="1">
-                <a:latin typeface="DejaVu Sans Book" panose="020B0603030804020204" pitchFamily="34" charset="0"/>
-                <a:ea typeface="DejaVu Sans Book" panose="020B0603030804020204" pitchFamily="34" charset="0"/>
-                <a:cs typeface="DejaVu Sans Book" panose="020B0603030804020204" pitchFamily="34" charset="0"/>
-              </a:rPr>
-              <a:t>printfn</a:t>
-            </a:r>
-            <a:r>
-              <a:rPr lang="en-GB" sz="1600" dirty="0">
-                <a:latin typeface="DejaVu Sans Book" panose="020B0603030804020204" pitchFamily="34" charset="0"/>
-                <a:ea typeface="DejaVu Sans Book" panose="020B0603030804020204" pitchFamily="34" charset="0"/>
-                <a:cs typeface="DejaVu Sans Book" panose="020B0603030804020204" pitchFamily="34" charset="0"/>
-              </a:rPr>
-              <a:t> "  n = 0  - %b" (dec2bin 0 = "0b0")</a:t>
-            </a:r>
-          </a:p>
-          <a:p>
-            <a:r>
-              <a:rPr lang="en-GB" sz="1600" dirty="0" err="1">
-                <a:latin typeface="DejaVu Sans Book" panose="020B0603030804020204" pitchFamily="34" charset="0"/>
-                <a:ea typeface="DejaVu Sans Book" panose="020B0603030804020204" pitchFamily="34" charset="0"/>
-                <a:cs typeface="DejaVu Sans Book" panose="020B0603030804020204" pitchFamily="34" charset="0"/>
-              </a:rPr>
-              <a:t>printfn</a:t>
-            </a:r>
-            <a:r>
-              <a:rPr lang="en-GB" sz="1600" dirty="0">
-                <a:latin typeface="DejaVu Sans Book" panose="020B0603030804020204" pitchFamily="34" charset="0"/>
-                <a:ea typeface="DejaVu Sans Book" panose="020B0603030804020204" pitchFamily="34" charset="0"/>
-                <a:cs typeface="DejaVu Sans Book" panose="020B0603030804020204" pitchFamily="34" charset="0"/>
-              </a:rPr>
-              <a:t> "  n = 1  - %b" (dec2bin 1 = "0b1")</a:t>
-            </a:r>
-          </a:p>
-          <a:p>
-            <a:r>
-              <a:rPr lang="en-GB" sz="1600" dirty="0" err="1">
-                <a:latin typeface="DejaVu Sans Book" panose="020B0603030804020204" pitchFamily="34" charset="0"/>
-                <a:ea typeface="DejaVu Sans Book" panose="020B0603030804020204" pitchFamily="34" charset="0"/>
-                <a:cs typeface="DejaVu Sans Book" panose="020B0603030804020204" pitchFamily="34" charset="0"/>
-              </a:rPr>
-              <a:t>printfn</a:t>
-            </a:r>
-            <a:r>
-              <a:rPr lang="en-GB" sz="1600" dirty="0">
-                <a:latin typeface="DejaVu Sans Book" panose="020B0603030804020204" pitchFamily="34" charset="0"/>
-                <a:ea typeface="DejaVu Sans Book" panose="020B0603030804020204" pitchFamily="34" charset="0"/>
-                <a:cs typeface="DejaVu Sans Book" panose="020B0603030804020204" pitchFamily="34" charset="0"/>
-              </a:rPr>
-              <a:t> "  n = 2  - %b" (dec2bin 2 = "0b10")</a:t>
-            </a:r>
-          </a:p>
-          <a:p>
-            <a:r>
-              <a:rPr lang="en-GB" sz="1600" dirty="0" err="1">
-                <a:latin typeface="DejaVu Sans Book" panose="020B0603030804020204" pitchFamily="34" charset="0"/>
-                <a:ea typeface="DejaVu Sans Book" panose="020B0603030804020204" pitchFamily="34" charset="0"/>
-                <a:cs typeface="DejaVu Sans Book" panose="020B0603030804020204" pitchFamily="34" charset="0"/>
-              </a:rPr>
-              <a:t>printfn</a:t>
-            </a:r>
-            <a:r>
-              <a:rPr lang="en-GB" sz="1600" dirty="0">
-                <a:latin typeface="DejaVu Sans Book" panose="020B0603030804020204" pitchFamily="34" charset="0"/>
-                <a:ea typeface="DejaVu Sans Book" panose="020B0603030804020204" pitchFamily="34" charset="0"/>
-                <a:cs typeface="DejaVu Sans Book" panose="020B0603030804020204" pitchFamily="34" charset="0"/>
-              </a:rPr>
-              <a:t> "  n = 10 - %b" (dec2bin 10 = "0b1010")</a:t>
-            </a:r>
-          </a:p>
-          <a:p>
-            <a:r>
-              <a:rPr lang="en-GB" sz="1600" dirty="0" err="1">
-                <a:latin typeface="DejaVu Sans Book" panose="020B0603030804020204" pitchFamily="34" charset="0"/>
-                <a:ea typeface="DejaVu Sans Book" panose="020B0603030804020204" pitchFamily="34" charset="0"/>
-                <a:cs typeface="DejaVu Sans Book" panose="020B0603030804020204" pitchFamily="34" charset="0"/>
-              </a:rPr>
-              <a:t>printfn</a:t>
-            </a:r>
-            <a:r>
-              <a:rPr lang="en-GB" sz="1600" dirty="0">
-                <a:latin typeface="DejaVu Sans Book" panose="020B0603030804020204" pitchFamily="34" charset="0"/>
-                <a:ea typeface="DejaVu Sans Book" panose="020B0603030804020204" pitchFamily="34" charset="0"/>
-                <a:cs typeface="DejaVu Sans Book" panose="020B0603030804020204" pitchFamily="34" charset="0"/>
-              </a:rPr>
-              <a:t> "  n = 11 - %b" (dec2bin 11 = "0b1011")</a:t>
-            </a:r>
-          </a:p>
-        </p:txBody>
-      </p:sp>
-      <p:sp>
-        <p:nvSpPr>
-          <p:cNvPr id="11" name="Rectangle 10">
-            <a:extLst>
-              <a:ext uri="{FF2B5EF4-FFF2-40B4-BE49-F238E27FC236}">
-                <a16:creationId xmlns:a16="http://schemas.microsoft.com/office/drawing/2014/main" id="{E656735C-B1EC-AC44-AC2D-49CFBC80FFAF}"/>
-              </a:ext>
-            </a:extLst>
-          </p:cNvPr>
-          <p:cNvSpPr/>
-          <p:nvPr/>
-        </p:nvSpPr>
-        <p:spPr>
-          <a:xfrm>
-            <a:off x="6668073" y="4354602"/>
-            <a:ext cx="5523927" cy="2062103"/>
-          </a:xfrm>
-          <a:prstGeom prst="rect">
-            <a:avLst/>
-          </a:prstGeom>
-        </p:spPr>
-        <p:txBody>
-          <a:bodyPr wrap="square">
-            <a:spAutoFit/>
-          </a:bodyPr>
-          <a:lstStyle/>
-          <a:p>
-            <a:r>
-              <a:rPr lang="en-GB" sz="1600" dirty="0">
-                <a:latin typeface="DejaVu Sans Book" panose="020B0603030804020204" pitchFamily="34" charset="0"/>
-                <a:ea typeface="DejaVu Sans Book" panose="020B0603030804020204" pitchFamily="34" charset="0"/>
-                <a:cs typeface="DejaVu Sans Book" panose="020B0603030804020204" pitchFamily="34" charset="0"/>
-              </a:rPr>
-              <a:t>$ </a:t>
-            </a:r>
-            <a:r>
-              <a:rPr lang="en-GB" sz="1600" dirty="0" err="1">
-                <a:latin typeface="DejaVu Sans Book" panose="020B0603030804020204" pitchFamily="34" charset="0"/>
-                <a:ea typeface="DejaVu Sans Book" panose="020B0603030804020204" pitchFamily="34" charset="0"/>
-                <a:cs typeface="DejaVu Sans Book" panose="020B0603030804020204" pitchFamily="34" charset="0"/>
-              </a:rPr>
-              <a:t>fsharpi</a:t>
-            </a:r>
-            <a:r>
-              <a:rPr lang="en-GB" sz="1600" dirty="0">
-                <a:latin typeface="DejaVu Sans Book" panose="020B0603030804020204" pitchFamily="34" charset="0"/>
-                <a:ea typeface="DejaVu Sans Book" panose="020B0603030804020204" pitchFamily="34" charset="0"/>
-                <a:cs typeface="DejaVu Sans Book" panose="020B0603030804020204" pitchFamily="34" charset="0"/>
-              </a:rPr>
-              <a:t> dec2binBlackTest.fsx</a:t>
-            </a:r>
-          </a:p>
-          <a:p>
-            <a:r>
-              <a:rPr lang="en-GB" sz="1600" dirty="0">
-                <a:latin typeface="DejaVu Sans Book" panose="020B0603030804020204" pitchFamily="34" charset="0"/>
-                <a:ea typeface="DejaVu Sans Book" panose="020B0603030804020204" pitchFamily="34" charset="0"/>
-                <a:cs typeface="DejaVu Sans Book" panose="020B0603030804020204" pitchFamily="34" charset="0"/>
-              </a:rPr>
-              <a:t>Black-box testing of dec2bin.fsx</a:t>
-            </a:r>
-          </a:p>
-          <a:p>
-            <a:r>
-              <a:rPr lang="en-GB" sz="1600" dirty="0">
-                <a:latin typeface="DejaVu Sans Book" panose="020B0603030804020204" pitchFamily="34" charset="0"/>
-                <a:ea typeface="DejaVu Sans Book" panose="020B0603030804020204" pitchFamily="34" charset="0"/>
-                <a:cs typeface="DejaVu Sans Book" panose="020B0603030804020204" pitchFamily="34" charset="0"/>
-              </a:rPr>
-              <a:t>  n &lt; 0  - true</a:t>
-            </a:r>
-          </a:p>
-          <a:p>
-            <a:r>
-              <a:rPr lang="en-GB" sz="1600" dirty="0">
-                <a:latin typeface="DejaVu Sans Book" panose="020B0603030804020204" pitchFamily="34" charset="0"/>
-                <a:ea typeface="DejaVu Sans Book" panose="020B0603030804020204" pitchFamily="34" charset="0"/>
-                <a:cs typeface="DejaVu Sans Book" panose="020B0603030804020204" pitchFamily="34" charset="0"/>
-              </a:rPr>
-              <a:t>  n = 0  - true</a:t>
-            </a:r>
-          </a:p>
-          <a:p>
-            <a:r>
-              <a:rPr lang="en-GB" sz="1600" dirty="0">
-                <a:latin typeface="DejaVu Sans Book" panose="020B0603030804020204" pitchFamily="34" charset="0"/>
-                <a:ea typeface="DejaVu Sans Book" panose="020B0603030804020204" pitchFamily="34" charset="0"/>
-                <a:cs typeface="DejaVu Sans Book" panose="020B0603030804020204" pitchFamily="34" charset="0"/>
-              </a:rPr>
-              <a:t>  n = 1  - true</a:t>
-            </a:r>
-          </a:p>
-          <a:p>
-            <a:r>
-              <a:rPr lang="en-GB" sz="1600" dirty="0">
-                <a:latin typeface="DejaVu Sans Book" panose="020B0603030804020204" pitchFamily="34" charset="0"/>
-                <a:ea typeface="DejaVu Sans Book" panose="020B0603030804020204" pitchFamily="34" charset="0"/>
-                <a:cs typeface="DejaVu Sans Book" panose="020B0603030804020204" pitchFamily="34" charset="0"/>
-              </a:rPr>
-              <a:t>  n = 2  - true</a:t>
-            </a:r>
-          </a:p>
-          <a:p>
-            <a:r>
-              <a:rPr lang="en-GB" sz="1600" dirty="0">
-                <a:latin typeface="DejaVu Sans Book" panose="020B0603030804020204" pitchFamily="34" charset="0"/>
-                <a:ea typeface="DejaVu Sans Book" panose="020B0603030804020204" pitchFamily="34" charset="0"/>
-                <a:cs typeface="DejaVu Sans Book" panose="020B0603030804020204" pitchFamily="34" charset="0"/>
-              </a:rPr>
-              <a:t>  n = 10 - true</a:t>
-            </a:r>
-          </a:p>
-          <a:p>
-            <a:r>
-              <a:rPr lang="en-GB" sz="1600" dirty="0">
-                <a:latin typeface="DejaVu Sans Book" panose="020B0603030804020204" pitchFamily="34" charset="0"/>
-                <a:ea typeface="DejaVu Sans Book" panose="020B0603030804020204" pitchFamily="34" charset="0"/>
-                <a:cs typeface="DejaVu Sans Book" panose="020B0603030804020204" pitchFamily="34" charset="0"/>
-              </a:rPr>
-              <a:t>  n = 11 - true</a:t>
-            </a:r>
-          </a:p>
-        </p:txBody>
-      </p:sp>
-      <p:cxnSp>
-        <p:nvCxnSpPr>
-          <p:cNvPr id="12" name="Straight Connector 11">
-            <a:extLst>
-              <a:ext uri="{FF2B5EF4-FFF2-40B4-BE49-F238E27FC236}">
-                <a16:creationId xmlns:a16="http://schemas.microsoft.com/office/drawing/2014/main" id="{C637B8AF-C58C-2848-AB32-2980467C7F59}"/>
-              </a:ext>
-            </a:extLst>
-          </p:cNvPr>
-          <p:cNvCxnSpPr>
-            <a:cxnSpLocks/>
-          </p:cNvCxnSpPr>
-          <p:nvPr/>
-        </p:nvCxnSpPr>
-        <p:spPr>
-          <a:xfrm flipV="1">
-            <a:off x="6413679" y="4018207"/>
-            <a:ext cx="5533622" cy="12879"/>
-          </a:xfrm>
-          <a:prstGeom prst="line">
-            <a:avLst/>
-          </a:prstGeom>
-        </p:spPr>
-        <p:style>
-          <a:lnRef idx="1">
-            <a:schemeClr val="accent1"/>
-          </a:lnRef>
-          <a:fillRef idx="0">
-            <a:schemeClr val="accent1"/>
-          </a:fillRef>
-          <a:effectRef idx="0">
-            <a:schemeClr val="accent1"/>
-          </a:effectRef>
-          <a:fontRef idx="minor">
-            <a:schemeClr val="tx1"/>
-          </a:fontRef>
-        </p:style>
-      </p:cxnSp>
-      <p:cxnSp>
-        <p:nvCxnSpPr>
-          <p:cNvPr id="13" name="Straight Connector 12">
-            <a:extLst>
-              <a:ext uri="{FF2B5EF4-FFF2-40B4-BE49-F238E27FC236}">
-                <a16:creationId xmlns:a16="http://schemas.microsoft.com/office/drawing/2014/main" id="{8A9E52AB-1193-7A4E-934B-99D78A8F1CCB}"/>
-              </a:ext>
-            </a:extLst>
-          </p:cNvPr>
-          <p:cNvCxnSpPr>
-            <a:cxnSpLocks/>
-          </p:cNvCxnSpPr>
-          <p:nvPr/>
-        </p:nvCxnSpPr>
-        <p:spPr>
-          <a:xfrm>
-            <a:off x="6413679" y="4018207"/>
-            <a:ext cx="0" cy="2137893"/>
-          </a:xfrm>
-          <a:prstGeom prst="line">
-            <a:avLst/>
-          </a:prstGeom>
-        </p:spPr>
-        <p:style>
-          <a:lnRef idx="1">
-            <a:schemeClr val="accent1"/>
-          </a:lnRef>
-          <a:fillRef idx="0">
-            <a:schemeClr val="accent1"/>
-          </a:fillRef>
-          <a:effectRef idx="0">
-            <a:schemeClr val="accent1"/>
-          </a:effectRef>
-          <a:fontRef idx="minor">
-            <a:schemeClr val="tx1"/>
-          </a:fontRef>
-        </p:style>
-      </p:cxnSp>
-      <p:graphicFrame>
-        <p:nvGraphicFramePr>
-          <p:cNvPr id="9" name="Table 8">
-            <a:extLst>
-              <a:ext uri="{FF2B5EF4-FFF2-40B4-BE49-F238E27FC236}">
-                <a16:creationId xmlns:a16="http://schemas.microsoft.com/office/drawing/2014/main" id="{206B80B6-5304-6548-BAC9-B95E27C48BC0}"/>
-              </a:ext>
-            </a:extLst>
-          </p:cNvPr>
-          <p:cNvGraphicFramePr>
-            <a:graphicFrameLocks noGrp="1"/>
-          </p:cNvGraphicFramePr>
-          <p:nvPr>
-            <p:extLst>
-              <p:ext uri="{D42A27DB-BD31-4B8C-83A1-F6EECF244321}">
-                <p14:modId xmlns:p14="http://schemas.microsoft.com/office/powerpoint/2010/main" val="3444855368"/>
-              </p:ext>
-            </p:extLst>
-          </p:nvPr>
-        </p:nvGraphicFramePr>
-        <p:xfrm>
-          <a:off x="6263424" y="29579"/>
-          <a:ext cx="5834132" cy="2834640"/>
-        </p:xfrm>
-        <a:graphic>
-          <a:graphicData uri="http://schemas.openxmlformats.org/drawingml/2006/table">
-            <a:tbl>
-              <a:tblPr firstRow="1" bandRow="1">
-                <a:tableStyleId>{5C22544A-7EE6-4342-B048-85BDC9FD1C3A}</a:tableStyleId>
-              </a:tblPr>
-              <a:tblGrid>
-                <a:gridCol w="1458533">
-                  <a:extLst>
-                    <a:ext uri="{9D8B030D-6E8A-4147-A177-3AD203B41FA5}">
-                      <a16:colId xmlns:a16="http://schemas.microsoft.com/office/drawing/2014/main" val="1532162595"/>
-                    </a:ext>
-                  </a:extLst>
-                </a:gridCol>
-                <a:gridCol w="1458533">
-                  <a:extLst>
-                    <a:ext uri="{9D8B030D-6E8A-4147-A177-3AD203B41FA5}">
-                      <a16:colId xmlns:a16="http://schemas.microsoft.com/office/drawing/2014/main" val="1403007596"/>
-                    </a:ext>
-                  </a:extLst>
-                </a:gridCol>
-                <a:gridCol w="1458533">
-                  <a:extLst>
-                    <a:ext uri="{9D8B030D-6E8A-4147-A177-3AD203B41FA5}">
-                      <a16:colId xmlns:a16="http://schemas.microsoft.com/office/drawing/2014/main" val="2720054862"/>
-                    </a:ext>
-                  </a:extLst>
-                </a:gridCol>
-                <a:gridCol w="1458533">
-                  <a:extLst>
-                    <a:ext uri="{9D8B030D-6E8A-4147-A177-3AD203B41FA5}">
-                      <a16:colId xmlns:a16="http://schemas.microsoft.com/office/drawing/2014/main" val="179345016"/>
-                    </a:ext>
-                  </a:extLst>
-                </a:gridCol>
-              </a:tblGrid>
-              <a:tr h="450947">
-                <a:tc>
-                  <a:txBody>
-                    <a:bodyPr/>
-                    <a:lstStyle/>
-                    <a:p>
-                      <a:r>
-                        <a:rPr lang="en-GB" sz="1200" dirty="0">
-                          <a:latin typeface="DejaVu Sans Book" panose="020B0603030804020204" pitchFamily="34" charset="0"/>
-                          <a:ea typeface="DejaVu Sans Book" panose="020B0603030804020204" pitchFamily="34" charset="0"/>
-                          <a:cs typeface="DejaVu Sans Book" panose="020B0603030804020204" pitchFamily="34" charset="0"/>
-                        </a:rPr>
-                        <a:t>Unit</a:t>
-                      </a:r>
-                    </a:p>
-                  </a:txBody>
-                  <a:tcPr/>
-                </a:tc>
-                <a:tc>
-                  <a:txBody>
-                    <a:bodyPr/>
-                    <a:lstStyle/>
-                    <a:p>
-                      <a:r>
-                        <a:rPr lang="en-GB" sz="1200" dirty="0">
-                          <a:latin typeface="DejaVu Sans Book" panose="020B0603030804020204" pitchFamily="34" charset="0"/>
-                          <a:ea typeface="DejaVu Sans Book" panose="020B0603030804020204" pitchFamily="34" charset="0"/>
-                          <a:cs typeface="DejaVu Sans Book" panose="020B0603030804020204" pitchFamily="34" charset="0"/>
-                        </a:rPr>
-                        <a:t>Case</a:t>
-                      </a:r>
-                    </a:p>
-                  </a:txBody>
-                  <a:tcPr/>
-                </a:tc>
-                <a:tc>
-                  <a:txBody>
-                    <a:bodyPr/>
-                    <a:lstStyle/>
-                    <a:p>
-                      <a:r>
-                        <a:rPr lang="en-GB" sz="1200" dirty="0">
-                          <a:latin typeface="DejaVu Sans Book" panose="020B0603030804020204" pitchFamily="34" charset="0"/>
-                          <a:ea typeface="DejaVu Sans Book" panose="020B0603030804020204" pitchFamily="34" charset="0"/>
-                          <a:cs typeface="DejaVu Sans Book" panose="020B0603030804020204" pitchFamily="34" charset="0"/>
-                        </a:rPr>
-                        <a:t>Expected output</a:t>
-                      </a:r>
-                    </a:p>
-                  </a:txBody>
-                  <a:tcPr/>
-                </a:tc>
-                <a:tc>
-                  <a:txBody>
-                    <a:bodyPr/>
-                    <a:lstStyle/>
-                    <a:p>
-                      <a:r>
-                        <a:rPr lang="en-GB" sz="1200" dirty="0">
-                          <a:latin typeface="DejaVu Sans Book" panose="020B0603030804020204" pitchFamily="34" charset="0"/>
-                          <a:ea typeface="DejaVu Sans Book" panose="020B0603030804020204" pitchFamily="34" charset="0"/>
-                          <a:cs typeface="DejaVu Sans Book" panose="020B0603030804020204" pitchFamily="34" charset="0"/>
-                        </a:rPr>
-                        <a:t>Comment</a:t>
-                      </a:r>
-                    </a:p>
-                  </a:txBody>
-                  <a:tcPr/>
-                </a:tc>
-                <a:extLst>
-                  <a:ext uri="{0D108BD9-81ED-4DB2-BD59-A6C34878D82A}">
-                    <a16:rowId xmlns:a16="http://schemas.microsoft.com/office/drawing/2014/main" val="2286388441"/>
-                  </a:ext>
-                </a:extLst>
-              </a:tr>
-              <a:tr h="272719">
-                <a:tc>
-                  <a:txBody>
-                    <a:bodyPr/>
-                    <a:lstStyle/>
-                    <a:p>
-                      <a:r>
-                        <a:rPr lang="en-GB" sz="1200" dirty="0">
-                          <a:latin typeface="DejaVu Sans Book" panose="020B0603030804020204" pitchFamily="34" charset="0"/>
-                          <a:ea typeface="DejaVu Sans Book" panose="020B0603030804020204" pitchFamily="34" charset="0"/>
-                          <a:cs typeface="DejaVu Sans Book" panose="020B0603030804020204" pitchFamily="34" charset="0"/>
-                        </a:rPr>
-                        <a:t>dec2bin n</a:t>
-                      </a:r>
-                    </a:p>
-                  </a:txBody>
-                  <a:tcPr/>
-                </a:tc>
-                <a:tc>
-                  <a:txBody>
-                    <a:bodyPr/>
-                    <a:lstStyle/>
-                    <a:p>
-                      <a:pPr marL="0" marR="0" lvl="0" indent="0" algn="l" defTabSz="914400" rtl="0" eaLnBrk="1" fontAlgn="auto" latinLnBrk="0" hangingPunct="1">
-                        <a:lnSpc>
-                          <a:spcPct val="100000"/>
-                        </a:lnSpc>
-                        <a:spcBef>
-                          <a:spcPts val="0"/>
-                        </a:spcBef>
-                        <a:spcAft>
-                          <a:spcPts val="0"/>
-                        </a:spcAft>
-                        <a:buClrTx/>
-                        <a:buSzTx/>
-                        <a:buFontTx/>
-                        <a:buNone/>
-                        <a:tabLst/>
-                        <a:defRPr/>
-                      </a:pPr>
-                      <a:r>
-                        <a:rPr lang="en-GB" sz="1200" dirty="0">
-                          <a:latin typeface="DejaVu Sans Book" panose="020B0603030804020204" pitchFamily="34" charset="0"/>
-                          <a:ea typeface="DejaVu Sans Book" panose="020B0603030804020204" pitchFamily="34" charset="0"/>
-                          <a:cs typeface="DejaVu Sans Book" panose="020B0603030804020204" pitchFamily="34" charset="0"/>
-                        </a:rPr>
-                        <a:t>n &lt; 0</a:t>
-                      </a:r>
-                    </a:p>
-                  </a:txBody>
-                  <a:tcPr/>
-                </a:tc>
-                <a:tc>
-                  <a:txBody>
-                    <a:bodyPr/>
-                    <a:lstStyle/>
-                    <a:p>
-                      <a:pPr marL="0" marR="0" lvl="0" indent="0" algn="l" defTabSz="914400" rtl="0" eaLnBrk="1" fontAlgn="auto" latinLnBrk="0" hangingPunct="1">
-                        <a:lnSpc>
-                          <a:spcPct val="100000"/>
-                        </a:lnSpc>
-                        <a:spcBef>
-                          <a:spcPts val="0"/>
-                        </a:spcBef>
-                        <a:spcAft>
-                          <a:spcPts val="0"/>
-                        </a:spcAft>
-                        <a:buClrTx/>
-                        <a:buSzTx/>
-                        <a:buFontTx/>
-                        <a:buNone/>
-                        <a:tabLst/>
-                        <a:defRPr/>
-                      </a:pPr>
-                      <a:r>
-                        <a:rPr lang="en-GB" sz="1200" dirty="0">
-                          <a:latin typeface="DejaVu Sans Book" panose="020B0603030804020204" pitchFamily="34" charset="0"/>
-                          <a:ea typeface="DejaVu Sans Book" panose="020B0603030804020204" pitchFamily="34" charset="0"/>
-                          <a:cs typeface="DejaVu Sans Book" panose="020B0603030804020204" pitchFamily="34" charset="0"/>
-                        </a:rPr>
-                        <a:t>"Illegal value"</a:t>
-                      </a:r>
-                    </a:p>
-                  </a:txBody>
-                  <a:tcPr/>
-                </a:tc>
-                <a:tc>
-                  <a:txBody>
-                    <a:bodyPr/>
-                    <a:lstStyle/>
-                    <a:p>
-                      <a:r>
-                        <a:rPr lang="en-GB" sz="1200" dirty="0">
-                          <a:latin typeface="DejaVu Sans Book" panose="020B0603030804020204" pitchFamily="34" charset="0"/>
-                          <a:ea typeface="DejaVu Sans Book" panose="020B0603030804020204" pitchFamily="34" charset="0"/>
-                          <a:cs typeface="DejaVu Sans Book" panose="020B0603030804020204" pitchFamily="34" charset="0"/>
-                        </a:rPr>
-                        <a:t>negative </a:t>
-                      </a:r>
-                      <a:r>
-                        <a:rPr lang="en-GB" sz="1200" dirty="0" err="1">
-                          <a:latin typeface="DejaVu Sans Book" panose="020B0603030804020204" pitchFamily="34" charset="0"/>
-                          <a:ea typeface="DejaVu Sans Book" panose="020B0603030804020204" pitchFamily="34" charset="0"/>
-                          <a:cs typeface="DejaVu Sans Book" panose="020B0603030804020204" pitchFamily="34" charset="0"/>
-                        </a:rPr>
-                        <a:t>tal</a:t>
-                      </a:r>
-                      <a:endParaRPr lang="en-GB" sz="1200" dirty="0">
-                        <a:latin typeface="DejaVu Sans Book" panose="020B0603030804020204" pitchFamily="34" charset="0"/>
-                        <a:ea typeface="DejaVu Sans Book" panose="020B0603030804020204" pitchFamily="34" charset="0"/>
-                        <a:cs typeface="DejaVu Sans Book" panose="020B0603030804020204" pitchFamily="34" charset="0"/>
-                      </a:endParaRPr>
-                    </a:p>
-                  </a:txBody>
-                  <a:tcPr/>
-                </a:tc>
-                <a:extLst>
-                  <a:ext uri="{0D108BD9-81ED-4DB2-BD59-A6C34878D82A}">
-                    <a16:rowId xmlns:a16="http://schemas.microsoft.com/office/drawing/2014/main" val="1367185139"/>
-                  </a:ext>
-                </a:extLst>
-              </a:tr>
-              <a:tr h="272719">
-                <a:tc>
-                  <a:txBody>
-                    <a:bodyPr/>
-                    <a:lstStyle/>
-                    <a:p>
-                      <a:endParaRPr lang="en-GB" sz="1200" dirty="0">
-                        <a:latin typeface="DejaVu Sans Book" panose="020B0603030804020204" pitchFamily="34" charset="0"/>
-                        <a:ea typeface="DejaVu Sans Book" panose="020B0603030804020204" pitchFamily="34" charset="0"/>
-                        <a:cs typeface="DejaVu Sans Book" panose="020B0603030804020204" pitchFamily="34" charset="0"/>
-                      </a:endParaRPr>
-                    </a:p>
-                  </a:txBody>
-                  <a:tcPr/>
-                </a:tc>
-                <a:tc>
-                  <a:txBody>
-                    <a:bodyPr/>
-                    <a:lstStyle/>
-                    <a:p>
-                      <a:r>
-                        <a:rPr lang="en-GB" sz="1200" dirty="0">
-                          <a:latin typeface="DejaVu Sans Book" panose="020B0603030804020204" pitchFamily="34" charset="0"/>
-                          <a:ea typeface="DejaVu Sans Book" panose="020B0603030804020204" pitchFamily="34" charset="0"/>
-                          <a:cs typeface="DejaVu Sans Book" panose="020B0603030804020204" pitchFamily="34" charset="0"/>
-                        </a:rPr>
-                        <a:t>n = 0</a:t>
-                      </a:r>
-                    </a:p>
-                  </a:txBody>
-                  <a:tcPr/>
-                </a:tc>
-                <a:tc>
-                  <a:txBody>
-                    <a:bodyPr/>
-                    <a:lstStyle/>
-                    <a:p>
-                      <a:pPr marL="0" marR="0" lvl="0" indent="0" algn="l" defTabSz="914400" rtl="0" eaLnBrk="1" fontAlgn="auto" latinLnBrk="0" hangingPunct="1">
-                        <a:lnSpc>
-                          <a:spcPct val="100000"/>
-                        </a:lnSpc>
-                        <a:spcBef>
-                          <a:spcPts val="0"/>
-                        </a:spcBef>
-                        <a:spcAft>
-                          <a:spcPts val="0"/>
-                        </a:spcAft>
-                        <a:buClrTx/>
-                        <a:buSzTx/>
-                        <a:buFontTx/>
-                        <a:buNone/>
-                        <a:tabLst/>
-                        <a:defRPr/>
-                      </a:pPr>
-                      <a:r>
-                        <a:rPr lang="en-GB" sz="1200" dirty="0">
-                          <a:latin typeface="DejaVu Sans Book" panose="020B0603030804020204" pitchFamily="34" charset="0"/>
-                          <a:ea typeface="DejaVu Sans Book" panose="020B0603030804020204" pitchFamily="34" charset="0"/>
-                          <a:cs typeface="DejaVu Sans Book" panose="020B0603030804020204" pitchFamily="34" charset="0"/>
-                        </a:rPr>
-                        <a:t>"0b0"</a:t>
-                      </a:r>
-                    </a:p>
-                  </a:txBody>
-                  <a:tcPr/>
-                </a:tc>
-                <a:tc>
-                  <a:txBody>
-                    <a:bodyPr/>
-                    <a:lstStyle/>
-                    <a:p>
-                      <a:r>
-                        <a:rPr lang="en-GB" sz="1200" dirty="0" err="1">
-                          <a:latin typeface="DejaVu Sans Book" panose="020B0603030804020204" pitchFamily="34" charset="0"/>
-                          <a:ea typeface="DejaVu Sans Book" panose="020B0603030804020204" pitchFamily="34" charset="0"/>
-                          <a:cs typeface="DejaVu Sans Book" panose="020B0603030804020204" pitchFamily="34" charset="0"/>
-                        </a:rPr>
-                        <a:t>grænsetilfælde</a:t>
-                      </a:r>
-                      <a:endParaRPr lang="en-GB" sz="1200" dirty="0">
-                        <a:latin typeface="DejaVu Sans Book" panose="020B0603030804020204" pitchFamily="34" charset="0"/>
-                        <a:ea typeface="DejaVu Sans Book" panose="020B0603030804020204" pitchFamily="34" charset="0"/>
-                        <a:cs typeface="DejaVu Sans Book" panose="020B0603030804020204" pitchFamily="34" charset="0"/>
-                      </a:endParaRPr>
-                    </a:p>
-                  </a:txBody>
-                  <a:tcPr/>
-                </a:tc>
-                <a:extLst>
-                  <a:ext uri="{0D108BD9-81ED-4DB2-BD59-A6C34878D82A}">
-                    <a16:rowId xmlns:a16="http://schemas.microsoft.com/office/drawing/2014/main" val="833342341"/>
-                  </a:ext>
-                </a:extLst>
-              </a:tr>
-              <a:tr h="272719">
-                <a:tc>
-                  <a:txBody>
-                    <a:bodyPr/>
-                    <a:lstStyle/>
-                    <a:p>
-                      <a:endParaRPr lang="en-GB" sz="1200" dirty="0">
-                        <a:latin typeface="DejaVu Sans Book" panose="020B0603030804020204" pitchFamily="34" charset="0"/>
-                        <a:ea typeface="DejaVu Sans Book" panose="020B0603030804020204" pitchFamily="34" charset="0"/>
-                        <a:cs typeface="DejaVu Sans Book" panose="020B0603030804020204" pitchFamily="34" charset="0"/>
-                      </a:endParaRPr>
-                    </a:p>
-                  </a:txBody>
-                  <a:tcPr/>
-                </a:tc>
-                <a:tc>
-                  <a:txBody>
-                    <a:bodyPr/>
-                    <a:lstStyle/>
-                    <a:p>
-                      <a:r>
-                        <a:rPr lang="en-GB" sz="1200" dirty="0">
-                          <a:latin typeface="DejaVu Sans Book" panose="020B0603030804020204" pitchFamily="34" charset="0"/>
-                          <a:ea typeface="DejaVu Sans Book" panose="020B0603030804020204" pitchFamily="34" charset="0"/>
-                          <a:cs typeface="DejaVu Sans Book" panose="020B0603030804020204" pitchFamily="34" charset="0"/>
-                        </a:rPr>
-                        <a:t>n = 1</a:t>
-                      </a:r>
-                    </a:p>
-                  </a:txBody>
-                  <a:tcPr/>
-                </a:tc>
-                <a:tc>
-                  <a:txBody>
-                    <a:bodyPr/>
-                    <a:lstStyle/>
-                    <a:p>
-                      <a:pPr marL="0" marR="0" lvl="0" indent="0" algn="l" defTabSz="914400" rtl="0" eaLnBrk="1" fontAlgn="auto" latinLnBrk="0" hangingPunct="1">
-                        <a:lnSpc>
-                          <a:spcPct val="100000"/>
-                        </a:lnSpc>
-                        <a:spcBef>
-                          <a:spcPts val="0"/>
-                        </a:spcBef>
-                        <a:spcAft>
-                          <a:spcPts val="0"/>
-                        </a:spcAft>
-                        <a:buClrTx/>
-                        <a:buSzTx/>
-                        <a:buFontTx/>
-                        <a:buNone/>
-                        <a:tabLst/>
-                        <a:defRPr/>
-                      </a:pPr>
-                      <a:r>
-                        <a:rPr lang="en-GB" sz="1200" dirty="0">
-                          <a:latin typeface="DejaVu Sans Book" panose="020B0603030804020204" pitchFamily="34" charset="0"/>
-                          <a:ea typeface="DejaVu Sans Book" panose="020B0603030804020204" pitchFamily="34" charset="0"/>
-                          <a:cs typeface="DejaVu Sans Book" panose="020B0603030804020204" pitchFamily="34" charset="0"/>
-                        </a:rPr>
-                        <a:t>"0b1"</a:t>
-                      </a:r>
-                    </a:p>
-                  </a:txBody>
-                  <a:tcPr/>
-                </a:tc>
-                <a:tc>
-                  <a:txBody>
-                    <a:bodyPr/>
-                    <a:lstStyle/>
-                    <a:p>
-                      <a:pPr marL="0" marR="0" lvl="0" indent="0" algn="l" defTabSz="914400" rtl="0" eaLnBrk="1" fontAlgn="auto" latinLnBrk="0" hangingPunct="1">
-                        <a:lnSpc>
-                          <a:spcPct val="100000"/>
-                        </a:lnSpc>
-                        <a:spcBef>
-                          <a:spcPts val="0"/>
-                        </a:spcBef>
-                        <a:spcAft>
-                          <a:spcPts val="0"/>
-                        </a:spcAft>
-                        <a:buClrTx/>
-                        <a:buSzTx/>
-                        <a:buFontTx/>
-                        <a:buNone/>
-                        <a:tabLst/>
-                        <a:defRPr/>
-                      </a:pPr>
-                      <a:r>
-                        <a:rPr lang="en-GB" sz="1200" dirty="0">
-                          <a:latin typeface="DejaVu Sans Book" panose="020B0603030804020204" pitchFamily="34" charset="0"/>
-                          <a:ea typeface="DejaVu Sans Book" panose="020B0603030804020204" pitchFamily="34" charset="0"/>
-                          <a:cs typeface="DejaVu Sans Book" panose="020B0603030804020204" pitchFamily="34" charset="0"/>
-                        </a:rPr>
-                        <a:t>1 bit</a:t>
-                      </a:r>
-                    </a:p>
-                  </a:txBody>
-                  <a:tcPr/>
-                </a:tc>
-                <a:extLst>
-                  <a:ext uri="{0D108BD9-81ED-4DB2-BD59-A6C34878D82A}">
-                    <a16:rowId xmlns:a16="http://schemas.microsoft.com/office/drawing/2014/main" val="410681418"/>
-                  </a:ext>
-                </a:extLst>
-              </a:tr>
-              <a:tr h="272719">
-                <a:tc>
-                  <a:txBody>
-                    <a:bodyPr/>
-                    <a:lstStyle/>
-                    <a:p>
-                      <a:endParaRPr lang="en-GB" sz="1200" dirty="0">
-                        <a:latin typeface="DejaVu Sans Book" panose="020B0603030804020204" pitchFamily="34" charset="0"/>
-                        <a:ea typeface="DejaVu Sans Book" panose="020B0603030804020204" pitchFamily="34" charset="0"/>
-                        <a:cs typeface="DejaVu Sans Book" panose="020B0603030804020204" pitchFamily="34" charset="0"/>
-                      </a:endParaRPr>
-                    </a:p>
-                  </a:txBody>
-                  <a:tcPr/>
-                </a:tc>
-                <a:tc>
-                  <a:txBody>
-                    <a:bodyPr/>
-                    <a:lstStyle/>
-                    <a:p>
-                      <a:r>
-                        <a:rPr lang="en-GB" sz="1200" dirty="0">
-                          <a:latin typeface="DejaVu Sans Book" panose="020B0603030804020204" pitchFamily="34" charset="0"/>
-                          <a:ea typeface="DejaVu Sans Book" panose="020B0603030804020204" pitchFamily="34" charset="0"/>
-                          <a:cs typeface="DejaVu Sans Book" panose="020B0603030804020204" pitchFamily="34" charset="0"/>
-                        </a:rPr>
-                        <a:t>n = 2</a:t>
-                      </a:r>
-                    </a:p>
-                  </a:txBody>
-                  <a:tcPr/>
-                </a:tc>
-                <a:tc>
-                  <a:txBody>
-                    <a:bodyPr/>
-                    <a:lstStyle/>
-                    <a:p>
-                      <a:pPr marL="0" marR="0" lvl="0" indent="0" algn="l" defTabSz="914400" rtl="0" eaLnBrk="1" fontAlgn="auto" latinLnBrk="0" hangingPunct="1">
-                        <a:lnSpc>
-                          <a:spcPct val="100000"/>
-                        </a:lnSpc>
-                        <a:spcBef>
-                          <a:spcPts val="0"/>
-                        </a:spcBef>
-                        <a:spcAft>
-                          <a:spcPts val="0"/>
-                        </a:spcAft>
-                        <a:buClrTx/>
-                        <a:buSzTx/>
-                        <a:buFontTx/>
-                        <a:buNone/>
-                        <a:tabLst/>
-                        <a:defRPr/>
-                      </a:pPr>
-                      <a:r>
-                        <a:rPr lang="en-GB" sz="1200" dirty="0">
-                          <a:latin typeface="DejaVu Sans Book" panose="020B0603030804020204" pitchFamily="34" charset="0"/>
-                          <a:ea typeface="DejaVu Sans Book" panose="020B0603030804020204" pitchFamily="34" charset="0"/>
-                          <a:cs typeface="DejaVu Sans Book" panose="020B0603030804020204" pitchFamily="34" charset="0"/>
-                        </a:rPr>
-                        <a:t>"0b10"</a:t>
-                      </a:r>
-                    </a:p>
-                  </a:txBody>
-                  <a:tcPr/>
-                </a:tc>
-                <a:tc>
-                  <a:txBody>
-                    <a:bodyPr/>
-                    <a:lstStyle/>
-                    <a:p>
-                      <a:r>
-                        <a:rPr lang="en-GB" sz="1200" dirty="0">
-                          <a:latin typeface="DejaVu Sans Book" panose="020B0603030804020204" pitchFamily="34" charset="0"/>
-                          <a:ea typeface="DejaVu Sans Book" panose="020B0603030804020204" pitchFamily="34" charset="0"/>
-                          <a:cs typeface="DejaVu Sans Book" panose="020B0603030804020204" pitchFamily="34" charset="0"/>
-                        </a:rPr>
-                        <a:t>2 bit</a:t>
-                      </a:r>
-                    </a:p>
-                  </a:txBody>
-                  <a:tcPr/>
-                </a:tc>
-                <a:extLst>
-                  <a:ext uri="{0D108BD9-81ED-4DB2-BD59-A6C34878D82A}">
-                    <a16:rowId xmlns:a16="http://schemas.microsoft.com/office/drawing/2014/main" val="2724263722"/>
-                  </a:ext>
-                </a:extLst>
-              </a:tr>
-              <a:tr h="636346">
-                <a:tc>
-                  <a:txBody>
-                    <a:bodyPr/>
-                    <a:lstStyle/>
-                    <a:p>
-                      <a:endParaRPr lang="en-GB" sz="1200">
-                        <a:latin typeface="DejaVu Sans Book" panose="020B0603030804020204" pitchFamily="34" charset="0"/>
-                        <a:ea typeface="DejaVu Sans Book" panose="020B0603030804020204" pitchFamily="34" charset="0"/>
-                        <a:cs typeface="DejaVu Sans Book" panose="020B0603030804020204" pitchFamily="34" charset="0"/>
-                      </a:endParaRPr>
-                    </a:p>
-                  </a:txBody>
-                  <a:tcPr/>
-                </a:tc>
-                <a:tc>
-                  <a:txBody>
-                    <a:bodyPr/>
-                    <a:lstStyle/>
-                    <a:p>
-                      <a:pPr marL="0" marR="0" lvl="0" indent="0" algn="l" defTabSz="914400" rtl="0" eaLnBrk="1" fontAlgn="auto" latinLnBrk="0" hangingPunct="1">
-                        <a:lnSpc>
-                          <a:spcPct val="100000"/>
-                        </a:lnSpc>
-                        <a:spcBef>
-                          <a:spcPts val="0"/>
-                        </a:spcBef>
-                        <a:spcAft>
-                          <a:spcPts val="0"/>
-                        </a:spcAft>
-                        <a:buClrTx/>
-                        <a:buSzTx/>
-                        <a:buFontTx/>
-                        <a:buNone/>
-                        <a:tabLst/>
-                        <a:defRPr/>
-                      </a:pPr>
-                      <a:r>
-                        <a:rPr lang="en-GB" sz="1200" dirty="0">
-                          <a:latin typeface="DejaVu Sans Book" panose="020B0603030804020204" pitchFamily="34" charset="0"/>
-                          <a:ea typeface="DejaVu Sans Book" panose="020B0603030804020204" pitchFamily="34" charset="0"/>
-                          <a:cs typeface="DejaVu Sans Book" panose="020B0603030804020204" pitchFamily="34" charset="0"/>
-                        </a:rPr>
-                        <a:t>n = 10</a:t>
-                      </a:r>
-                    </a:p>
-                  </a:txBody>
-                  <a:tcPr/>
-                </a:tc>
-                <a:tc>
-                  <a:txBody>
-                    <a:bodyPr/>
-                    <a:lstStyle/>
-                    <a:p>
-                      <a:r>
-                        <a:rPr lang="en-GB" sz="1200" dirty="0">
-                          <a:latin typeface="DejaVu Sans Book" panose="020B0603030804020204" pitchFamily="34" charset="0"/>
-                          <a:ea typeface="DejaVu Sans Book" panose="020B0603030804020204" pitchFamily="34" charset="0"/>
-                          <a:cs typeface="DejaVu Sans Book" panose="020B0603030804020204" pitchFamily="34" charset="0"/>
-                        </a:rPr>
-                        <a:t>"0b1010"</a:t>
-                      </a:r>
-                    </a:p>
-                  </a:txBody>
-                  <a:tcPr/>
-                </a:tc>
-                <a:tc>
-                  <a:txBody>
-                    <a:bodyPr/>
-                    <a:lstStyle/>
-                    <a:p>
-                      <a:r>
-                        <a:rPr lang="en-GB" sz="1200" dirty="0" err="1">
-                          <a:latin typeface="DejaVu Sans Book" panose="020B0603030804020204" pitchFamily="34" charset="0"/>
-                          <a:ea typeface="DejaVu Sans Book" panose="020B0603030804020204" pitchFamily="34" charset="0"/>
-                          <a:cs typeface="DejaVu Sans Book" panose="020B0603030804020204" pitchFamily="34" charset="0"/>
-                        </a:rPr>
-                        <a:t>stort</a:t>
-                      </a:r>
-                      <a:r>
-                        <a:rPr lang="en-GB" sz="1200" dirty="0">
-                          <a:latin typeface="DejaVu Sans Book" panose="020B0603030804020204" pitchFamily="34" charset="0"/>
-                          <a:ea typeface="DejaVu Sans Book" panose="020B0603030804020204" pitchFamily="34" charset="0"/>
-                          <a:cs typeface="DejaVu Sans Book" panose="020B0603030804020204" pitchFamily="34" charset="0"/>
-                        </a:rPr>
-                        <a:t> </a:t>
-                      </a:r>
-                      <a:r>
-                        <a:rPr lang="en-GB" sz="1200" dirty="0" err="1">
-                          <a:latin typeface="DejaVu Sans Book" panose="020B0603030804020204" pitchFamily="34" charset="0"/>
-                          <a:ea typeface="DejaVu Sans Book" panose="020B0603030804020204" pitchFamily="34" charset="0"/>
-                          <a:cs typeface="DejaVu Sans Book" panose="020B0603030804020204" pitchFamily="34" charset="0"/>
-                        </a:rPr>
-                        <a:t>lige</a:t>
-                      </a:r>
-                      <a:r>
-                        <a:rPr lang="en-GB" sz="1200" dirty="0">
-                          <a:latin typeface="DejaVu Sans Book" panose="020B0603030804020204" pitchFamily="34" charset="0"/>
-                          <a:ea typeface="DejaVu Sans Book" panose="020B0603030804020204" pitchFamily="34" charset="0"/>
-                          <a:cs typeface="DejaVu Sans Book" panose="020B0603030804020204" pitchFamily="34" charset="0"/>
-                        </a:rPr>
-                        <a:t> </a:t>
-                      </a:r>
-                      <a:r>
-                        <a:rPr lang="en-GB" sz="1200" dirty="0" err="1">
-                          <a:latin typeface="DejaVu Sans Book" panose="020B0603030804020204" pitchFamily="34" charset="0"/>
-                          <a:ea typeface="DejaVu Sans Book" panose="020B0603030804020204" pitchFamily="34" charset="0"/>
-                          <a:cs typeface="DejaVu Sans Book" panose="020B0603030804020204" pitchFamily="34" charset="0"/>
-                        </a:rPr>
-                        <a:t>tal</a:t>
-                      </a:r>
-                      <a:r>
-                        <a:rPr lang="en-GB" sz="1200" dirty="0">
-                          <a:latin typeface="DejaVu Sans Book" panose="020B0603030804020204" pitchFamily="34" charset="0"/>
-                          <a:ea typeface="DejaVu Sans Book" panose="020B0603030804020204" pitchFamily="34" charset="0"/>
-                          <a:cs typeface="DejaVu Sans Book" panose="020B0603030804020204" pitchFamily="34" charset="0"/>
-                        </a:rPr>
-                        <a:t> (</a:t>
-                      </a:r>
-                      <a:r>
-                        <a:rPr lang="en-GB" sz="1200" dirty="0" err="1">
-                          <a:latin typeface="DejaVu Sans Book" panose="020B0603030804020204" pitchFamily="34" charset="0"/>
-                          <a:ea typeface="DejaVu Sans Book" panose="020B0603030804020204" pitchFamily="34" charset="0"/>
-                          <a:cs typeface="DejaVu Sans Book" panose="020B0603030804020204" pitchFamily="34" charset="0"/>
-                        </a:rPr>
-                        <a:t>venstre</a:t>
-                      </a:r>
-                      <a:r>
-                        <a:rPr lang="en-GB" sz="1200" dirty="0">
-                          <a:latin typeface="DejaVu Sans Book" panose="020B0603030804020204" pitchFamily="34" charset="0"/>
-                          <a:ea typeface="DejaVu Sans Book" panose="020B0603030804020204" pitchFamily="34" charset="0"/>
-                          <a:cs typeface="DejaVu Sans Book" panose="020B0603030804020204" pitchFamily="34" charset="0"/>
-                        </a:rPr>
-                        <a:t> bit sat min </a:t>
-                      </a:r>
-                      <a:r>
-                        <a:rPr lang="en-GB" sz="1200" dirty="0" err="1">
-                          <a:latin typeface="DejaVu Sans Book" panose="020B0603030804020204" pitchFamily="34" charset="0"/>
-                          <a:ea typeface="DejaVu Sans Book" panose="020B0603030804020204" pitchFamily="34" charset="0"/>
-                          <a:cs typeface="DejaVu Sans Book" panose="020B0603030804020204" pitchFamily="34" charset="0"/>
-                        </a:rPr>
-                        <a:t>ikke</a:t>
-                      </a:r>
-                      <a:r>
-                        <a:rPr lang="en-GB" sz="1200" dirty="0">
-                          <a:latin typeface="DejaVu Sans Book" panose="020B0603030804020204" pitchFamily="34" charset="0"/>
-                          <a:ea typeface="DejaVu Sans Book" panose="020B0603030804020204" pitchFamily="34" charset="0"/>
-                          <a:cs typeface="DejaVu Sans Book" panose="020B0603030804020204" pitchFamily="34" charset="0"/>
-                        </a:rPr>
-                        <a:t> </a:t>
-                      </a:r>
-                      <a:r>
-                        <a:rPr lang="en-GB" sz="1200" dirty="0" err="1">
-                          <a:latin typeface="DejaVu Sans Book" panose="020B0603030804020204" pitchFamily="34" charset="0"/>
-                          <a:ea typeface="DejaVu Sans Book" panose="020B0603030804020204" pitchFamily="34" charset="0"/>
-                          <a:cs typeface="DejaVu Sans Book" panose="020B0603030804020204" pitchFamily="34" charset="0"/>
-                        </a:rPr>
-                        <a:t>højre</a:t>
-                      </a:r>
-                      <a:r>
-                        <a:rPr lang="en-GB" sz="1200" dirty="0">
-                          <a:latin typeface="DejaVu Sans Book" panose="020B0603030804020204" pitchFamily="34" charset="0"/>
-                          <a:ea typeface="DejaVu Sans Book" panose="020B0603030804020204" pitchFamily="34" charset="0"/>
-                          <a:cs typeface="DejaVu Sans Book" panose="020B0603030804020204" pitchFamily="34" charset="0"/>
-                        </a:rPr>
-                        <a:t>)</a:t>
-                      </a:r>
-                    </a:p>
-                  </a:txBody>
-                  <a:tcPr/>
-                </a:tc>
-                <a:extLst>
-                  <a:ext uri="{0D108BD9-81ED-4DB2-BD59-A6C34878D82A}">
-                    <a16:rowId xmlns:a16="http://schemas.microsoft.com/office/drawing/2014/main" val="3655394169"/>
-                  </a:ext>
-                </a:extLst>
-              </a:tr>
-              <a:tr h="636346">
-                <a:tc>
-                  <a:txBody>
-                    <a:bodyPr/>
-                    <a:lstStyle/>
-                    <a:p>
-                      <a:endParaRPr lang="en-GB" sz="1200" dirty="0">
-                        <a:latin typeface="DejaVu Sans Book" panose="020B0603030804020204" pitchFamily="34" charset="0"/>
-                        <a:ea typeface="DejaVu Sans Book" panose="020B0603030804020204" pitchFamily="34" charset="0"/>
-                        <a:cs typeface="DejaVu Sans Book" panose="020B0603030804020204" pitchFamily="34" charset="0"/>
-                      </a:endParaRPr>
-                    </a:p>
-                  </a:txBody>
-                  <a:tcPr/>
-                </a:tc>
-                <a:tc>
-                  <a:txBody>
-                    <a:bodyPr/>
-                    <a:lstStyle/>
-                    <a:p>
-                      <a:r>
-                        <a:rPr lang="en-GB" sz="1200" dirty="0">
-                          <a:latin typeface="DejaVu Sans Book" panose="020B0603030804020204" pitchFamily="34" charset="0"/>
-                          <a:ea typeface="DejaVu Sans Book" panose="020B0603030804020204" pitchFamily="34" charset="0"/>
-                          <a:cs typeface="DejaVu Sans Book" panose="020B0603030804020204" pitchFamily="34" charset="0"/>
-                        </a:rPr>
-                        <a:t>n = 11</a:t>
-                      </a:r>
-                    </a:p>
-                  </a:txBody>
-                  <a:tcPr/>
-                </a:tc>
-                <a:tc>
-                  <a:txBody>
-                    <a:bodyPr/>
-                    <a:lstStyle/>
-                    <a:p>
-                      <a:pPr marL="0" marR="0" lvl="0" indent="0" algn="l" defTabSz="914400" rtl="0" eaLnBrk="1" fontAlgn="auto" latinLnBrk="0" hangingPunct="1">
-                        <a:lnSpc>
-                          <a:spcPct val="100000"/>
-                        </a:lnSpc>
-                        <a:spcBef>
-                          <a:spcPts val="0"/>
-                        </a:spcBef>
-                        <a:spcAft>
-                          <a:spcPts val="0"/>
-                        </a:spcAft>
-                        <a:buClrTx/>
-                        <a:buSzTx/>
-                        <a:buFontTx/>
-                        <a:buNone/>
-                        <a:tabLst/>
-                        <a:defRPr/>
-                      </a:pPr>
-                      <a:r>
-                        <a:rPr lang="en-GB" sz="1200" dirty="0">
-                          <a:latin typeface="DejaVu Sans Book" panose="020B0603030804020204" pitchFamily="34" charset="0"/>
-                          <a:ea typeface="DejaVu Sans Book" panose="020B0603030804020204" pitchFamily="34" charset="0"/>
-                          <a:cs typeface="DejaVu Sans Book" panose="020B0603030804020204" pitchFamily="34" charset="0"/>
-                        </a:rPr>
-                        <a:t>"0b1011"</a:t>
-                      </a:r>
-                    </a:p>
-                  </a:txBody>
-                  <a:tcPr/>
-                </a:tc>
-                <a:tc>
-                  <a:txBody>
-                    <a:bodyPr/>
-                    <a:lstStyle/>
-                    <a:p>
-                      <a:pPr marL="0" marR="0" lvl="0" indent="0" algn="l" defTabSz="914400" rtl="0" eaLnBrk="1" fontAlgn="auto" latinLnBrk="0" hangingPunct="1">
-                        <a:lnSpc>
-                          <a:spcPct val="100000"/>
-                        </a:lnSpc>
-                        <a:spcBef>
-                          <a:spcPts val="0"/>
-                        </a:spcBef>
-                        <a:spcAft>
-                          <a:spcPts val="0"/>
-                        </a:spcAft>
-                        <a:buClrTx/>
-                        <a:buSzTx/>
-                        <a:buFontTx/>
-                        <a:buNone/>
-                        <a:tabLst/>
-                        <a:defRPr/>
-                      </a:pPr>
-                      <a:r>
-                        <a:rPr lang="en-GB" sz="1200" dirty="0" err="1">
-                          <a:latin typeface="DejaVu Sans Book" panose="020B0603030804020204" pitchFamily="34" charset="0"/>
-                          <a:ea typeface="DejaVu Sans Book" panose="020B0603030804020204" pitchFamily="34" charset="0"/>
-                          <a:cs typeface="DejaVu Sans Book" panose="020B0603030804020204" pitchFamily="34" charset="0"/>
-                        </a:rPr>
-                        <a:t>stort</a:t>
-                      </a:r>
-                      <a:r>
-                        <a:rPr lang="en-GB" sz="1200" dirty="0">
-                          <a:latin typeface="DejaVu Sans Book" panose="020B0603030804020204" pitchFamily="34" charset="0"/>
-                          <a:ea typeface="DejaVu Sans Book" panose="020B0603030804020204" pitchFamily="34" charset="0"/>
-                          <a:cs typeface="DejaVu Sans Book" panose="020B0603030804020204" pitchFamily="34" charset="0"/>
-                        </a:rPr>
-                        <a:t> </a:t>
-                      </a:r>
-                      <a:r>
-                        <a:rPr lang="en-GB" sz="1200" dirty="0" err="1">
-                          <a:latin typeface="DejaVu Sans Book" panose="020B0603030804020204" pitchFamily="34" charset="0"/>
-                          <a:ea typeface="DejaVu Sans Book" panose="020B0603030804020204" pitchFamily="34" charset="0"/>
-                          <a:cs typeface="DejaVu Sans Book" panose="020B0603030804020204" pitchFamily="34" charset="0"/>
-                        </a:rPr>
-                        <a:t>ulige</a:t>
-                      </a:r>
-                      <a:r>
-                        <a:rPr lang="en-GB" sz="1200" dirty="0">
-                          <a:latin typeface="DejaVu Sans Book" panose="020B0603030804020204" pitchFamily="34" charset="0"/>
-                          <a:ea typeface="DejaVu Sans Book" panose="020B0603030804020204" pitchFamily="34" charset="0"/>
-                          <a:cs typeface="DejaVu Sans Book" panose="020B0603030804020204" pitchFamily="34" charset="0"/>
-                        </a:rPr>
-                        <a:t> </a:t>
-                      </a:r>
-                      <a:r>
-                        <a:rPr lang="en-GB" sz="1200" dirty="0" err="1">
-                          <a:latin typeface="DejaVu Sans Book" panose="020B0603030804020204" pitchFamily="34" charset="0"/>
-                          <a:ea typeface="DejaVu Sans Book" panose="020B0603030804020204" pitchFamily="34" charset="0"/>
-                          <a:cs typeface="DejaVu Sans Book" panose="020B0603030804020204" pitchFamily="34" charset="0"/>
-                        </a:rPr>
-                        <a:t>tal</a:t>
-                      </a:r>
-                      <a:r>
-                        <a:rPr lang="en-GB" sz="1200" dirty="0">
-                          <a:latin typeface="DejaVu Sans Book" panose="020B0603030804020204" pitchFamily="34" charset="0"/>
-                          <a:ea typeface="DejaVu Sans Book" panose="020B0603030804020204" pitchFamily="34" charset="0"/>
-                          <a:cs typeface="DejaVu Sans Book" panose="020B0603030804020204" pitchFamily="34" charset="0"/>
-                        </a:rPr>
-                        <a:t> (</a:t>
-                      </a:r>
-                      <a:r>
-                        <a:rPr lang="en-GB" sz="1200" dirty="0" err="1">
-                          <a:latin typeface="DejaVu Sans Book" panose="020B0603030804020204" pitchFamily="34" charset="0"/>
-                          <a:ea typeface="DejaVu Sans Book" panose="020B0603030804020204" pitchFamily="34" charset="0"/>
-                          <a:cs typeface="DejaVu Sans Book" panose="020B0603030804020204" pitchFamily="34" charset="0"/>
-                        </a:rPr>
-                        <a:t>venstre</a:t>
-                      </a:r>
-                      <a:r>
-                        <a:rPr lang="en-GB" sz="1200" dirty="0">
-                          <a:latin typeface="DejaVu Sans Book" panose="020B0603030804020204" pitchFamily="34" charset="0"/>
-                          <a:ea typeface="DejaVu Sans Book" panose="020B0603030804020204" pitchFamily="34" charset="0"/>
-                          <a:cs typeface="DejaVu Sans Book" panose="020B0603030804020204" pitchFamily="34" charset="0"/>
-                        </a:rPr>
-                        <a:t> </a:t>
-                      </a:r>
-                      <a:r>
-                        <a:rPr lang="en-GB" sz="1200" dirty="0" err="1">
-                          <a:latin typeface="DejaVu Sans Book" panose="020B0603030804020204" pitchFamily="34" charset="0"/>
-                          <a:ea typeface="DejaVu Sans Book" panose="020B0603030804020204" pitchFamily="34" charset="0"/>
-                          <a:cs typeface="DejaVu Sans Book" panose="020B0603030804020204" pitchFamily="34" charset="0"/>
-                        </a:rPr>
-                        <a:t>og</a:t>
-                      </a:r>
-                      <a:r>
-                        <a:rPr lang="en-GB" sz="1200" dirty="0">
-                          <a:latin typeface="DejaVu Sans Book" panose="020B0603030804020204" pitchFamily="34" charset="0"/>
-                          <a:ea typeface="DejaVu Sans Book" panose="020B0603030804020204" pitchFamily="34" charset="0"/>
-                          <a:cs typeface="DejaVu Sans Book" panose="020B0603030804020204" pitchFamily="34" charset="0"/>
-                        </a:rPr>
-                        <a:t> </a:t>
-                      </a:r>
-                      <a:r>
-                        <a:rPr lang="en-GB" sz="1200" dirty="0" err="1">
-                          <a:latin typeface="DejaVu Sans Book" panose="020B0603030804020204" pitchFamily="34" charset="0"/>
-                          <a:ea typeface="DejaVu Sans Book" panose="020B0603030804020204" pitchFamily="34" charset="0"/>
-                          <a:cs typeface="DejaVu Sans Book" panose="020B0603030804020204" pitchFamily="34" charset="0"/>
-                        </a:rPr>
-                        <a:t>højre</a:t>
-                      </a:r>
-                      <a:r>
-                        <a:rPr lang="en-GB" sz="1200" dirty="0">
-                          <a:latin typeface="DejaVu Sans Book" panose="020B0603030804020204" pitchFamily="34" charset="0"/>
-                          <a:ea typeface="DejaVu Sans Book" panose="020B0603030804020204" pitchFamily="34" charset="0"/>
-                          <a:cs typeface="DejaVu Sans Book" panose="020B0603030804020204" pitchFamily="34" charset="0"/>
-                        </a:rPr>
-                        <a:t> bit sat)</a:t>
-                      </a:r>
-                    </a:p>
-                  </a:txBody>
-                  <a:tcPr/>
-                </a:tc>
-                <a:extLst>
-                  <a:ext uri="{0D108BD9-81ED-4DB2-BD59-A6C34878D82A}">
-                    <a16:rowId xmlns:a16="http://schemas.microsoft.com/office/drawing/2014/main" val="3229732226"/>
-                  </a:ext>
-                </a:extLst>
-              </a:tr>
-            </a:tbl>
-          </a:graphicData>
-        </a:graphic>
-      </p:graphicFrame>
-    </p:spTree>
-    <p:extLst>
-      <p:ext uri="{BB962C8B-B14F-4D97-AF65-F5344CB8AC3E}">
-        <p14:creationId xmlns:p14="http://schemas.microsoft.com/office/powerpoint/2010/main" val="3555943588"/>
       </p:ext>
     </p:extLst>
   </p:cSld>

--- a/lectures/4.2ModulesNTests/lecture.pptx
+++ b/lectures/4.2ModulesNTests/lecture.pptx
@@ -205,7 +205,7 @@
           <a:p>
             <a:fld id="{248031C6-E4B0-0444-A4A8-9CCE96EC2C9C}" type="datetimeFigureOut">
               <a:rPr lang="en-GB" smtClean="0"/>
-              <a:t>24/09/2018</a:t>
+              <a:t>25/09/2018</a:t>
             </a:fld>
             <a:endParaRPr lang="en-GB"/>
           </a:p>
@@ -622,7 +622,7 @@
           <a:p>
             <a:fld id="{66665395-52C5-5E4B-BB20-CD4E0BBC9899}" type="datetimeFigureOut">
               <a:rPr lang="en-GB" smtClean="0"/>
-              <a:t>24/09/2018</a:t>
+              <a:t>25/09/2018</a:t>
             </a:fld>
             <a:endParaRPr lang="en-GB"/>
           </a:p>
@@ -822,7 +822,7 @@
           <a:p>
             <a:fld id="{66665395-52C5-5E4B-BB20-CD4E0BBC9899}" type="datetimeFigureOut">
               <a:rPr lang="en-GB" smtClean="0"/>
-              <a:t>24/09/2018</a:t>
+              <a:t>25/09/2018</a:t>
             </a:fld>
             <a:endParaRPr lang="en-GB"/>
           </a:p>
@@ -1032,7 +1032,7 @@
           <a:p>
             <a:fld id="{66665395-52C5-5E4B-BB20-CD4E0BBC9899}" type="datetimeFigureOut">
               <a:rPr lang="en-GB" smtClean="0"/>
-              <a:t>24/09/2018</a:t>
+              <a:t>25/09/2018</a:t>
             </a:fld>
             <a:endParaRPr lang="en-GB"/>
           </a:p>
@@ -1232,7 +1232,7 @@
           <a:p>
             <a:fld id="{66665395-52C5-5E4B-BB20-CD4E0BBC9899}" type="datetimeFigureOut">
               <a:rPr lang="en-GB" smtClean="0"/>
-              <a:t>24/09/2018</a:t>
+              <a:t>25/09/2018</a:t>
             </a:fld>
             <a:endParaRPr lang="en-GB"/>
           </a:p>
@@ -1508,7 +1508,7 @@
           <a:p>
             <a:fld id="{66665395-52C5-5E4B-BB20-CD4E0BBC9899}" type="datetimeFigureOut">
               <a:rPr lang="en-GB" smtClean="0"/>
-              <a:t>24/09/2018</a:t>
+              <a:t>25/09/2018</a:t>
             </a:fld>
             <a:endParaRPr lang="en-GB"/>
           </a:p>
@@ -1776,7 +1776,7 @@
           <a:p>
             <a:fld id="{66665395-52C5-5E4B-BB20-CD4E0BBC9899}" type="datetimeFigureOut">
               <a:rPr lang="en-GB" smtClean="0"/>
-              <a:t>24/09/2018</a:t>
+              <a:t>25/09/2018</a:t>
             </a:fld>
             <a:endParaRPr lang="en-GB"/>
           </a:p>
@@ -2191,7 +2191,7 @@
           <a:p>
             <a:fld id="{66665395-52C5-5E4B-BB20-CD4E0BBC9899}" type="datetimeFigureOut">
               <a:rPr lang="en-GB" smtClean="0"/>
-              <a:t>24/09/2018</a:t>
+              <a:t>25/09/2018</a:t>
             </a:fld>
             <a:endParaRPr lang="en-GB"/>
           </a:p>
@@ -2333,7 +2333,7 @@
           <a:p>
             <a:fld id="{66665395-52C5-5E4B-BB20-CD4E0BBC9899}" type="datetimeFigureOut">
               <a:rPr lang="en-GB" smtClean="0"/>
-              <a:t>24/09/2018</a:t>
+              <a:t>25/09/2018</a:t>
             </a:fld>
             <a:endParaRPr lang="en-GB"/>
           </a:p>
@@ -2446,7 +2446,7 @@
           <a:p>
             <a:fld id="{66665395-52C5-5E4B-BB20-CD4E0BBC9899}" type="datetimeFigureOut">
               <a:rPr lang="en-GB" smtClean="0"/>
-              <a:t>24/09/2018</a:t>
+              <a:t>25/09/2018</a:t>
             </a:fld>
             <a:endParaRPr lang="en-GB"/>
           </a:p>
@@ -2759,7 +2759,7 @@
           <a:p>
             <a:fld id="{66665395-52C5-5E4B-BB20-CD4E0BBC9899}" type="datetimeFigureOut">
               <a:rPr lang="en-GB" smtClean="0"/>
-              <a:t>24/09/2018</a:t>
+              <a:t>25/09/2018</a:t>
             </a:fld>
             <a:endParaRPr lang="en-GB"/>
           </a:p>
@@ -3048,7 +3048,7 @@
           <a:p>
             <a:fld id="{66665395-52C5-5E4B-BB20-CD4E0BBC9899}" type="datetimeFigureOut">
               <a:rPr lang="en-GB" smtClean="0"/>
-              <a:t>24/09/2018</a:t>
+              <a:t>25/09/2018</a:t>
             </a:fld>
             <a:endParaRPr lang="en-GB"/>
           </a:p>
@@ -3291,7 +3291,7 @@
           <a:p>
             <a:fld id="{66665395-52C5-5E4B-BB20-CD4E0BBC9899}" type="datetimeFigureOut">
               <a:rPr lang="en-GB" smtClean="0"/>
-              <a:t>24/09/2018</a:t>
+              <a:t>25/09/2018</a:t>
             </a:fld>
             <a:endParaRPr lang="en-GB"/>
           </a:p>
@@ -8546,7 +8546,7 @@
           <a:p>
             <a:r>
               <a:rPr lang="en-GB" dirty="0"/>
-              <a:t>Black-box (unit) testing</a:t>
+              <a:t>Black-box testing</a:t>
             </a:r>
           </a:p>
         </p:txBody>
@@ -8662,7 +8662,7 @@
           <p:nvPr>
             <p:extLst>
               <p:ext uri="{D42A27DB-BD31-4B8C-83A1-F6EECF244321}">
-                <p14:modId xmlns:p14="http://schemas.microsoft.com/office/powerpoint/2010/main" val="863971748"/>
+                <p14:modId xmlns:p14="http://schemas.microsoft.com/office/powerpoint/2010/main" val="426827569"/>
               </p:ext>
             </p:extLst>
           </p:nvPr>
@@ -8828,7 +8828,7 @@
                           <a:ea typeface="DejaVu Sans Book" panose="020B0603030804020204" pitchFamily="34" charset="0"/>
                           <a:cs typeface="DejaVu Sans Book" panose="020B0603030804020204" pitchFamily="34" charset="0"/>
                         </a:rPr>
-                        <a:t>n &lt; 0</a:t>
+                        <a:t>n = -1</a:t>
                       </a:r>
                     </a:p>
                   </a:txBody>
@@ -10334,7 +10334,7 @@
           <p:nvPr>
             <p:extLst>
               <p:ext uri="{D42A27DB-BD31-4B8C-83A1-F6EECF244321}">
-                <p14:modId xmlns:p14="http://schemas.microsoft.com/office/powerpoint/2010/main" val="3444855368"/>
+                <p14:modId xmlns:p14="http://schemas.microsoft.com/office/powerpoint/2010/main" val="825338019"/>
               </p:ext>
             </p:extLst>
           </p:nvPr>
@@ -10495,13 +10495,18 @@
                         <a:defRPr/>
                       </a:pPr>
                       <a:r>
-                        <a:rPr lang="en-GB" sz="1200" dirty="0">
-                          <a:latin typeface="DejaVu Sans Book" panose="020B0603030804020204" pitchFamily="34" charset="0"/>
-                          <a:ea typeface="DejaVu Sans Book" panose="020B0603030804020204" pitchFamily="34" charset="0"/>
-                          <a:cs typeface="DejaVu Sans Book" panose="020B0603030804020204" pitchFamily="34" charset="0"/>
-                        </a:rPr>
-                        <a:t>n &lt; 0</a:t>
-                      </a:r>
+                        <a:rPr lang="en-GB" sz="1200">
+                          <a:latin typeface="DejaVu Sans Book" panose="020B0603030804020204" pitchFamily="34" charset="0"/>
+                          <a:ea typeface="DejaVu Sans Book" panose="020B0603030804020204" pitchFamily="34" charset="0"/>
+                          <a:cs typeface="DejaVu Sans Book" panose="020B0603030804020204" pitchFamily="34" charset="0"/>
+                        </a:rPr>
+                        <a:t>n = -1</a:t>
+                      </a:r>
+                      <a:endParaRPr lang="en-GB" sz="1200" dirty="0">
+                        <a:latin typeface="DejaVu Sans Book" panose="020B0603030804020204" pitchFamily="34" charset="0"/>
+                        <a:ea typeface="DejaVu Sans Book" panose="020B0603030804020204" pitchFamily="34" charset="0"/>
+                        <a:cs typeface="DejaVu Sans Book" panose="020B0603030804020204" pitchFamily="34" charset="0"/>
+                      </a:endParaRPr>
                     </a:p>
                   </a:txBody>
                   <a:tcPr/>
